--- a/etc/2019 TechSEO Boost PPT Template.revJR.pptx
+++ b/etc/2019 TechSEO Boost PPT Template.revJR.pptx
@@ -5,25 +5,29 @@
     <p:sldMasterId id="2147483648" r:id="rId1"/>
   </p:sldMasterIdLst>
   <p:notesMasterIdLst>
-    <p:notesMasterId r:id="rId15"/>
+    <p:notesMasterId r:id="rId19"/>
   </p:notesMasterIdLst>
   <p:handoutMasterIdLst>
-    <p:handoutMasterId r:id="rId16"/>
+    <p:handoutMasterId r:id="rId20"/>
   </p:handoutMasterIdLst>
   <p:sldIdLst>
     <p:sldId id="280" r:id="rId2"/>
-    <p:sldId id="262" r:id="rId3"/>
-    <p:sldId id="270" r:id="rId4"/>
-    <p:sldId id="271" r:id="rId5"/>
-    <p:sldId id="279" r:id="rId6"/>
-    <p:sldId id="272" r:id="rId7"/>
-    <p:sldId id="273" r:id="rId8"/>
-    <p:sldId id="274" r:id="rId9"/>
-    <p:sldId id="275" r:id="rId10"/>
-    <p:sldId id="276" r:id="rId11"/>
-    <p:sldId id="277" r:id="rId12"/>
-    <p:sldId id="278" r:id="rId13"/>
-    <p:sldId id="269" r:id="rId14"/>
+    <p:sldId id="275" r:id="rId3"/>
+    <p:sldId id="281" r:id="rId4"/>
+    <p:sldId id="262" r:id="rId5"/>
+    <p:sldId id="271" r:id="rId6"/>
+    <p:sldId id="270" r:id="rId7"/>
+    <p:sldId id="276" r:id="rId8"/>
+    <p:sldId id="282" r:id="rId9"/>
+    <p:sldId id="273" r:id="rId10"/>
+    <p:sldId id="283" r:id="rId11"/>
+    <p:sldId id="284" r:id="rId12"/>
+    <p:sldId id="272" r:id="rId13"/>
+    <p:sldId id="279" r:id="rId14"/>
+    <p:sldId id="274" r:id="rId15"/>
+    <p:sldId id="277" r:id="rId16"/>
+    <p:sldId id="278" r:id="rId17"/>
+    <p:sldId id="269" r:id="rId18"/>
   </p:sldIdLst>
   <p:sldSz cx="12192000" cy="6858000"/>
   <p:notesSz cx="6858000" cy="9144000"/>
@@ -226,7 +230,7 @@
           <a:p>
             <a:fld id="{6BB9ADD9-2B36-3646-B4C2-3A0560683232}" type="datetimeFigureOut">
               <a:rPr lang="en-US" smtClean="0"/>
-              <a:t>11/10/2019</a:t>
+              <a:t>11/16/2019</a:t>
             </a:fld>
             <a:endParaRPr lang="en-US"/>
           </a:p>
@@ -391,7 +395,7 @@
           <a:p>
             <a:fld id="{F972B49E-BBEF-654D-8445-386D7ADD7D4C}" type="datetimeFigureOut">
               <a:rPr lang="en-US" smtClean="0"/>
-              <a:t>11/10/2019</a:t>
+              <a:t>11/16/2019</a:t>
             </a:fld>
             <a:endParaRPr lang="en-US"/>
           </a:p>
@@ -4666,41 +4670,39 @@
       </p:grpSpPr>
       <p:pic>
         <p:nvPicPr>
-          <p:cNvPr id="6" name="Picture Placeholder 5" descr="A screen shot of a computer&#10;&#10;Description automatically generated">
+          <p:cNvPr id="12" name="Picture Placeholder 12">
             <a:extLst>
               <a:ext uri="{FF2B5EF4-FFF2-40B4-BE49-F238E27FC236}">
-                <a16:creationId xmlns:a16="http://schemas.microsoft.com/office/drawing/2014/main" id="{EFD73EEB-079E-724D-9ED5-66A14E367F21}"/>
+                <a16:creationId xmlns:a16="http://schemas.microsoft.com/office/drawing/2014/main" id="{52793ECE-4F1F-42C3-9A5C-DCC7D4F1CBC4}"/>
               </a:ext>
             </a:extLst>
           </p:cNvPr>
           <p:cNvPicPr>
-            <a:picLocks noGrp="1" noChangeAspect="1"/>
+            <a:picLocks noChangeAspect="1"/>
           </p:cNvPicPr>
-          <p:nvPr>
-            <p:ph type="pic" sz="quarter" idx="12"/>
-          </p:nvPr>
+          <p:nvPr/>
         </p:nvPicPr>
         <p:blipFill>
-          <a:blip r:embed="rId2" cstate="screen">
-            <a:extLst>
-              <a:ext uri="{28A0092B-C50C-407E-A947-70E740481C1C}">
-                <a14:useLocalDpi xmlns:a14="http://schemas.microsoft.com/office/drawing/2010/main"/>
-              </a:ext>
-            </a:extLst>
-          </a:blip>
+          <a:blip r:embed="rId2"/>
           <a:srcRect/>
-          <a:stretch>
-            <a:fillRect/>
-          </a:stretch>
+          <a:stretch/>
         </p:blipFill>
-        <p:spPr/>
+        <p:spPr>
+          <a:xfrm>
+            <a:off x="2941538" y="201763"/>
+            <a:ext cx="6308923" cy="4203763"/>
+          </a:xfrm>
+          <a:prstGeom prst="rect">
+            <a:avLst/>
+          </a:prstGeom>
+        </p:spPr>
       </p:pic>
       <p:sp>
         <p:nvSpPr>
-          <p:cNvPr id="3" name="Title 2">
+          <p:cNvPr id="15" name="Title 14">
             <a:extLst>
               <a:ext uri="{FF2B5EF4-FFF2-40B4-BE49-F238E27FC236}">
-                <a16:creationId xmlns:a16="http://schemas.microsoft.com/office/drawing/2014/main" id="{32C5C36C-7AE5-A74F-B18E-A9BFB3A3ED37}"/>
+                <a16:creationId xmlns:a16="http://schemas.microsoft.com/office/drawing/2014/main" id="{E6083260-028C-6C46-8C39-327564784B76}"/>
               </a:ext>
             </a:extLst>
           </p:cNvPr>
@@ -4718,136 +4720,67 @@
           <a:p>
             <a:r>
               <a:rPr lang="en-US" dirty="0"/>
-              <a:t>Title Text Goes Here</a:t>
+              <a:t>Basic Crawl Architecture</a:t>
             </a:r>
           </a:p>
         </p:txBody>
       </p:sp>
       <p:sp>
         <p:nvSpPr>
-          <p:cNvPr id="4" name="Text Placeholder 3">
+          <p:cNvPr id="3" name="Oval 2">
             <a:extLst>
               <a:ext uri="{FF2B5EF4-FFF2-40B4-BE49-F238E27FC236}">
-                <a16:creationId xmlns:a16="http://schemas.microsoft.com/office/drawing/2014/main" id="{BB1962E3-1688-2247-B12B-26C9BDFEB7B2}"/>
+                <a16:creationId xmlns:a16="http://schemas.microsoft.com/office/drawing/2014/main" id="{51B7C159-3400-4C24-9938-CDE1EF322A36}"/>
               </a:ext>
             </a:extLst>
           </p:cNvPr>
-          <p:cNvSpPr>
-            <a:spLocks noGrp="1"/>
-          </p:cNvSpPr>
-          <p:nvPr>
-            <p:ph type="body" sz="quarter" idx="13"/>
-          </p:nvPr>
+          <p:cNvSpPr/>
+          <p:nvPr/>
         </p:nvSpPr>
-        <p:spPr/>
+        <p:spPr>
+          <a:xfrm>
+            <a:off x="3879273" y="1976582"/>
+            <a:ext cx="2946400" cy="1893454"/>
+          </a:xfrm>
+          <a:prstGeom prst="ellipse">
+            <a:avLst/>
+          </a:prstGeom>
+          <a:noFill/>
+          <a:ln w="38100">
+            <a:solidFill>
+              <a:srgbClr val="FF0000"/>
+            </a:solidFill>
+          </a:ln>
+        </p:spPr>
+        <p:style>
+          <a:lnRef idx="2">
+            <a:schemeClr val="accent1">
+              <a:shade val="50000"/>
+            </a:schemeClr>
+          </a:lnRef>
+          <a:fillRef idx="1">
+            <a:schemeClr val="accent1"/>
+          </a:fillRef>
+          <a:effectRef idx="0">
+            <a:schemeClr val="accent1"/>
+          </a:effectRef>
+          <a:fontRef idx="minor">
+            <a:schemeClr val="lt1"/>
+          </a:fontRef>
+        </p:style>
         <p:txBody>
-          <a:bodyPr/>
+          <a:bodyPr rtlCol="0" anchor="ctr"/>
           <a:lstStyle/>
           <a:p>
-            <a:pPr marL="0" indent="0">
-              <a:buNone/>
-            </a:pPr>
-            <a:r>
-              <a:rPr lang="en-US" dirty="0"/>
-              <a:t>Lorem ipsum dolor sit </a:t>
-            </a:r>
-            <a:r>
-              <a:rPr lang="en-US" dirty="0" err="1"/>
-              <a:t>amet</a:t>
-            </a:r>
-            <a:r>
-              <a:rPr lang="en-US" dirty="0"/>
-              <a:t>, </a:t>
-            </a:r>
-            <a:r>
-              <a:rPr lang="en-US" dirty="0" err="1"/>
-              <a:t>consectetur</a:t>
-            </a:r>
-            <a:r>
-              <a:rPr lang="en-US" dirty="0"/>
-              <a:t> </a:t>
-            </a:r>
-            <a:r>
-              <a:rPr lang="en-US" dirty="0" err="1"/>
-              <a:t>adipiscing</a:t>
-            </a:r>
-            <a:r>
-              <a:rPr lang="en-US" dirty="0"/>
-              <a:t> </a:t>
-            </a:r>
-            <a:r>
-              <a:rPr lang="en-US" dirty="0" err="1"/>
-              <a:t>elit</a:t>
-            </a:r>
-            <a:r>
-              <a:rPr lang="en-US" dirty="0"/>
-              <a:t>. Duis ante mi, </a:t>
-            </a:r>
-            <a:r>
-              <a:rPr lang="en-US" dirty="0" err="1"/>
-              <a:t>dignissim</a:t>
-            </a:r>
-            <a:r>
-              <a:rPr lang="en-US" dirty="0"/>
-              <a:t> sit </a:t>
-            </a:r>
-            <a:r>
-              <a:rPr lang="en-US" dirty="0" err="1"/>
-              <a:t>amet</a:t>
-            </a:r>
-            <a:r>
-              <a:rPr lang="en-US" dirty="0"/>
-              <a:t> </a:t>
-            </a:r>
-            <a:r>
-              <a:rPr lang="en-US" dirty="0" err="1"/>
-              <a:t>viverra</a:t>
-            </a:r>
-            <a:r>
-              <a:rPr lang="en-US" dirty="0"/>
-              <a:t> </a:t>
-            </a:r>
-            <a:r>
-              <a:rPr lang="en-US" dirty="0" err="1"/>
-              <a:t>quis</a:t>
-            </a:r>
-            <a:r>
-              <a:rPr lang="en-US" dirty="0"/>
-              <a:t>, </a:t>
-            </a:r>
-            <a:r>
-              <a:rPr lang="en-US" dirty="0" err="1"/>
-              <a:t>commodo</a:t>
-            </a:r>
-            <a:r>
-              <a:rPr lang="en-US" dirty="0"/>
-              <a:t> sed dolor. </a:t>
-            </a:r>
-          </a:p>
-          <a:p>
-            <a:r>
-              <a:rPr lang="en-US" dirty="0"/>
-              <a:t>Bullet 1</a:t>
-            </a:r>
-          </a:p>
-          <a:p>
-            <a:r>
-              <a:rPr lang="en-US" dirty="0"/>
-              <a:t>Bullet 2</a:t>
-            </a:r>
-          </a:p>
-          <a:p>
-            <a:r>
-              <a:rPr lang="en-US" dirty="0"/>
-              <a:t>Bullet 3</a:t>
-            </a:r>
+            <a:pPr algn="ctr"/>
+            <a:endParaRPr lang="en-US"/>
           </a:p>
         </p:txBody>
       </p:sp>
     </p:spTree>
     <p:extLst>
       <p:ext uri="{BB962C8B-B14F-4D97-AF65-F5344CB8AC3E}">
-        <p14:creationId xmlns:p14="http://schemas.microsoft.com/office/powerpoint/2010/main" val="3421735471"/>
+        <p14:creationId xmlns:p14="http://schemas.microsoft.com/office/powerpoint/2010/main" val="4261100322"/>
       </p:ext>
     </p:extLst>
   </p:cSld>
@@ -4876,10 +4809,10 @@
       </p:grpSpPr>
       <p:pic>
         <p:nvPicPr>
-          <p:cNvPr id="6" name="Picture Placeholder 5" descr="A screen shot of a computer&#10;&#10;Description automatically generated">
+          <p:cNvPr id="13" name="Picture Placeholder 12">
             <a:extLst>
               <a:ext uri="{FF2B5EF4-FFF2-40B4-BE49-F238E27FC236}">
-                <a16:creationId xmlns:a16="http://schemas.microsoft.com/office/drawing/2014/main" id="{EFD73EEB-079E-724D-9ED5-66A14E367F21}"/>
+                <a16:creationId xmlns:a16="http://schemas.microsoft.com/office/drawing/2014/main" id="{7D0E68AB-AF54-604F-8C68-640B7BF6E460}"/>
               </a:ext>
             </a:extLst>
           </p:cNvPr>
@@ -4887,30 +4820,29 @@
             <a:picLocks noGrp="1" noChangeAspect="1"/>
           </p:cNvPicPr>
           <p:nvPr>
-            <p:ph type="pic" sz="quarter" idx="12"/>
+            <p:ph type="pic" sz="quarter" idx="10"/>
           </p:nvPr>
         </p:nvPicPr>
         <p:blipFill>
-          <a:blip r:embed="rId2" cstate="screen">
-            <a:extLst>
-              <a:ext uri="{28A0092B-C50C-407E-A947-70E740481C1C}">
-                <a14:useLocalDpi xmlns:a14="http://schemas.microsoft.com/office/drawing/2010/main"/>
-              </a:ext>
-            </a:extLst>
+          <a:blip r:embed="rId2">
+            <a:alphaModFix amt="20000"/>
           </a:blip>
-          <a:srcRect l="29" r="29"/>
-          <a:stretch>
-            <a:fillRect/>
-          </a:stretch>
+          <a:srcRect/>
+          <a:stretch/>
         </p:blipFill>
-        <p:spPr/>
+        <p:spPr>
+          <a:xfrm>
+            <a:off x="268851" y="338933"/>
+            <a:ext cx="6086533" cy="4055579"/>
+          </a:xfrm>
+        </p:spPr>
       </p:pic>
       <p:sp>
         <p:nvSpPr>
-          <p:cNvPr id="3" name="Title 2">
+          <p:cNvPr id="15" name="Title 14">
             <a:extLst>
               <a:ext uri="{FF2B5EF4-FFF2-40B4-BE49-F238E27FC236}">
-                <a16:creationId xmlns:a16="http://schemas.microsoft.com/office/drawing/2014/main" id="{32C5C36C-7AE5-A74F-B18E-A9BFB3A3ED37}"/>
+                <a16:creationId xmlns:a16="http://schemas.microsoft.com/office/drawing/2014/main" id="{E6083260-028C-6C46-8C39-327564784B76}"/>
               </a:ext>
             </a:extLst>
           </p:cNvPr>
@@ -4928,133 +4860,315 @@
           <a:p>
             <a:r>
               <a:rPr lang="en-US" dirty="0"/>
-              <a:t>Title Text Goes Here</a:t>
+              <a:t>Basic Crawl Architecture</a:t>
             </a:r>
           </a:p>
         </p:txBody>
       </p:sp>
       <p:sp>
         <p:nvSpPr>
-          <p:cNvPr id="4" name="Text Placeholder 3">
+          <p:cNvPr id="3" name="Oval 2">
             <a:extLst>
               <a:ext uri="{FF2B5EF4-FFF2-40B4-BE49-F238E27FC236}">
-                <a16:creationId xmlns:a16="http://schemas.microsoft.com/office/drawing/2014/main" id="{BB1962E3-1688-2247-B12B-26C9BDFEB7B2}"/>
+                <a16:creationId xmlns:a16="http://schemas.microsoft.com/office/drawing/2014/main" id="{51B7C159-3400-4C24-9938-CDE1EF322A36}"/>
               </a:ext>
             </a:extLst>
           </p:cNvPr>
-          <p:cNvSpPr>
-            <a:spLocks noGrp="1"/>
+          <p:cNvSpPr/>
+          <p:nvPr/>
+        </p:nvSpPr>
+        <p:spPr>
+          <a:xfrm>
+            <a:off x="1376219" y="2048896"/>
+            <a:ext cx="2946400" cy="1893454"/>
+          </a:xfrm>
+          <a:prstGeom prst="ellipse">
+            <a:avLst/>
+          </a:prstGeom>
+          <a:noFill/>
+          <a:ln w="38100">
+            <a:solidFill>
+              <a:srgbClr val="FF0000">
+                <a:alpha val="20000"/>
+              </a:srgbClr>
+            </a:solidFill>
+          </a:ln>
+        </p:spPr>
+        <p:style>
+          <a:lnRef idx="2">
+            <a:schemeClr val="accent1">
+              <a:shade val="50000"/>
+            </a:schemeClr>
+          </a:lnRef>
+          <a:fillRef idx="1">
+            <a:schemeClr val="accent1"/>
+          </a:fillRef>
+          <a:effectRef idx="0">
+            <a:schemeClr val="accent1"/>
+          </a:effectRef>
+          <a:fontRef idx="minor">
+            <a:schemeClr val="lt1"/>
+          </a:fontRef>
+        </p:style>
+        <p:txBody>
+          <a:bodyPr rtlCol="0" anchor="ctr"/>
+          <a:lstStyle/>
+          <a:p>
+            <a:pPr algn="ctr"/>
+            <a:endParaRPr lang="en-US"/>
+          </a:p>
+        </p:txBody>
+      </p:sp>
+      <p:sp>
+        <p:nvSpPr>
+          <p:cNvPr id="7" name="Text Placeholder 2">
+            <a:extLst>
+              <a:ext uri="{FF2B5EF4-FFF2-40B4-BE49-F238E27FC236}">
+                <a16:creationId xmlns:a16="http://schemas.microsoft.com/office/drawing/2014/main" id="{8854C6F3-09E3-40CF-97FE-D50901F0C9CE}"/>
+              </a:ext>
+            </a:extLst>
+          </p:cNvPr>
+          <p:cNvSpPr txBox="1">
+            <a:spLocks/>
           </p:cNvSpPr>
-          <p:nvPr>
-            <p:ph type="body" sz="quarter" idx="13"/>
-          </p:nvPr>
+          <p:nvPr/>
         </p:nvSpPr>
-        <p:spPr/>
+        <p:spPr>
+          <a:xfrm>
+            <a:off x="268851" y="338760"/>
+            <a:ext cx="5679368" cy="1404133"/>
+          </a:xfrm>
+          <a:prstGeom prst="rect">
+            <a:avLst/>
+          </a:prstGeom>
+        </p:spPr>
         <p:txBody>
           <a:bodyPr/>
-          <a:lstStyle/>
-          <a:p>
-            <a:r>
-              <a:rPr lang="en-US" dirty="0"/>
-              <a:t>Lorem ipsum dolor sit </a:t>
-            </a:r>
-            <a:r>
-              <a:rPr lang="en-US" dirty="0" err="1"/>
-              <a:t>amet</a:t>
-            </a:r>
-            <a:r>
-              <a:rPr lang="en-US" dirty="0"/>
-              <a:t>, </a:t>
-            </a:r>
-            <a:r>
-              <a:rPr lang="en-US" dirty="0" err="1"/>
-              <a:t>consectetur</a:t>
-            </a:r>
-            <a:r>
-              <a:rPr lang="en-US" dirty="0"/>
-              <a:t> </a:t>
-            </a:r>
-            <a:r>
-              <a:rPr lang="en-US" dirty="0" err="1"/>
-              <a:t>adipiscing</a:t>
-            </a:r>
-            <a:r>
-              <a:rPr lang="en-US" dirty="0"/>
-              <a:t> </a:t>
-            </a:r>
-            <a:r>
-              <a:rPr lang="en-US" dirty="0" err="1"/>
-              <a:t>elit</a:t>
-            </a:r>
-            <a:r>
-              <a:rPr lang="en-US" dirty="0"/>
-              <a:t>. Duis ante mi, </a:t>
-            </a:r>
-            <a:r>
-              <a:rPr lang="en-US" dirty="0" err="1"/>
-              <a:t>dignissim</a:t>
-            </a:r>
-            <a:r>
-              <a:rPr lang="en-US" dirty="0"/>
-              <a:t> sit </a:t>
-            </a:r>
-            <a:r>
-              <a:rPr lang="en-US" dirty="0" err="1"/>
-              <a:t>amet</a:t>
-            </a:r>
-            <a:r>
-              <a:rPr lang="en-US" dirty="0"/>
-              <a:t> </a:t>
-            </a:r>
-            <a:r>
-              <a:rPr lang="en-US" dirty="0" err="1"/>
-              <a:t>viverra</a:t>
-            </a:r>
-            <a:r>
-              <a:rPr lang="en-US" dirty="0"/>
-              <a:t> </a:t>
-            </a:r>
-            <a:r>
-              <a:rPr lang="en-US" dirty="0" err="1"/>
-              <a:t>quis</a:t>
-            </a:r>
-            <a:r>
-              <a:rPr lang="en-US" dirty="0"/>
-              <a:t>, </a:t>
-            </a:r>
-            <a:r>
-              <a:rPr lang="en-US" dirty="0" err="1"/>
-              <a:t>commodo</a:t>
-            </a:r>
-            <a:r>
-              <a:rPr lang="en-US" dirty="0"/>
-              <a:t> sed dolor. </a:t>
-            </a:r>
-          </a:p>
-          <a:p>
-            <a:r>
-              <a:rPr lang="en-US" dirty="0"/>
-              <a:t>Bullet 1</a:t>
-            </a:r>
-          </a:p>
-          <a:p>
-            <a:r>
-              <a:rPr lang="en-US" dirty="0"/>
-              <a:t>Bullet 2</a:t>
-            </a:r>
-          </a:p>
-          <a:p>
-            <a:r>
-              <a:rPr lang="en-US" dirty="0"/>
-              <a:t>Bullet 3</a:t>
-            </a:r>
+          <a:lstStyle>
+            <a:lvl1pPr marL="228600" indent="-228600" algn="l" defTabSz="914400" rtl="0" eaLnBrk="1" latinLnBrk="0" hangingPunct="1">
+              <a:lnSpc>
+                <a:spcPct val="90000"/>
+              </a:lnSpc>
+              <a:spcBef>
+                <a:spcPts val="1000"/>
+              </a:spcBef>
+              <a:buFont typeface="Arial"/>
+              <a:buChar char="•"/>
+              <a:defRPr sz="2800" kern="1200">
+                <a:solidFill>
+                  <a:schemeClr val="tx1"/>
+                </a:solidFill>
+                <a:latin typeface="+mn-lt"/>
+                <a:ea typeface="+mn-ea"/>
+                <a:cs typeface="+mn-cs"/>
+              </a:defRPr>
+            </a:lvl1pPr>
+            <a:lvl2pPr marL="685800" indent="-228600" algn="l" defTabSz="914400" rtl="0" eaLnBrk="1" latinLnBrk="0" hangingPunct="1">
+              <a:lnSpc>
+                <a:spcPct val="90000"/>
+              </a:lnSpc>
+              <a:spcBef>
+                <a:spcPts val="500"/>
+              </a:spcBef>
+              <a:buFont typeface="Arial"/>
+              <a:buChar char="•"/>
+              <a:defRPr sz="2400" kern="1200">
+                <a:solidFill>
+                  <a:schemeClr val="tx1"/>
+                </a:solidFill>
+                <a:latin typeface="+mn-lt"/>
+                <a:ea typeface="+mn-ea"/>
+                <a:cs typeface="+mn-cs"/>
+              </a:defRPr>
+            </a:lvl2pPr>
+            <a:lvl3pPr marL="1143000" indent="-228600" algn="l" defTabSz="914400" rtl="0" eaLnBrk="1" latinLnBrk="0" hangingPunct="1">
+              <a:lnSpc>
+                <a:spcPct val="90000"/>
+              </a:lnSpc>
+              <a:spcBef>
+                <a:spcPts val="500"/>
+              </a:spcBef>
+              <a:buFont typeface="Arial"/>
+              <a:buChar char="•"/>
+              <a:defRPr sz="2000" kern="1200">
+                <a:solidFill>
+                  <a:schemeClr val="tx1"/>
+                </a:solidFill>
+                <a:latin typeface="+mn-lt"/>
+                <a:ea typeface="+mn-ea"/>
+                <a:cs typeface="+mn-cs"/>
+              </a:defRPr>
+            </a:lvl3pPr>
+            <a:lvl4pPr marL="1600200" indent="-228600" algn="l" defTabSz="914400" rtl="0" eaLnBrk="1" latinLnBrk="0" hangingPunct="1">
+              <a:lnSpc>
+                <a:spcPct val="90000"/>
+              </a:lnSpc>
+              <a:spcBef>
+                <a:spcPts val="500"/>
+              </a:spcBef>
+              <a:buFont typeface="Arial"/>
+              <a:buChar char="•"/>
+              <a:defRPr sz="1800" kern="1200">
+                <a:solidFill>
+                  <a:schemeClr val="tx1"/>
+                </a:solidFill>
+                <a:latin typeface="+mn-lt"/>
+                <a:ea typeface="+mn-ea"/>
+                <a:cs typeface="+mn-cs"/>
+              </a:defRPr>
+            </a:lvl4pPr>
+            <a:lvl5pPr marL="2057400" indent="-228600" algn="l" defTabSz="914400" rtl="0" eaLnBrk="1" latinLnBrk="0" hangingPunct="1">
+              <a:lnSpc>
+                <a:spcPct val="90000"/>
+              </a:lnSpc>
+              <a:spcBef>
+                <a:spcPts val="500"/>
+              </a:spcBef>
+              <a:buFont typeface="Arial"/>
+              <a:buChar char="•"/>
+              <a:defRPr sz="1800" kern="1200">
+                <a:solidFill>
+                  <a:schemeClr val="tx1"/>
+                </a:solidFill>
+                <a:latin typeface="+mn-lt"/>
+                <a:ea typeface="+mn-ea"/>
+                <a:cs typeface="+mn-cs"/>
+              </a:defRPr>
+            </a:lvl5pPr>
+            <a:lvl6pPr marL="2514600" indent="-228600" algn="l" defTabSz="914400" rtl="0" eaLnBrk="1" latinLnBrk="0" hangingPunct="1">
+              <a:lnSpc>
+                <a:spcPct val="90000"/>
+              </a:lnSpc>
+              <a:spcBef>
+                <a:spcPts val="500"/>
+              </a:spcBef>
+              <a:buFont typeface="Arial"/>
+              <a:buChar char="•"/>
+              <a:defRPr sz="1800" kern="1200">
+                <a:solidFill>
+                  <a:schemeClr val="tx1"/>
+                </a:solidFill>
+                <a:latin typeface="+mn-lt"/>
+                <a:ea typeface="+mn-ea"/>
+                <a:cs typeface="+mn-cs"/>
+              </a:defRPr>
+            </a:lvl6pPr>
+            <a:lvl7pPr marL="2971800" indent="-228600" algn="l" defTabSz="914400" rtl="0" eaLnBrk="1" latinLnBrk="0" hangingPunct="1">
+              <a:lnSpc>
+                <a:spcPct val="90000"/>
+              </a:lnSpc>
+              <a:spcBef>
+                <a:spcPts val="500"/>
+              </a:spcBef>
+              <a:buFont typeface="Arial"/>
+              <a:buChar char="•"/>
+              <a:defRPr sz="1800" kern="1200">
+                <a:solidFill>
+                  <a:schemeClr val="tx1"/>
+                </a:solidFill>
+                <a:latin typeface="+mn-lt"/>
+                <a:ea typeface="+mn-ea"/>
+                <a:cs typeface="+mn-cs"/>
+              </a:defRPr>
+            </a:lvl7pPr>
+            <a:lvl8pPr marL="3429000" indent="-228600" algn="l" defTabSz="914400" rtl="0" eaLnBrk="1" latinLnBrk="0" hangingPunct="1">
+              <a:lnSpc>
+                <a:spcPct val="90000"/>
+              </a:lnSpc>
+              <a:spcBef>
+                <a:spcPts val="500"/>
+              </a:spcBef>
+              <a:buFont typeface="Arial"/>
+              <a:buChar char="•"/>
+              <a:defRPr sz="1800" kern="1200">
+                <a:solidFill>
+                  <a:schemeClr val="tx1"/>
+                </a:solidFill>
+                <a:latin typeface="+mn-lt"/>
+                <a:ea typeface="+mn-ea"/>
+                <a:cs typeface="+mn-cs"/>
+              </a:defRPr>
+            </a:lvl8pPr>
+            <a:lvl9pPr marL="3886200" indent="-228600" algn="l" defTabSz="914400" rtl="0" eaLnBrk="1" latinLnBrk="0" hangingPunct="1">
+              <a:lnSpc>
+                <a:spcPct val="90000"/>
+              </a:lnSpc>
+              <a:spcBef>
+                <a:spcPts val="500"/>
+              </a:spcBef>
+              <a:buFont typeface="Arial"/>
+              <a:buChar char="•"/>
+              <a:defRPr sz="1800" kern="1200">
+                <a:solidFill>
+                  <a:schemeClr val="tx1"/>
+                </a:solidFill>
+                <a:latin typeface="+mn-lt"/>
+                <a:ea typeface="+mn-ea"/>
+                <a:cs typeface="+mn-cs"/>
+              </a:defRPr>
+            </a:lvl9pPr>
+          </a:lstStyle>
+          <a:p>
+            <a:pPr marL="0" indent="0">
+              <a:buNone/>
+            </a:pPr>
+            <a:r>
+              <a:rPr lang="en-US" dirty="0"/>
+              <a:t>Hard to believe Google is wasting resources to render something that has not changed in 40 years.</a:t>
+            </a:r>
+          </a:p>
+          <a:p>
+            <a:pPr marL="0" indent="0">
+              <a:buNone/>
+            </a:pPr>
+            <a:endParaRPr lang="en-US" dirty="0"/>
+          </a:p>
+          <a:p>
+            <a:pPr marL="342900" indent="-342900">
+              <a:buFont typeface="Arial" panose="020B0604020202020204" pitchFamily="34" charset="0"/>
+              <a:buChar char="•"/>
+            </a:pPr>
+            <a:endParaRPr lang="en-US" dirty="0"/>
+          </a:p>
+          <a:p>
+            <a:endParaRPr lang="en-US" dirty="0"/>
           </a:p>
         </p:txBody>
       </p:sp>
+      <p:pic>
+        <p:nvPicPr>
+          <p:cNvPr id="6" name="Picture 5">
+            <a:extLst>
+              <a:ext uri="{FF2B5EF4-FFF2-40B4-BE49-F238E27FC236}">
+                <a16:creationId xmlns:a16="http://schemas.microsoft.com/office/drawing/2014/main" id="{2120B02C-7186-4D59-A6F2-CC7124598674}"/>
+              </a:ext>
+            </a:extLst>
+          </p:cNvPr>
+          <p:cNvPicPr>
+            <a:picLocks noChangeAspect="1"/>
+          </p:cNvPicPr>
+          <p:nvPr/>
+        </p:nvPicPr>
+        <p:blipFill>
+          <a:blip r:embed="rId3"/>
+          <a:stretch>
+            <a:fillRect/>
+          </a:stretch>
+        </p:blipFill>
+        <p:spPr>
+          <a:xfrm>
+            <a:off x="6555727" y="558053"/>
+            <a:ext cx="5074618" cy="3491184"/>
+          </a:xfrm>
+          <a:prstGeom prst="rect">
+            <a:avLst/>
+          </a:prstGeom>
+        </p:spPr>
+      </p:pic>
     </p:spTree>
     <p:extLst>
       <p:ext uri="{BB962C8B-B14F-4D97-AF65-F5344CB8AC3E}">
-        <p14:creationId xmlns:p14="http://schemas.microsoft.com/office/powerpoint/2010/main" val="3009529856"/>
+        <p14:creationId xmlns:p14="http://schemas.microsoft.com/office/powerpoint/2010/main" val="3475148255"/>
       </p:ext>
     </p:extLst>
   </p:cSld>
@@ -5081,6 +5195,852 @@
           <a:chExt cx="0" cy="0"/>
         </a:xfrm>
       </p:grpSpPr>
+      <p:pic>
+        <p:nvPicPr>
+          <p:cNvPr id="13" name="Picture Placeholder 12" descr="A person sitting at a table using a computer&#10;&#10;Description automatically generated">
+            <a:extLst>
+              <a:ext uri="{FF2B5EF4-FFF2-40B4-BE49-F238E27FC236}">
+                <a16:creationId xmlns:a16="http://schemas.microsoft.com/office/drawing/2014/main" id="{7D0E68AB-AF54-604F-8C68-640B7BF6E460}"/>
+              </a:ext>
+            </a:extLst>
+          </p:cNvPr>
+          <p:cNvPicPr>
+            <a:picLocks noGrp="1" noChangeAspect="1"/>
+          </p:cNvPicPr>
+          <p:nvPr>
+            <p:ph type="pic" sz="quarter" idx="10"/>
+          </p:nvPr>
+        </p:nvPicPr>
+        <p:blipFill>
+          <a:blip r:embed="rId2" cstate="screen">
+            <a:extLst>
+              <a:ext uri="{28A0092B-C50C-407E-A947-70E740481C1C}">
+                <a14:useLocalDpi xmlns:a14="http://schemas.microsoft.com/office/drawing/2010/main"/>
+              </a:ext>
+            </a:extLst>
+          </a:blip>
+          <a:srcRect/>
+          <a:stretch>
+            <a:fillRect/>
+          </a:stretch>
+        </p:blipFill>
+        <p:spPr/>
+      </p:pic>
+      <p:sp>
+        <p:nvSpPr>
+          <p:cNvPr id="15" name="Title 14">
+            <a:extLst>
+              <a:ext uri="{FF2B5EF4-FFF2-40B4-BE49-F238E27FC236}">
+                <a16:creationId xmlns:a16="http://schemas.microsoft.com/office/drawing/2014/main" id="{E6083260-028C-6C46-8C39-327564784B76}"/>
+              </a:ext>
+            </a:extLst>
+          </p:cNvPr>
+          <p:cNvSpPr>
+            <a:spLocks noGrp="1"/>
+          </p:cNvSpPr>
+          <p:nvPr>
+            <p:ph type="title"/>
+          </p:nvPr>
+        </p:nvSpPr>
+        <p:spPr/>
+        <p:txBody>
+          <a:bodyPr/>
+          <a:lstStyle/>
+          <a:p>
+            <a:r>
+              <a:rPr lang="en-US" dirty="0"/>
+              <a:t>Caption text goes here</a:t>
+            </a:r>
+          </a:p>
+        </p:txBody>
+      </p:sp>
+    </p:spTree>
+    <p:extLst>
+      <p:ext uri="{BB962C8B-B14F-4D97-AF65-F5344CB8AC3E}">
+        <p14:creationId xmlns:p14="http://schemas.microsoft.com/office/powerpoint/2010/main" val="3609515686"/>
+      </p:ext>
+    </p:extLst>
+  </p:cSld>
+  <p:clrMapOvr>
+    <a:masterClrMapping/>
+  </p:clrMapOvr>
+</p:sld>
+</file>
+
+<file path=ppt/slides/slide13.xml><?xml version="1.0" encoding="utf-8"?>
+<p:sld xmlns:a="http://schemas.openxmlformats.org/drawingml/2006/main" xmlns:r="http://schemas.openxmlformats.org/officeDocument/2006/relationships" xmlns:p="http://schemas.openxmlformats.org/presentationml/2006/main">
+  <p:cSld>
+    <p:spTree>
+      <p:nvGrpSpPr>
+        <p:cNvPr id="1" name=""/>
+        <p:cNvGrpSpPr/>
+        <p:nvPr/>
+      </p:nvGrpSpPr>
+      <p:grpSpPr>
+        <a:xfrm>
+          <a:off x="0" y="0"/>
+          <a:ext cx="0" cy="0"/>
+          <a:chOff x="0" y="0"/>
+          <a:chExt cx="0" cy="0"/>
+        </a:xfrm>
+      </p:grpSpPr>
+      <p:sp>
+        <p:nvSpPr>
+          <p:cNvPr id="7" name="Title 6">
+            <a:extLst>
+              <a:ext uri="{FF2B5EF4-FFF2-40B4-BE49-F238E27FC236}">
+                <a16:creationId xmlns:a16="http://schemas.microsoft.com/office/drawing/2014/main" id="{B30E2C2B-5E10-3B49-8C96-8F619263FD7F}"/>
+              </a:ext>
+            </a:extLst>
+          </p:cNvPr>
+          <p:cNvSpPr>
+            <a:spLocks noGrp="1"/>
+          </p:cNvSpPr>
+          <p:nvPr>
+            <p:ph type="title"/>
+          </p:nvPr>
+        </p:nvSpPr>
+        <p:spPr/>
+        <p:txBody>
+          <a:bodyPr/>
+          <a:lstStyle/>
+          <a:p>
+            <a:r>
+              <a:rPr lang="en-US" dirty="0"/>
+              <a:t>Title Text Goes Here Lorem Ipsum Dolor Sit </a:t>
+            </a:r>
+            <a:r>
+              <a:rPr lang="en-US" dirty="0" err="1"/>
+              <a:t>Amet</a:t>
+            </a:r>
+            <a:endParaRPr lang="en-US" dirty="0"/>
+          </a:p>
+        </p:txBody>
+      </p:sp>
+      <p:sp>
+        <p:nvSpPr>
+          <p:cNvPr id="3" name="Text Placeholder 2">
+            <a:extLst>
+              <a:ext uri="{FF2B5EF4-FFF2-40B4-BE49-F238E27FC236}">
+                <a16:creationId xmlns:a16="http://schemas.microsoft.com/office/drawing/2014/main" id="{60154887-2AA0-8A45-A2ED-4016F05BADB5}"/>
+              </a:ext>
+            </a:extLst>
+          </p:cNvPr>
+          <p:cNvSpPr>
+            <a:spLocks noGrp="1"/>
+          </p:cNvSpPr>
+          <p:nvPr>
+            <p:ph type="body" sz="quarter" idx="12"/>
+          </p:nvPr>
+        </p:nvSpPr>
+        <p:spPr/>
+        <p:txBody>
+          <a:bodyPr/>
+          <a:lstStyle/>
+          <a:p>
+            <a:r>
+              <a:rPr lang="en-US" dirty="0"/>
+              <a:t>Lorem ipsum dolor sit </a:t>
+            </a:r>
+            <a:r>
+              <a:rPr lang="en-US" dirty="0" err="1"/>
+              <a:t>amet</a:t>
+            </a:r>
+            <a:r>
+              <a:rPr lang="en-US" dirty="0"/>
+              <a:t>, </a:t>
+            </a:r>
+            <a:r>
+              <a:rPr lang="en-US" dirty="0" err="1"/>
+              <a:t>consectetur</a:t>
+            </a:r>
+            <a:r>
+              <a:rPr lang="en-US" dirty="0"/>
+              <a:t> </a:t>
+            </a:r>
+            <a:r>
+              <a:rPr lang="en-US" dirty="0" err="1"/>
+              <a:t>adipiscing</a:t>
+            </a:r>
+            <a:r>
+              <a:rPr lang="en-US" dirty="0"/>
+              <a:t> </a:t>
+            </a:r>
+            <a:r>
+              <a:rPr lang="en-US" dirty="0" err="1"/>
+              <a:t>elit</a:t>
+            </a:r>
+            <a:r>
+              <a:rPr lang="en-US" dirty="0"/>
+              <a:t>. Duis ante mi, </a:t>
+            </a:r>
+            <a:r>
+              <a:rPr lang="en-US" dirty="0" err="1"/>
+              <a:t>dignissim</a:t>
+            </a:r>
+            <a:r>
+              <a:rPr lang="en-US" dirty="0"/>
+              <a:t> sit </a:t>
+            </a:r>
+            <a:r>
+              <a:rPr lang="en-US" dirty="0" err="1"/>
+              <a:t>amet</a:t>
+            </a:r>
+            <a:r>
+              <a:rPr lang="en-US" dirty="0"/>
+              <a:t> </a:t>
+            </a:r>
+            <a:r>
+              <a:rPr lang="en-US" dirty="0" err="1"/>
+              <a:t>viverra</a:t>
+            </a:r>
+            <a:r>
+              <a:rPr lang="en-US" dirty="0"/>
+              <a:t> </a:t>
+            </a:r>
+            <a:r>
+              <a:rPr lang="en-US" dirty="0" err="1"/>
+              <a:t>quis</a:t>
+            </a:r>
+            <a:r>
+              <a:rPr lang="en-US" dirty="0"/>
+              <a:t>, </a:t>
+            </a:r>
+            <a:r>
+              <a:rPr lang="en-US" dirty="0" err="1"/>
+              <a:t>commodo</a:t>
+            </a:r>
+            <a:r>
+              <a:rPr lang="en-US" dirty="0"/>
+              <a:t> sed dolor. In </a:t>
+            </a:r>
+            <a:r>
+              <a:rPr lang="en-US" dirty="0" err="1"/>
+              <a:t>hac</a:t>
+            </a:r>
+            <a:r>
+              <a:rPr lang="en-US" dirty="0"/>
+              <a:t> </a:t>
+            </a:r>
+            <a:r>
+              <a:rPr lang="en-US" dirty="0" err="1"/>
+              <a:t>habitasse</a:t>
+            </a:r>
+            <a:r>
+              <a:rPr lang="en-US" dirty="0"/>
+              <a:t> </a:t>
+            </a:r>
+            <a:r>
+              <a:rPr lang="en-US" dirty="0" err="1"/>
+              <a:t>platea</a:t>
+            </a:r>
+            <a:r>
+              <a:rPr lang="en-US" dirty="0"/>
+              <a:t> </a:t>
+            </a:r>
+            <a:r>
+              <a:rPr lang="en-US" dirty="0" err="1"/>
+              <a:t>dictumst</a:t>
+            </a:r>
+            <a:r>
+              <a:rPr lang="en-US" dirty="0"/>
+              <a:t>. </a:t>
+            </a:r>
+            <a:r>
+              <a:rPr lang="en-US" dirty="0" err="1"/>
+              <a:t>Quisque</a:t>
+            </a:r>
+            <a:r>
+              <a:rPr lang="en-US" dirty="0"/>
+              <a:t> </a:t>
+            </a:r>
+            <a:r>
+              <a:rPr lang="en-US" dirty="0" err="1"/>
+              <a:t>mattis</a:t>
+            </a:r>
+            <a:r>
+              <a:rPr lang="en-US" dirty="0"/>
+              <a:t> </a:t>
+            </a:r>
+            <a:r>
+              <a:rPr lang="en-US" dirty="0" err="1"/>
+              <a:t>arcu</a:t>
+            </a:r>
+            <a:r>
+              <a:rPr lang="en-US" dirty="0"/>
+              <a:t> vel dolor </a:t>
+            </a:r>
+            <a:r>
+              <a:rPr lang="en-US" dirty="0" err="1"/>
+              <a:t>malesuada</a:t>
+            </a:r>
+            <a:r>
+              <a:rPr lang="en-US" dirty="0"/>
+              <a:t>, vitae maximus </a:t>
+            </a:r>
+            <a:r>
+              <a:rPr lang="en-US" dirty="0" err="1"/>
+              <a:t>augue</a:t>
+            </a:r>
+            <a:r>
+              <a:rPr lang="en-US" dirty="0"/>
+              <a:t> </a:t>
+            </a:r>
+            <a:r>
+              <a:rPr lang="en-US" dirty="0" err="1"/>
+              <a:t>pellentesque</a:t>
+            </a:r>
+            <a:r>
+              <a:rPr lang="en-US" dirty="0"/>
+              <a:t>.</a:t>
+            </a:r>
+          </a:p>
+          <a:p>
+            <a:pPr marL="342900" indent="-342900">
+              <a:buFont typeface="Arial" panose="020B0604020202020204" pitchFamily="34" charset="0"/>
+              <a:buChar char="•"/>
+            </a:pPr>
+            <a:r>
+              <a:rPr lang="en-US" dirty="0"/>
+              <a:t>Bullet 1</a:t>
+            </a:r>
+          </a:p>
+          <a:p>
+            <a:pPr marL="342900" indent="-342900">
+              <a:buFont typeface="Arial" panose="020B0604020202020204" pitchFamily="34" charset="0"/>
+              <a:buChar char="•"/>
+            </a:pPr>
+            <a:r>
+              <a:rPr lang="en-US" dirty="0"/>
+              <a:t>Bullet 2</a:t>
+            </a:r>
+          </a:p>
+          <a:p>
+            <a:pPr marL="342900" indent="-342900">
+              <a:buFont typeface="Arial" panose="020B0604020202020204" pitchFamily="34" charset="0"/>
+              <a:buChar char="•"/>
+            </a:pPr>
+            <a:r>
+              <a:rPr lang="en-US" dirty="0"/>
+              <a:t>Bullet 3</a:t>
+            </a:r>
+          </a:p>
+          <a:p>
+            <a:endParaRPr lang="en-US" dirty="0"/>
+          </a:p>
+        </p:txBody>
+      </p:sp>
+      <p:sp>
+        <p:nvSpPr>
+          <p:cNvPr id="4" name="Text Placeholder 3">
+            <a:extLst>
+              <a:ext uri="{FF2B5EF4-FFF2-40B4-BE49-F238E27FC236}">
+                <a16:creationId xmlns:a16="http://schemas.microsoft.com/office/drawing/2014/main" id="{86A48406-2A82-5846-B614-0C718466AF7D}"/>
+              </a:ext>
+            </a:extLst>
+          </p:cNvPr>
+          <p:cNvSpPr>
+            <a:spLocks noGrp="1"/>
+          </p:cNvSpPr>
+          <p:nvPr>
+            <p:ph type="body" sz="quarter" idx="13"/>
+          </p:nvPr>
+        </p:nvSpPr>
+        <p:spPr/>
+        <p:txBody>
+          <a:bodyPr/>
+          <a:lstStyle/>
+          <a:p>
+            <a:r>
+              <a:rPr lang="en-US" dirty="0"/>
+              <a:t>Lorem ipsum dolor sit </a:t>
+            </a:r>
+            <a:r>
+              <a:rPr lang="en-US" dirty="0" err="1"/>
+              <a:t>amet</a:t>
+            </a:r>
+            <a:r>
+              <a:rPr lang="en-US" dirty="0"/>
+              <a:t>, </a:t>
+            </a:r>
+            <a:r>
+              <a:rPr lang="en-US" dirty="0" err="1"/>
+              <a:t>consectetur</a:t>
+            </a:r>
+            <a:r>
+              <a:rPr lang="en-US" dirty="0"/>
+              <a:t> </a:t>
+            </a:r>
+            <a:r>
+              <a:rPr lang="en-US" dirty="0" err="1"/>
+              <a:t>adipiscing</a:t>
+            </a:r>
+            <a:r>
+              <a:rPr lang="en-US" dirty="0"/>
+              <a:t> </a:t>
+            </a:r>
+            <a:r>
+              <a:rPr lang="en-US" dirty="0" err="1"/>
+              <a:t>elit</a:t>
+            </a:r>
+            <a:r>
+              <a:rPr lang="en-US" dirty="0"/>
+              <a:t>. Duis ante mi, </a:t>
+            </a:r>
+            <a:r>
+              <a:rPr lang="en-US" dirty="0" err="1"/>
+              <a:t>dignissim</a:t>
+            </a:r>
+            <a:r>
+              <a:rPr lang="en-US" dirty="0"/>
+              <a:t> sit </a:t>
+            </a:r>
+            <a:r>
+              <a:rPr lang="en-US" dirty="0" err="1"/>
+              <a:t>amet</a:t>
+            </a:r>
+            <a:r>
+              <a:rPr lang="en-US" dirty="0"/>
+              <a:t> </a:t>
+            </a:r>
+            <a:r>
+              <a:rPr lang="en-US" dirty="0" err="1"/>
+              <a:t>viverra</a:t>
+            </a:r>
+            <a:r>
+              <a:rPr lang="en-US" dirty="0"/>
+              <a:t> </a:t>
+            </a:r>
+            <a:r>
+              <a:rPr lang="en-US" dirty="0" err="1"/>
+              <a:t>quis</a:t>
+            </a:r>
+            <a:r>
+              <a:rPr lang="en-US" dirty="0"/>
+              <a:t>, </a:t>
+            </a:r>
+            <a:r>
+              <a:rPr lang="en-US" dirty="0" err="1"/>
+              <a:t>commodo</a:t>
+            </a:r>
+            <a:r>
+              <a:rPr lang="en-US" dirty="0"/>
+              <a:t> sed dolor. In </a:t>
+            </a:r>
+            <a:r>
+              <a:rPr lang="en-US" dirty="0" err="1"/>
+              <a:t>hac</a:t>
+            </a:r>
+            <a:r>
+              <a:rPr lang="en-US" dirty="0"/>
+              <a:t> </a:t>
+            </a:r>
+            <a:r>
+              <a:rPr lang="en-US" dirty="0" err="1"/>
+              <a:t>habitasse</a:t>
+            </a:r>
+            <a:r>
+              <a:rPr lang="en-US" dirty="0"/>
+              <a:t> </a:t>
+            </a:r>
+            <a:r>
+              <a:rPr lang="en-US" dirty="0" err="1"/>
+              <a:t>platea</a:t>
+            </a:r>
+            <a:r>
+              <a:rPr lang="en-US" dirty="0"/>
+              <a:t> </a:t>
+            </a:r>
+            <a:r>
+              <a:rPr lang="en-US" dirty="0" err="1"/>
+              <a:t>dictumst</a:t>
+            </a:r>
+            <a:r>
+              <a:rPr lang="en-US" dirty="0"/>
+              <a:t>. </a:t>
+            </a:r>
+            <a:r>
+              <a:rPr lang="en-US" dirty="0" err="1"/>
+              <a:t>Quisque</a:t>
+            </a:r>
+            <a:r>
+              <a:rPr lang="en-US" dirty="0"/>
+              <a:t> </a:t>
+            </a:r>
+            <a:r>
+              <a:rPr lang="en-US" dirty="0" err="1"/>
+              <a:t>mattis</a:t>
+            </a:r>
+            <a:r>
+              <a:rPr lang="en-US" dirty="0"/>
+              <a:t> </a:t>
+            </a:r>
+            <a:r>
+              <a:rPr lang="en-US" dirty="0" err="1"/>
+              <a:t>arcu</a:t>
+            </a:r>
+            <a:r>
+              <a:rPr lang="en-US" dirty="0"/>
+              <a:t> vel dolor </a:t>
+            </a:r>
+            <a:r>
+              <a:rPr lang="en-US" dirty="0" err="1"/>
+              <a:t>malesuada</a:t>
+            </a:r>
+            <a:r>
+              <a:rPr lang="en-US" dirty="0"/>
+              <a:t>, vitae maximus </a:t>
+            </a:r>
+            <a:r>
+              <a:rPr lang="en-US" dirty="0" err="1"/>
+              <a:t>augue</a:t>
+            </a:r>
+            <a:r>
+              <a:rPr lang="en-US" dirty="0"/>
+              <a:t> </a:t>
+            </a:r>
+            <a:r>
+              <a:rPr lang="en-US" dirty="0" err="1"/>
+              <a:t>pellentesque</a:t>
+            </a:r>
+            <a:r>
+              <a:rPr lang="en-US" dirty="0"/>
+              <a:t>.</a:t>
+            </a:r>
+          </a:p>
+          <a:p>
+            <a:pPr marL="342900" indent="-342900">
+              <a:buFont typeface="Arial" panose="020B0604020202020204" pitchFamily="34" charset="0"/>
+              <a:buChar char="•"/>
+            </a:pPr>
+            <a:r>
+              <a:rPr lang="en-US" dirty="0"/>
+              <a:t>Bullet 1</a:t>
+            </a:r>
+          </a:p>
+          <a:p>
+            <a:pPr marL="342900" indent="-342900">
+              <a:buFont typeface="Arial" panose="020B0604020202020204" pitchFamily="34" charset="0"/>
+              <a:buChar char="•"/>
+            </a:pPr>
+            <a:r>
+              <a:rPr lang="en-US" dirty="0"/>
+              <a:t>Bullet 2</a:t>
+            </a:r>
+          </a:p>
+          <a:p>
+            <a:pPr marL="342900" indent="-342900">
+              <a:buFont typeface="Arial" panose="020B0604020202020204" pitchFamily="34" charset="0"/>
+              <a:buChar char="•"/>
+            </a:pPr>
+            <a:r>
+              <a:rPr lang="en-US" dirty="0"/>
+              <a:t>Bullet 3</a:t>
+            </a:r>
+          </a:p>
+          <a:p>
+            <a:endParaRPr lang="en-US" dirty="0"/>
+          </a:p>
+        </p:txBody>
+      </p:sp>
+    </p:spTree>
+    <p:extLst>
+      <p:ext uri="{BB962C8B-B14F-4D97-AF65-F5344CB8AC3E}">
+        <p14:creationId xmlns:p14="http://schemas.microsoft.com/office/powerpoint/2010/main" val="3044664812"/>
+      </p:ext>
+    </p:extLst>
+  </p:cSld>
+  <p:clrMapOvr>
+    <a:masterClrMapping/>
+  </p:clrMapOvr>
+</p:sld>
+</file>
+
+<file path=ppt/slides/slide14.xml><?xml version="1.0" encoding="utf-8"?>
+<p:sld xmlns:a="http://schemas.openxmlformats.org/drawingml/2006/main" xmlns:r="http://schemas.openxmlformats.org/officeDocument/2006/relationships" xmlns:p="http://schemas.openxmlformats.org/presentationml/2006/main">
+  <p:cSld>
+    <p:spTree>
+      <p:nvGrpSpPr>
+        <p:cNvPr id="1" name=""/>
+        <p:cNvGrpSpPr/>
+        <p:nvPr/>
+      </p:nvGrpSpPr>
+      <p:grpSpPr>
+        <a:xfrm>
+          <a:off x="0" y="0"/>
+          <a:ext cx="0" cy="0"/>
+          <a:chOff x="0" y="0"/>
+          <a:chExt cx="0" cy="0"/>
+        </a:xfrm>
+      </p:grpSpPr>
+      <p:pic>
+        <p:nvPicPr>
+          <p:cNvPr id="4" name="Picture Placeholder 3" descr="A desktop computer sitting on a desk&#10;&#10;Description automatically generated">
+            <a:extLst>
+              <a:ext uri="{FF2B5EF4-FFF2-40B4-BE49-F238E27FC236}">
+                <a16:creationId xmlns:a16="http://schemas.microsoft.com/office/drawing/2014/main" id="{546CA7BA-706A-E34A-934C-E96116D4188E}"/>
+              </a:ext>
+            </a:extLst>
+          </p:cNvPr>
+          <p:cNvPicPr>
+            <a:picLocks noGrp="1" noChangeAspect="1"/>
+          </p:cNvPicPr>
+          <p:nvPr>
+            <p:ph type="pic" sz="quarter" idx="10"/>
+          </p:nvPr>
+        </p:nvPicPr>
+        <p:blipFill>
+          <a:blip r:embed="rId2" cstate="screen">
+            <a:extLst>
+              <a:ext uri="{28A0092B-C50C-407E-A947-70E740481C1C}">
+                <a14:useLocalDpi xmlns:a14="http://schemas.microsoft.com/office/drawing/2010/main"/>
+              </a:ext>
+            </a:extLst>
+          </a:blip>
+          <a:srcRect/>
+          <a:stretch>
+            <a:fillRect/>
+          </a:stretch>
+        </p:blipFill>
+        <p:spPr/>
+      </p:pic>
+    </p:spTree>
+    <p:extLst>
+      <p:ext uri="{BB962C8B-B14F-4D97-AF65-F5344CB8AC3E}">
+        <p14:creationId xmlns:p14="http://schemas.microsoft.com/office/powerpoint/2010/main" val="3247925554"/>
+      </p:ext>
+    </p:extLst>
+  </p:cSld>
+  <p:clrMapOvr>
+    <a:masterClrMapping/>
+  </p:clrMapOvr>
+</p:sld>
+</file>
+
+<file path=ppt/slides/slide15.xml><?xml version="1.0" encoding="utf-8"?>
+<p:sld xmlns:a="http://schemas.openxmlformats.org/drawingml/2006/main" xmlns:r="http://schemas.openxmlformats.org/officeDocument/2006/relationships" xmlns:p="http://schemas.openxmlformats.org/presentationml/2006/main">
+  <p:cSld>
+    <p:spTree>
+      <p:nvGrpSpPr>
+        <p:cNvPr id="1" name=""/>
+        <p:cNvGrpSpPr/>
+        <p:nvPr/>
+      </p:nvGrpSpPr>
+      <p:grpSpPr>
+        <a:xfrm>
+          <a:off x="0" y="0"/>
+          <a:ext cx="0" cy="0"/>
+          <a:chOff x="0" y="0"/>
+          <a:chExt cx="0" cy="0"/>
+        </a:xfrm>
+      </p:grpSpPr>
+      <p:pic>
+        <p:nvPicPr>
+          <p:cNvPr id="6" name="Picture Placeholder 5" descr="A screen shot of a computer&#10;&#10;Description automatically generated">
+            <a:extLst>
+              <a:ext uri="{FF2B5EF4-FFF2-40B4-BE49-F238E27FC236}">
+                <a16:creationId xmlns:a16="http://schemas.microsoft.com/office/drawing/2014/main" id="{EFD73EEB-079E-724D-9ED5-66A14E367F21}"/>
+              </a:ext>
+            </a:extLst>
+          </p:cNvPr>
+          <p:cNvPicPr>
+            <a:picLocks noGrp="1" noChangeAspect="1"/>
+          </p:cNvPicPr>
+          <p:nvPr>
+            <p:ph type="pic" sz="quarter" idx="12"/>
+          </p:nvPr>
+        </p:nvPicPr>
+        <p:blipFill>
+          <a:blip r:embed="rId2" cstate="screen">
+            <a:extLst>
+              <a:ext uri="{28A0092B-C50C-407E-A947-70E740481C1C}">
+                <a14:useLocalDpi xmlns:a14="http://schemas.microsoft.com/office/drawing/2010/main"/>
+              </a:ext>
+            </a:extLst>
+          </a:blip>
+          <a:srcRect l="29" r="29"/>
+          <a:stretch>
+            <a:fillRect/>
+          </a:stretch>
+        </p:blipFill>
+        <p:spPr/>
+      </p:pic>
+      <p:sp>
+        <p:nvSpPr>
+          <p:cNvPr id="3" name="Title 2">
+            <a:extLst>
+              <a:ext uri="{FF2B5EF4-FFF2-40B4-BE49-F238E27FC236}">
+                <a16:creationId xmlns:a16="http://schemas.microsoft.com/office/drawing/2014/main" id="{32C5C36C-7AE5-A74F-B18E-A9BFB3A3ED37}"/>
+              </a:ext>
+            </a:extLst>
+          </p:cNvPr>
+          <p:cNvSpPr>
+            <a:spLocks noGrp="1"/>
+          </p:cNvSpPr>
+          <p:nvPr>
+            <p:ph type="title"/>
+          </p:nvPr>
+        </p:nvSpPr>
+        <p:spPr/>
+        <p:txBody>
+          <a:bodyPr/>
+          <a:lstStyle/>
+          <a:p>
+            <a:r>
+              <a:rPr lang="en-US" dirty="0"/>
+              <a:t>Title Text Goes Here</a:t>
+            </a:r>
+          </a:p>
+        </p:txBody>
+      </p:sp>
+      <p:sp>
+        <p:nvSpPr>
+          <p:cNvPr id="4" name="Text Placeholder 3">
+            <a:extLst>
+              <a:ext uri="{FF2B5EF4-FFF2-40B4-BE49-F238E27FC236}">
+                <a16:creationId xmlns:a16="http://schemas.microsoft.com/office/drawing/2014/main" id="{BB1962E3-1688-2247-B12B-26C9BDFEB7B2}"/>
+              </a:ext>
+            </a:extLst>
+          </p:cNvPr>
+          <p:cNvSpPr>
+            <a:spLocks noGrp="1"/>
+          </p:cNvSpPr>
+          <p:nvPr>
+            <p:ph type="body" sz="quarter" idx="13"/>
+          </p:nvPr>
+        </p:nvSpPr>
+        <p:spPr/>
+        <p:txBody>
+          <a:bodyPr/>
+          <a:lstStyle/>
+          <a:p>
+            <a:r>
+              <a:rPr lang="en-US" dirty="0"/>
+              <a:t>Lorem ipsum dolor sit </a:t>
+            </a:r>
+            <a:r>
+              <a:rPr lang="en-US" dirty="0" err="1"/>
+              <a:t>amet</a:t>
+            </a:r>
+            <a:r>
+              <a:rPr lang="en-US" dirty="0"/>
+              <a:t>, </a:t>
+            </a:r>
+            <a:r>
+              <a:rPr lang="en-US" dirty="0" err="1"/>
+              <a:t>consectetur</a:t>
+            </a:r>
+            <a:r>
+              <a:rPr lang="en-US" dirty="0"/>
+              <a:t> </a:t>
+            </a:r>
+            <a:r>
+              <a:rPr lang="en-US" dirty="0" err="1"/>
+              <a:t>adipiscing</a:t>
+            </a:r>
+            <a:r>
+              <a:rPr lang="en-US" dirty="0"/>
+              <a:t> </a:t>
+            </a:r>
+            <a:r>
+              <a:rPr lang="en-US" dirty="0" err="1"/>
+              <a:t>elit</a:t>
+            </a:r>
+            <a:r>
+              <a:rPr lang="en-US" dirty="0"/>
+              <a:t>. Duis ante mi, </a:t>
+            </a:r>
+            <a:r>
+              <a:rPr lang="en-US" dirty="0" err="1"/>
+              <a:t>dignissim</a:t>
+            </a:r>
+            <a:r>
+              <a:rPr lang="en-US" dirty="0"/>
+              <a:t> sit </a:t>
+            </a:r>
+            <a:r>
+              <a:rPr lang="en-US" dirty="0" err="1"/>
+              <a:t>amet</a:t>
+            </a:r>
+            <a:r>
+              <a:rPr lang="en-US" dirty="0"/>
+              <a:t> </a:t>
+            </a:r>
+            <a:r>
+              <a:rPr lang="en-US" dirty="0" err="1"/>
+              <a:t>viverra</a:t>
+            </a:r>
+            <a:r>
+              <a:rPr lang="en-US" dirty="0"/>
+              <a:t> </a:t>
+            </a:r>
+            <a:r>
+              <a:rPr lang="en-US" dirty="0" err="1"/>
+              <a:t>quis</a:t>
+            </a:r>
+            <a:r>
+              <a:rPr lang="en-US" dirty="0"/>
+              <a:t>, </a:t>
+            </a:r>
+            <a:r>
+              <a:rPr lang="en-US" dirty="0" err="1"/>
+              <a:t>commodo</a:t>
+            </a:r>
+            <a:r>
+              <a:rPr lang="en-US" dirty="0"/>
+              <a:t> sed dolor. </a:t>
+            </a:r>
+          </a:p>
+          <a:p>
+            <a:r>
+              <a:rPr lang="en-US" dirty="0"/>
+              <a:t>Bullet 1</a:t>
+            </a:r>
+          </a:p>
+          <a:p>
+            <a:r>
+              <a:rPr lang="en-US" dirty="0"/>
+              <a:t>Bullet 2</a:t>
+            </a:r>
+          </a:p>
+          <a:p>
+            <a:r>
+              <a:rPr lang="en-US" dirty="0"/>
+              <a:t>Bullet 3</a:t>
+            </a:r>
+          </a:p>
+        </p:txBody>
+      </p:sp>
+    </p:spTree>
+    <p:extLst>
+      <p:ext uri="{BB962C8B-B14F-4D97-AF65-F5344CB8AC3E}">
+        <p14:creationId xmlns:p14="http://schemas.microsoft.com/office/powerpoint/2010/main" val="3009529856"/>
+      </p:ext>
+    </p:extLst>
+  </p:cSld>
+  <p:clrMapOvr>
+    <a:masterClrMapping/>
+  </p:clrMapOvr>
+</p:sld>
+</file>
+
+<file path=ppt/slides/slide16.xml><?xml version="1.0" encoding="utf-8"?>
+<p:sld xmlns:a="http://schemas.openxmlformats.org/drawingml/2006/main" xmlns:r="http://schemas.openxmlformats.org/officeDocument/2006/relationships" xmlns:p="http://schemas.openxmlformats.org/presentationml/2006/main">
+  <p:cSld>
+    <p:spTree>
+      <p:nvGrpSpPr>
+        <p:cNvPr id="1" name=""/>
+        <p:cNvGrpSpPr/>
+        <p:nvPr/>
+      </p:nvGrpSpPr>
+      <p:grpSpPr>
+        <a:xfrm>
+          <a:off x="0" y="0"/>
+          <a:ext cx="0" cy="0"/>
+          <a:chOff x="0" y="0"/>
+          <a:chExt cx="0" cy="0"/>
+        </a:xfrm>
+      </p:grpSpPr>
       <p:sp>
         <p:nvSpPr>
           <p:cNvPr id="3" name="Title 2">
@@ -5279,7 +6239,7 @@
 </p:sld>
 </file>
 
-<file path=ppt/slides/slide13.xml><?xml version="1.0" encoding="utf-8"?>
+<file path=ppt/slides/slide17.xml><?xml version="1.0" encoding="utf-8"?>
 <p:sld xmlns:a="http://schemas.openxmlformats.org/drawingml/2006/main" xmlns:r="http://schemas.openxmlformats.org/officeDocument/2006/relationships" xmlns:p="http://schemas.openxmlformats.org/presentationml/2006/main">
   <p:cSld>
     <p:spTree>
@@ -5365,6 +6325,321 @@
 </file>
 
 <file path=ppt/slides/slide2.xml><?xml version="1.0" encoding="utf-8"?>
+<p:sld xmlns:a="http://schemas.openxmlformats.org/drawingml/2006/main" xmlns:r="http://schemas.openxmlformats.org/officeDocument/2006/relationships" xmlns:p="http://schemas.openxmlformats.org/presentationml/2006/main">
+  <p:cSld>
+    <p:spTree>
+      <p:nvGrpSpPr>
+        <p:cNvPr id="1" name=""/>
+        <p:cNvGrpSpPr/>
+        <p:nvPr/>
+      </p:nvGrpSpPr>
+      <p:grpSpPr>
+        <a:xfrm>
+          <a:off x="0" y="0"/>
+          <a:ext cx="0" cy="0"/>
+          <a:chOff x="0" y="0"/>
+          <a:chExt cx="0" cy="0"/>
+        </a:xfrm>
+      </p:grpSpPr>
+      <p:pic>
+        <p:nvPicPr>
+          <p:cNvPr id="6" name="Picture Placeholder 5">
+            <a:extLst>
+              <a:ext uri="{FF2B5EF4-FFF2-40B4-BE49-F238E27FC236}">
+                <a16:creationId xmlns:a16="http://schemas.microsoft.com/office/drawing/2014/main" id="{EFD73EEB-079E-724D-9ED5-66A14E367F21}"/>
+              </a:ext>
+            </a:extLst>
+          </p:cNvPr>
+          <p:cNvPicPr>
+            <a:picLocks noGrp="1" noChangeAspect="1"/>
+          </p:cNvPicPr>
+          <p:nvPr>
+            <p:ph type="pic" sz="quarter" idx="12"/>
+          </p:nvPr>
+        </p:nvPicPr>
+        <p:blipFill rotWithShape="1">
+          <a:blip r:embed="rId2"/>
+          <a:srcRect b="10102"/>
+          <a:stretch/>
+        </p:blipFill>
+        <p:spPr>
+          <a:xfrm>
+            <a:off x="0" y="-2"/>
+            <a:ext cx="5195944" cy="5876099"/>
+          </a:xfrm>
+        </p:spPr>
+      </p:pic>
+      <p:sp>
+        <p:nvSpPr>
+          <p:cNvPr id="3" name="Title 2">
+            <a:extLst>
+              <a:ext uri="{FF2B5EF4-FFF2-40B4-BE49-F238E27FC236}">
+                <a16:creationId xmlns:a16="http://schemas.microsoft.com/office/drawing/2014/main" id="{32C5C36C-7AE5-A74F-B18E-A9BFB3A3ED37}"/>
+              </a:ext>
+            </a:extLst>
+          </p:cNvPr>
+          <p:cNvSpPr>
+            <a:spLocks noGrp="1"/>
+          </p:cNvSpPr>
+          <p:nvPr>
+            <p:ph type="title"/>
+          </p:nvPr>
+        </p:nvSpPr>
+        <p:spPr>
+          <a:xfrm>
+            <a:off x="6284340" y="524615"/>
+            <a:ext cx="5316022" cy="621194"/>
+          </a:xfrm>
+        </p:spPr>
+        <p:txBody>
+          <a:bodyPr/>
+          <a:lstStyle/>
+          <a:p>
+            <a:r>
+              <a:rPr lang="en-US" dirty="0"/>
+              <a:t>About Me</a:t>
+            </a:r>
+          </a:p>
+        </p:txBody>
+      </p:sp>
+      <p:sp>
+        <p:nvSpPr>
+          <p:cNvPr id="4" name="Text Placeholder 3">
+            <a:extLst>
+              <a:ext uri="{FF2B5EF4-FFF2-40B4-BE49-F238E27FC236}">
+                <a16:creationId xmlns:a16="http://schemas.microsoft.com/office/drawing/2014/main" id="{BB1962E3-1688-2247-B12B-26C9BDFEB7B2}"/>
+              </a:ext>
+            </a:extLst>
+          </p:cNvPr>
+          <p:cNvSpPr>
+            <a:spLocks noGrp="1"/>
+          </p:cNvSpPr>
+          <p:nvPr>
+            <p:ph type="body" sz="quarter" idx="13"/>
+          </p:nvPr>
+        </p:nvSpPr>
+        <p:spPr>
+          <a:xfrm>
+            <a:off x="6294438" y="1285875"/>
+            <a:ext cx="5316537" cy="3732213"/>
+          </a:xfrm>
+        </p:spPr>
+        <p:txBody>
+          <a:bodyPr/>
+          <a:lstStyle/>
+          <a:p>
+            <a:pPr marL="0" indent="0">
+              <a:buNone/>
+            </a:pPr>
+            <a:r>
+              <a:rPr lang="en-US" dirty="0"/>
+              <a:t>Senior Director, Technical SEO Research, at @</a:t>
+            </a:r>
+            <a:r>
+              <a:rPr lang="en-US" dirty="0" err="1"/>
+              <a:t>LocomotiveSEO</a:t>
+            </a:r>
+            <a:endParaRPr lang="en-US" dirty="0"/>
+          </a:p>
+          <a:p>
+            <a:pPr marL="0" indent="0">
+              <a:buNone/>
+            </a:pPr>
+            <a:endParaRPr lang="en-US" dirty="0"/>
+          </a:p>
+          <a:p>
+            <a:pPr marL="0" indent="0">
+              <a:buNone/>
+            </a:pPr>
+            <a:r>
+              <a:rPr lang="en-US" dirty="0"/>
+              <a:t>Passionate about:</a:t>
+            </a:r>
+          </a:p>
+          <a:p>
+            <a:r>
+              <a:rPr lang="en-US" dirty="0"/>
+              <a:t>Development</a:t>
+            </a:r>
+          </a:p>
+          <a:p>
+            <a:r>
+              <a:rPr lang="en-US" dirty="0"/>
+              <a:t>Learning</a:t>
+            </a:r>
+          </a:p>
+          <a:p>
+            <a:r>
+              <a:rPr lang="en-US" dirty="0"/>
+              <a:t>Community</a:t>
+            </a:r>
+          </a:p>
+          <a:p>
+            <a:r>
+              <a:rPr lang="en-US" dirty="0"/>
+              <a:t>Technology</a:t>
+            </a:r>
+          </a:p>
+        </p:txBody>
+      </p:sp>
+    </p:spTree>
+    <p:extLst>
+      <p:ext uri="{BB962C8B-B14F-4D97-AF65-F5344CB8AC3E}">
+        <p14:creationId xmlns:p14="http://schemas.microsoft.com/office/powerpoint/2010/main" val="1041060066"/>
+      </p:ext>
+    </p:extLst>
+  </p:cSld>
+  <p:clrMapOvr>
+    <a:masterClrMapping/>
+  </p:clrMapOvr>
+</p:sld>
+</file>
+
+<file path=ppt/slides/slide3.xml><?xml version="1.0" encoding="utf-8"?>
+<p:sld xmlns:a="http://schemas.openxmlformats.org/drawingml/2006/main" xmlns:r="http://schemas.openxmlformats.org/officeDocument/2006/relationships" xmlns:p="http://schemas.openxmlformats.org/presentationml/2006/main">
+  <p:cSld>
+    <p:spTree>
+      <p:nvGrpSpPr>
+        <p:cNvPr id="1" name=""/>
+        <p:cNvGrpSpPr/>
+        <p:nvPr/>
+      </p:nvGrpSpPr>
+      <p:grpSpPr>
+        <a:xfrm>
+          <a:off x="0" y="0"/>
+          <a:ext cx="0" cy="0"/>
+          <a:chOff x="0" y="0"/>
+          <a:chExt cx="0" cy="0"/>
+        </a:xfrm>
+      </p:grpSpPr>
+      <p:pic>
+        <p:nvPicPr>
+          <p:cNvPr id="6" name="Picture Placeholder 5">
+            <a:extLst>
+              <a:ext uri="{FF2B5EF4-FFF2-40B4-BE49-F238E27FC236}">
+                <a16:creationId xmlns:a16="http://schemas.microsoft.com/office/drawing/2014/main" id="{EFD73EEB-079E-724D-9ED5-66A14E367F21}"/>
+              </a:ext>
+            </a:extLst>
+          </p:cNvPr>
+          <p:cNvPicPr>
+            <a:picLocks noGrp="1" noChangeAspect="1"/>
+          </p:cNvPicPr>
+          <p:nvPr>
+            <p:ph type="pic" sz="quarter" idx="12"/>
+          </p:nvPr>
+        </p:nvPicPr>
+        <p:blipFill rotWithShape="1">
+          <a:blip r:embed="rId2"/>
+          <a:srcRect b="10102"/>
+          <a:stretch/>
+        </p:blipFill>
+        <p:spPr>
+          <a:xfrm>
+            <a:off x="0" y="-2"/>
+            <a:ext cx="5195944" cy="5876099"/>
+          </a:xfrm>
+        </p:spPr>
+      </p:pic>
+      <p:sp>
+        <p:nvSpPr>
+          <p:cNvPr id="3" name="Title 2">
+            <a:extLst>
+              <a:ext uri="{FF2B5EF4-FFF2-40B4-BE49-F238E27FC236}">
+                <a16:creationId xmlns:a16="http://schemas.microsoft.com/office/drawing/2014/main" id="{32C5C36C-7AE5-A74F-B18E-A9BFB3A3ED37}"/>
+              </a:ext>
+            </a:extLst>
+          </p:cNvPr>
+          <p:cNvSpPr>
+            <a:spLocks noGrp="1"/>
+          </p:cNvSpPr>
+          <p:nvPr>
+            <p:ph type="title"/>
+          </p:nvPr>
+        </p:nvSpPr>
+        <p:spPr>
+          <a:xfrm>
+            <a:off x="6284340" y="524615"/>
+            <a:ext cx="5316022" cy="621194"/>
+          </a:xfrm>
+        </p:spPr>
+        <p:txBody>
+          <a:bodyPr/>
+          <a:lstStyle/>
+          <a:p>
+            <a:r>
+              <a:rPr lang="en-US" dirty="0"/>
+              <a:t>About Me</a:t>
+            </a:r>
+          </a:p>
+        </p:txBody>
+      </p:sp>
+      <p:sp>
+        <p:nvSpPr>
+          <p:cNvPr id="4" name="Text Placeholder 3">
+            <a:extLst>
+              <a:ext uri="{FF2B5EF4-FFF2-40B4-BE49-F238E27FC236}">
+                <a16:creationId xmlns:a16="http://schemas.microsoft.com/office/drawing/2014/main" id="{BB1962E3-1688-2247-B12B-26C9BDFEB7B2}"/>
+              </a:ext>
+            </a:extLst>
+          </p:cNvPr>
+          <p:cNvSpPr>
+            <a:spLocks noGrp="1"/>
+          </p:cNvSpPr>
+          <p:nvPr>
+            <p:ph type="body" sz="quarter" idx="13"/>
+          </p:nvPr>
+        </p:nvSpPr>
+        <p:spPr>
+          <a:xfrm>
+            <a:off x="6294438" y="1285875"/>
+            <a:ext cx="5316537" cy="3732213"/>
+          </a:xfrm>
+        </p:spPr>
+        <p:txBody>
+          <a:bodyPr/>
+          <a:lstStyle/>
+          <a:p>
+            <a:pPr marL="0" indent="0">
+              <a:buNone/>
+            </a:pPr>
+            <a:r>
+              <a:rPr lang="en-US" dirty="0"/>
+              <a:t>I write some and do the Twitter thing.</a:t>
+            </a:r>
+          </a:p>
+          <a:p>
+            <a:pPr marL="0" indent="0">
+              <a:buNone/>
+            </a:pPr>
+            <a:r>
+              <a:rPr lang="en-US" dirty="0"/>
+              <a:t>I share as much as I can on </a:t>
+            </a:r>
+            <a:r>
+              <a:rPr lang="en-US" dirty="0" err="1"/>
+              <a:t>Github</a:t>
+            </a:r>
+            <a:r>
+              <a:rPr lang="en-US" dirty="0"/>
+              <a:t>.</a:t>
+            </a:r>
+          </a:p>
+        </p:txBody>
+      </p:sp>
+    </p:spTree>
+    <p:extLst>
+      <p:ext uri="{BB962C8B-B14F-4D97-AF65-F5344CB8AC3E}">
+        <p14:creationId xmlns:p14="http://schemas.microsoft.com/office/powerpoint/2010/main" val="3152462243"/>
+      </p:ext>
+    </p:extLst>
+  </p:cSld>
+  <p:clrMapOvr>
+    <a:masterClrMapping/>
+  </p:clrMapOvr>
+</p:sld>
+</file>
+
+<file path=ppt/slides/slide4.xml><?xml version="1.0" encoding="utf-8"?>
 <p:sld xmlns:a="http://schemas.openxmlformats.org/drawingml/2006/main" xmlns:r="http://schemas.openxmlformats.org/officeDocument/2006/relationships" xmlns:p="http://schemas.openxmlformats.org/presentationml/2006/main">
   <p:cSld>
     <p:bg>
@@ -5418,15 +6693,7 @@
           <a:p>
             <a:r>
               <a:rPr lang="en-US" dirty="0"/>
-              <a:t>Place Divider Text Here For </a:t>
-            </a:r>
-            <a:r>
-              <a:rPr lang="en-US" dirty="0" err="1"/>
-              <a:t>TechSEO</a:t>
-            </a:r>
-            <a:r>
-              <a:rPr lang="en-US" dirty="0"/>
-              <a:t> Boost 2019</a:t>
+              <a:t>What we will learn</a:t>
             </a:r>
           </a:p>
         </p:txBody>
@@ -5435,644 +6702,6 @@
     <p:extLst>
       <p:ext uri="{BB962C8B-B14F-4D97-AF65-F5344CB8AC3E}">
         <p14:creationId xmlns:p14="http://schemas.microsoft.com/office/powerpoint/2010/main" val="1470988376"/>
-      </p:ext>
-    </p:extLst>
-  </p:cSld>
-  <p:clrMapOvr>
-    <a:masterClrMapping/>
-  </p:clrMapOvr>
-</p:sld>
-</file>
-
-<file path=ppt/slides/slide3.xml><?xml version="1.0" encoding="utf-8"?>
-<p:sld xmlns:a="http://schemas.openxmlformats.org/drawingml/2006/main" xmlns:r="http://schemas.openxmlformats.org/officeDocument/2006/relationships" xmlns:p="http://schemas.openxmlformats.org/presentationml/2006/main">
-  <p:cSld>
-    <p:spTree>
-      <p:nvGrpSpPr>
-        <p:cNvPr id="1" name=""/>
-        <p:cNvGrpSpPr/>
-        <p:nvPr/>
-      </p:nvGrpSpPr>
-      <p:grpSpPr>
-        <a:xfrm>
-          <a:off x="0" y="0"/>
-          <a:ext cx="0" cy="0"/>
-          <a:chOff x="0" y="0"/>
-          <a:chExt cx="0" cy="0"/>
-        </a:xfrm>
-      </p:grpSpPr>
-      <p:sp>
-        <p:nvSpPr>
-          <p:cNvPr id="2" name="Title 1">
-            <a:extLst>
-              <a:ext uri="{FF2B5EF4-FFF2-40B4-BE49-F238E27FC236}">
-                <a16:creationId xmlns:a16="http://schemas.microsoft.com/office/drawing/2014/main" id="{07490423-E2BB-E44F-9A05-8062C9DB578F}"/>
-              </a:ext>
-            </a:extLst>
-          </p:cNvPr>
-          <p:cNvSpPr>
-            <a:spLocks noGrp="1"/>
-          </p:cNvSpPr>
-          <p:nvPr>
-            <p:ph type="title"/>
-          </p:nvPr>
-        </p:nvSpPr>
-        <p:spPr/>
-        <p:txBody>
-          <a:bodyPr lIns="457200"/>
-          <a:lstStyle/>
-          <a:p>
-            <a:r>
-              <a:rPr lang="en-US" dirty="0">
-                <a:solidFill>
-                  <a:schemeClr val="accent6"/>
-                </a:solidFill>
-              </a:rPr>
-              <a:t>Place Divider Text Here For </a:t>
-            </a:r>
-            <a:r>
-              <a:rPr lang="en-US" dirty="0" err="1">
-                <a:solidFill>
-                  <a:schemeClr val="accent6"/>
-                </a:solidFill>
-              </a:rPr>
-              <a:t>TechSEO</a:t>
-            </a:r>
-            <a:r>
-              <a:rPr lang="en-US" dirty="0">
-                <a:solidFill>
-                  <a:schemeClr val="accent6"/>
-                </a:solidFill>
-              </a:rPr>
-              <a:t> Boost 2019</a:t>
-            </a:r>
-            <a:br>
-              <a:rPr lang="en-US" dirty="0">
-                <a:solidFill>
-                  <a:schemeClr val="accent6"/>
-                </a:solidFill>
-              </a:rPr>
-            </a:br>
-            <a:endParaRPr lang="en-US" dirty="0">
-              <a:solidFill>
-                <a:schemeClr val="accent6"/>
-              </a:solidFill>
-            </a:endParaRPr>
-          </a:p>
-        </p:txBody>
-      </p:sp>
-    </p:spTree>
-    <p:extLst>
-      <p:ext uri="{BB962C8B-B14F-4D97-AF65-F5344CB8AC3E}">
-        <p14:creationId xmlns:p14="http://schemas.microsoft.com/office/powerpoint/2010/main" val="2085906510"/>
-      </p:ext>
-    </p:extLst>
-  </p:cSld>
-  <p:clrMapOvr>
-    <a:masterClrMapping/>
-  </p:clrMapOvr>
-</p:sld>
-</file>
-
-<file path=ppt/slides/slide4.xml><?xml version="1.0" encoding="utf-8"?>
-<p:sld xmlns:a="http://schemas.openxmlformats.org/drawingml/2006/main" xmlns:r="http://schemas.openxmlformats.org/officeDocument/2006/relationships" xmlns:p="http://schemas.openxmlformats.org/presentationml/2006/main">
-  <p:cSld>
-    <p:spTree>
-      <p:nvGrpSpPr>
-        <p:cNvPr id="1" name=""/>
-        <p:cNvGrpSpPr/>
-        <p:nvPr/>
-      </p:nvGrpSpPr>
-      <p:grpSpPr>
-        <a:xfrm>
-          <a:off x="0" y="0"/>
-          <a:ext cx="0" cy="0"/>
-          <a:chOff x="0" y="0"/>
-          <a:chExt cx="0" cy="0"/>
-        </a:xfrm>
-      </p:grpSpPr>
-      <p:sp>
-        <p:nvSpPr>
-          <p:cNvPr id="2" name="Title 1">
-            <a:extLst>
-              <a:ext uri="{FF2B5EF4-FFF2-40B4-BE49-F238E27FC236}">
-                <a16:creationId xmlns:a16="http://schemas.microsoft.com/office/drawing/2014/main" id="{97FE6D3A-2616-0145-BFA1-E42F38A44B93}"/>
-              </a:ext>
-            </a:extLst>
-          </p:cNvPr>
-          <p:cNvSpPr>
-            <a:spLocks noGrp="1"/>
-          </p:cNvSpPr>
-          <p:nvPr>
-            <p:ph type="title"/>
-          </p:nvPr>
-        </p:nvSpPr>
-        <p:spPr/>
-        <p:txBody>
-          <a:bodyPr/>
-          <a:lstStyle/>
-          <a:p>
-            <a:r>
-              <a:rPr lang="en-US" dirty="0"/>
-              <a:t>Title Text Goes Here Lorem Ipsum Dolor Sit </a:t>
-            </a:r>
-            <a:r>
-              <a:rPr lang="en-US" dirty="0" err="1"/>
-              <a:t>Amet</a:t>
-            </a:r>
-            <a:endParaRPr lang="en-US" dirty="0"/>
-          </a:p>
-        </p:txBody>
-      </p:sp>
-      <p:sp>
-        <p:nvSpPr>
-          <p:cNvPr id="3" name="Text Placeholder 2">
-            <a:extLst>
-              <a:ext uri="{FF2B5EF4-FFF2-40B4-BE49-F238E27FC236}">
-                <a16:creationId xmlns:a16="http://schemas.microsoft.com/office/drawing/2014/main" id="{5ED891C3-32CD-E74D-A644-045913CFC7AD}"/>
-              </a:ext>
-            </a:extLst>
-          </p:cNvPr>
-          <p:cNvSpPr>
-            <a:spLocks noGrp="1"/>
-          </p:cNvSpPr>
-          <p:nvPr>
-            <p:ph type="body" sz="quarter" idx="12"/>
-          </p:nvPr>
-        </p:nvSpPr>
-        <p:spPr/>
-        <p:txBody>
-          <a:bodyPr/>
-          <a:lstStyle/>
-          <a:p>
-            <a:r>
-              <a:rPr lang="en-US" dirty="0"/>
-              <a:t>Lorem ipsum dolor sit </a:t>
-            </a:r>
-            <a:r>
-              <a:rPr lang="en-US" dirty="0" err="1"/>
-              <a:t>amet</a:t>
-            </a:r>
-            <a:r>
-              <a:rPr lang="en-US" dirty="0"/>
-              <a:t>, </a:t>
-            </a:r>
-            <a:r>
-              <a:rPr lang="en-US" dirty="0" err="1"/>
-              <a:t>consectetur</a:t>
-            </a:r>
-            <a:r>
-              <a:rPr lang="en-US" dirty="0"/>
-              <a:t> </a:t>
-            </a:r>
-            <a:r>
-              <a:rPr lang="en-US" dirty="0" err="1"/>
-              <a:t>adipiscing</a:t>
-            </a:r>
-            <a:r>
-              <a:rPr lang="en-US" dirty="0"/>
-              <a:t> </a:t>
-            </a:r>
-            <a:r>
-              <a:rPr lang="en-US" dirty="0" err="1"/>
-              <a:t>elit</a:t>
-            </a:r>
-            <a:r>
-              <a:rPr lang="en-US" dirty="0"/>
-              <a:t>. Duis ante mi, </a:t>
-            </a:r>
-            <a:r>
-              <a:rPr lang="en-US" dirty="0" err="1"/>
-              <a:t>dignissim</a:t>
-            </a:r>
-            <a:r>
-              <a:rPr lang="en-US" dirty="0"/>
-              <a:t> sit </a:t>
-            </a:r>
-            <a:r>
-              <a:rPr lang="en-US" dirty="0" err="1"/>
-              <a:t>amet</a:t>
-            </a:r>
-            <a:r>
-              <a:rPr lang="en-US" dirty="0"/>
-              <a:t> </a:t>
-            </a:r>
-            <a:r>
-              <a:rPr lang="en-US" dirty="0" err="1"/>
-              <a:t>viverra</a:t>
-            </a:r>
-            <a:r>
-              <a:rPr lang="en-US" dirty="0"/>
-              <a:t> </a:t>
-            </a:r>
-            <a:r>
-              <a:rPr lang="en-US" dirty="0" err="1"/>
-              <a:t>quis</a:t>
-            </a:r>
-            <a:r>
-              <a:rPr lang="en-US" dirty="0"/>
-              <a:t>, </a:t>
-            </a:r>
-            <a:r>
-              <a:rPr lang="en-US" dirty="0" err="1"/>
-              <a:t>commodo</a:t>
-            </a:r>
-            <a:r>
-              <a:rPr lang="en-US" dirty="0"/>
-              <a:t> sed dolor. In </a:t>
-            </a:r>
-            <a:r>
-              <a:rPr lang="en-US" dirty="0" err="1"/>
-              <a:t>hac</a:t>
-            </a:r>
-            <a:r>
-              <a:rPr lang="en-US" dirty="0"/>
-              <a:t> </a:t>
-            </a:r>
-            <a:r>
-              <a:rPr lang="en-US" dirty="0" err="1"/>
-              <a:t>habitasse</a:t>
-            </a:r>
-            <a:r>
-              <a:rPr lang="en-US" dirty="0"/>
-              <a:t> </a:t>
-            </a:r>
-            <a:r>
-              <a:rPr lang="en-US" dirty="0" err="1"/>
-              <a:t>platea</a:t>
-            </a:r>
-            <a:r>
-              <a:rPr lang="en-US" dirty="0"/>
-              <a:t> </a:t>
-            </a:r>
-            <a:r>
-              <a:rPr lang="en-US" dirty="0" err="1"/>
-              <a:t>dictumst</a:t>
-            </a:r>
-            <a:r>
-              <a:rPr lang="en-US" dirty="0"/>
-              <a:t>. </a:t>
-            </a:r>
-            <a:r>
-              <a:rPr lang="en-US" dirty="0" err="1"/>
-              <a:t>Quisque</a:t>
-            </a:r>
-            <a:r>
-              <a:rPr lang="en-US" dirty="0"/>
-              <a:t> </a:t>
-            </a:r>
-            <a:r>
-              <a:rPr lang="en-US" dirty="0" err="1"/>
-              <a:t>mattis</a:t>
-            </a:r>
-            <a:r>
-              <a:rPr lang="en-US" dirty="0"/>
-              <a:t> </a:t>
-            </a:r>
-            <a:r>
-              <a:rPr lang="en-US" dirty="0" err="1"/>
-              <a:t>arcu</a:t>
-            </a:r>
-            <a:r>
-              <a:rPr lang="en-US" dirty="0"/>
-              <a:t> vel dolor </a:t>
-            </a:r>
-            <a:r>
-              <a:rPr lang="en-US" dirty="0" err="1"/>
-              <a:t>malesuada</a:t>
-            </a:r>
-            <a:r>
-              <a:rPr lang="en-US" dirty="0"/>
-              <a:t>, vitae maximus </a:t>
-            </a:r>
-            <a:r>
-              <a:rPr lang="en-US" dirty="0" err="1"/>
-              <a:t>augue</a:t>
-            </a:r>
-            <a:r>
-              <a:rPr lang="en-US" dirty="0"/>
-              <a:t> </a:t>
-            </a:r>
-            <a:r>
-              <a:rPr lang="en-US" dirty="0" err="1"/>
-              <a:t>pellentesque</a:t>
-            </a:r>
-            <a:r>
-              <a:rPr lang="en-US" dirty="0"/>
-              <a:t>. Nam </a:t>
-            </a:r>
-            <a:r>
-              <a:rPr lang="en-US" dirty="0" err="1"/>
-              <a:t>metus</a:t>
-            </a:r>
-            <a:r>
-              <a:rPr lang="en-US" dirty="0"/>
-              <a:t> mi, </a:t>
-            </a:r>
-            <a:r>
-              <a:rPr lang="en-US" dirty="0" err="1"/>
-              <a:t>eleifend</a:t>
-            </a:r>
-            <a:r>
-              <a:rPr lang="en-US" dirty="0"/>
-              <a:t> et ipsum vel, </a:t>
-            </a:r>
-            <a:r>
-              <a:rPr lang="en-US" dirty="0" err="1"/>
-              <a:t>tincidunt</a:t>
-            </a:r>
-            <a:r>
-              <a:rPr lang="en-US" dirty="0"/>
-              <a:t> </a:t>
-            </a:r>
-            <a:r>
-              <a:rPr lang="en-US" dirty="0" err="1"/>
-              <a:t>rutrum</a:t>
-            </a:r>
-            <a:r>
-              <a:rPr lang="en-US" dirty="0"/>
-              <a:t> magna. </a:t>
-            </a:r>
-            <a:r>
-              <a:rPr lang="en-US" dirty="0" err="1"/>
-              <a:t>Quisque</a:t>
-            </a:r>
-            <a:r>
-              <a:rPr lang="en-US" dirty="0"/>
-              <a:t> </a:t>
-            </a:r>
-            <a:r>
-              <a:rPr lang="en-US" dirty="0" err="1"/>
-              <a:t>vehicula</a:t>
-            </a:r>
-            <a:r>
-              <a:rPr lang="en-US" dirty="0"/>
-              <a:t> </a:t>
-            </a:r>
-            <a:r>
-              <a:rPr lang="en-US" dirty="0" err="1"/>
-              <a:t>tortor</a:t>
-            </a:r>
-            <a:r>
-              <a:rPr lang="en-US" dirty="0"/>
-              <a:t> ac </a:t>
-            </a:r>
-            <a:r>
-              <a:rPr lang="en-US" dirty="0" err="1"/>
-              <a:t>tempor</a:t>
-            </a:r>
-            <a:r>
-              <a:rPr lang="en-US" dirty="0"/>
-              <a:t> </a:t>
-            </a:r>
-            <a:r>
-              <a:rPr lang="en-US" dirty="0" err="1"/>
-              <a:t>consectetur</a:t>
-            </a:r>
-            <a:r>
-              <a:rPr lang="en-US" dirty="0"/>
-              <a:t>. Integer </a:t>
-            </a:r>
-            <a:r>
-              <a:rPr lang="en-US" dirty="0" err="1"/>
-              <a:t>finibus</a:t>
-            </a:r>
-            <a:r>
-              <a:rPr lang="en-US" dirty="0"/>
-              <a:t>, </a:t>
-            </a:r>
-            <a:r>
-              <a:rPr lang="en-US" dirty="0" err="1"/>
-              <a:t>nunc</a:t>
-            </a:r>
-            <a:r>
-              <a:rPr lang="en-US" dirty="0"/>
-              <a:t> vitae </a:t>
-            </a:r>
-            <a:r>
-              <a:rPr lang="en-US" dirty="0" err="1"/>
-              <a:t>mattis</a:t>
-            </a:r>
-            <a:r>
-              <a:rPr lang="en-US" dirty="0"/>
-              <a:t> </a:t>
-            </a:r>
-            <a:r>
-              <a:rPr lang="en-US" dirty="0" err="1"/>
-              <a:t>finibus</a:t>
-            </a:r>
-            <a:r>
-              <a:rPr lang="en-US" dirty="0"/>
-              <a:t>, </a:t>
-            </a:r>
-            <a:r>
-              <a:rPr lang="en-US" dirty="0" err="1"/>
-              <a:t>sem</a:t>
-            </a:r>
-            <a:r>
-              <a:rPr lang="en-US" dirty="0"/>
-              <a:t> ex </a:t>
-            </a:r>
-            <a:r>
-              <a:rPr lang="en-US" dirty="0" err="1"/>
-              <a:t>ornare</a:t>
-            </a:r>
-            <a:r>
-              <a:rPr lang="en-US" dirty="0"/>
-              <a:t> </a:t>
-            </a:r>
-            <a:r>
-              <a:rPr lang="en-US" dirty="0" err="1"/>
-              <a:t>metus</a:t>
-            </a:r>
-            <a:r>
-              <a:rPr lang="en-US" dirty="0"/>
-              <a:t>, sed semper </a:t>
-            </a:r>
-            <a:r>
-              <a:rPr lang="en-US" dirty="0" err="1"/>
-              <a:t>metus</a:t>
-            </a:r>
-            <a:r>
-              <a:rPr lang="en-US" dirty="0"/>
-              <a:t> </a:t>
-            </a:r>
-            <a:r>
-              <a:rPr lang="en-US" dirty="0" err="1"/>
-              <a:t>metus</a:t>
-            </a:r>
-            <a:r>
-              <a:rPr lang="en-US" dirty="0"/>
-              <a:t> at </a:t>
-            </a:r>
-            <a:r>
-              <a:rPr lang="en-US" dirty="0" err="1"/>
-              <a:t>justo</a:t>
-            </a:r>
-            <a:r>
-              <a:rPr lang="en-US" dirty="0"/>
-              <a:t>. </a:t>
-            </a:r>
-            <a:r>
-              <a:rPr lang="en-US" dirty="0" err="1"/>
-              <a:t>Etiam</a:t>
-            </a:r>
-            <a:r>
-              <a:rPr lang="en-US" dirty="0"/>
-              <a:t> </a:t>
-            </a:r>
-            <a:r>
-              <a:rPr lang="en-US" dirty="0" err="1"/>
-              <a:t>eu</a:t>
-            </a:r>
-            <a:r>
-              <a:rPr lang="en-US" dirty="0"/>
-              <a:t> </a:t>
-            </a:r>
-            <a:r>
-              <a:rPr lang="en-US" dirty="0" err="1"/>
-              <a:t>dapibus</a:t>
-            </a:r>
-            <a:r>
-              <a:rPr lang="en-US" dirty="0"/>
-              <a:t> </a:t>
-            </a:r>
-            <a:r>
-              <a:rPr lang="en-US" dirty="0" err="1"/>
-              <a:t>massa</a:t>
-            </a:r>
-            <a:r>
-              <a:rPr lang="en-US" dirty="0"/>
-              <a:t>, </a:t>
-            </a:r>
-            <a:r>
-              <a:rPr lang="en-US" dirty="0" err="1"/>
-              <a:t>eget</a:t>
-            </a:r>
-            <a:r>
-              <a:rPr lang="en-US" dirty="0"/>
-              <a:t> </a:t>
-            </a:r>
-            <a:r>
-              <a:rPr lang="en-US" dirty="0" err="1"/>
-              <a:t>posuere</a:t>
-            </a:r>
-            <a:r>
-              <a:rPr lang="en-US" dirty="0"/>
-              <a:t> </a:t>
-            </a:r>
-            <a:r>
-              <a:rPr lang="en-US" dirty="0" err="1"/>
-              <a:t>elit</a:t>
-            </a:r>
-            <a:r>
-              <a:rPr lang="en-US" dirty="0"/>
-              <a:t>. Duis </a:t>
-            </a:r>
-            <a:r>
-              <a:rPr lang="en-US" dirty="0" err="1"/>
-              <a:t>ornare</a:t>
-            </a:r>
-            <a:r>
-              <a:rPr lang="en-US" dirty="0"/>
-              <a:t> </a:t>
-            </a:r>
-            <a:r>
-              <a:rPr lang="en-US" dirty="0" err="1"/>
-              <a:t>sem</a:t>
-            </a:r>
-            <a:r>
-              <a:rPr lang="en-US" dirty="0"/>
-              <a:t> et </a:t>
-            </a:r>
-            <a:r>
-              <a:rPr lang="en-US" dirty="0" err="1"/>
-              <a:t>erat</a:t>
-            </a:r>
-            <a:r>
-              <a:rPr lang="en-US" dirty="0"/>
-              <a:t> </a:t>
-            </a:r>
-            <a:r>
-              <a:rPr lang="en-US" dirty="0" err="1"/>
-              <a:t>laoreet</a:t>
-            </a:r>
-            <a:r>
-              <a:rPr lang="en-US" dirty="0"/>
-              <a:t>, </a:t>
-            </a:r>
-            <a:r>
-              <a:rPr lang="en-US" dirty="0" err="1"/>
-              <a:t>quis</a:t>
-            </a:r>
-            <a:r>
-              <a:rPr lang="en-US" dirty="0"/>
-              <a:t> </a:t>
-            </a:r>
-            <a:r>
-              <a:rPr lang="en-US" dirty="0" err="1"/>
-              <a:t>sodales</a:t>
-            </a:r>
-            <a:r>
-              <a:rPr lang="en-US" dirty="0"/>
-              <a:t> </a:t>
-            </a:r>
-            <a:r>
-              <a:rPr lang="en-US" dirty="0" err="1"/>
-              <a:t>elit</a:t>
-            </a:r>
-            <a:r>
-              <a:rPr lang="en-US" dirty="0"/>
-              <a:t> </a:t>
-            </a:r>
-            <a:r>
-              <a:rPr lang="en-US" dirty="0" err="1"/>
-              <a:t>accumsan</a:t>
-            </a:r>
-            <a:r>
-              <a:rPr lang="en-US" dirty="0"/>
-              <a:t>.</a:t>
-            </a:r>
-          </a:p>
-          <a:p>
-            <a:pPr marL="342900" indent="-342900">
-              <a:buFont typeface="Arial" panose="020B0604020202020204" pitchFamily="34" charset="0"/>
-              <a:buChar char="•"/>
-            </a:pPr>
-            <a:r>
-              <a:rPr lang="en-US" dirty="0"/>
-              <a:t>Bullet 1</a:t>
-            </a:r>
-          </a:p>
-          <a:p>
-            <a:pPr marL="342900" indent="-342900">
-              <a:buFont typeface="Arial" panose="020B0604020202020204" pitchFamily="34" charset="0"/>
-              <a:buChar char="•"/>
-            </a:pPr>
-            <a:r>
-              <a:rPr lang="en-US" dirty="0"/>
-              <a:t>Bullet 2</a:t>
-            </a:r>
-          </a:p>
-          <a:p>
-            <a:pPr marL="342900" indent="-342900">
-              <a:buFont typeface="Arial" panose="020B0604020202020204" pitchFamily="34" charset="0"/>
-              <a:buChar char="•"/>
-            </a:pPr>
-            <a:r>
-              <a:rPr lang="en-US" dirty="0"/>
-              <a:t>Bullet 3</a:t>
-            </a:r>
-          </a:p>
-          <a:p>
-            <a:endParaRPr lang="en-US" dirty="0"/>
-          </a:p>
-        </p:txBody>
-      </p:sp>
-    </p:spTree>
-    <p:extLst>
-      <p:ext uri="{BB962C8B-B14F-4D97-AF65-F5344CB8AC3E}">
-        <p14:creationId xmlns:p14="http://schemas.microsoft.com/office/powerpoint/2010/main" val="1665956885"/>
       </p:ext>
     </p:extLst>
   </p:cSld>
@@ -6101,10 +6730,10 @@
       </p:grpSpPr>
       <p:sp>
         <p:nvSpPr>
-          <p:cNvPr id="7" name="Title 6">
+          <p:cNvPr id="2" name="Title 1">
             <a:extLst>
               <a:ext uri="{FF2B5EF4-FFF2-40B4-BE49-F238E27FC236}">
-                <a16:creationId xmlns:a16="http://schemas.microsoft.com/office/drawing/2014/main" id="{B30E2C2B-5E10-3B49-8C96-8F619263FD7F}"/>
+                <a16:creationId xmlns:a16="http://schemas.microsoft.com/office/drawing/2014/main" id="{97FE6D3A-2616-0145-BFA1-E42F38A44B93}"/>
               </a:ext>
             </a:extLst>
           </p:cNvPr>
@@ -6122,13 +6751,8 @@
           <a:p>
             <a:r>
               <a:rPr lang="en-US" dirty="0"/>
-              <a:t>Title Text Goes Here Lorem Ipsum Dolor Sit </a:t>
-            </a:r>
-            <a:r>
-              <a:rPr lang="en-US" dirty="0" err="1"/>
-              <a:t>Amet</a:t>
-            </a:r>
-            <a:endParaRPr lang="en-US" dirty="0"/>
+              <a:t>What we will learn</a:t>
+            </a:r>
           </a:p>
         </p:txBody>
       </p:sp>
@@ -6137,7 +6761,7 @@
           <p:cNvPr id="3" name="Text Placeholder 2">
             <a:extLst>
               <a:ext uri="{FF2B5EF4-FFF2-40B4-BE49-F238E27FC236}">
-                <a16:creationId xmlns:a16="http://schemas.microsoft.com/office/drawing/2014/main" id="{60154887-2AA0-8A45-A2ED-4016F05BADB5}"/>
+                <a16:creationId xmlns:a16="http://schemas.microsoft.com/office/drawing/2014/main" id="{5ED891C3-32CD-E74D-A644-045913CFC7AD}"/>
               </a:ext>
             </a:extLst>
           </p:cNvPr>
@@ -6153,171 +6777,13 @@
           <a:bodyPr/>
           <a:lstStyle/>
           <a:p>
-            <a:r>
-              <a:rPr lang="en-US" dirty="0"/>
-              <a:t>Lorem ipsum dolor sit </a:t>
-            </a:r>
-            <a:r>
-              <a:rPr lang="en-US" dirty="0" err="1"/>
-              <a:t>amet</a:t>
-            </a:r>
-            <a:r>
-              <a:rPr lang="en-US" dirty="0"/>
-              <a:t>, </a:t>
-            </a:r>
-            <a:r>
-              <a:rPr lang="en-US" dirty="0" err="1"/>
-              <a:t>consectetur</a:t>
-            </a:r>
-            <a:r>
-              <a:rPr lang="en-US" dirty="0"/>
-              <a:t> </a:t>
-            </a:r>
-            <a:r>
-              <a:rPr lang="en-US" dirty="0" err="1"/>
-              <a:t>adipiscing</a:t>
-            </a:r>
-            <a:r>
-              <a:rPr lang="en-US" dirty="0"/>
-              <a:t> </a:t>
-            </a:r>
-            <a:r>
-              <a:rPr lang="en-US" dirty="0" err="1"/>
-              <a:t>elit</a:t>
-            </a:r>
-            <a:r>
-              <a:rPr lang="en-US" dirty="0"/>
-              <a:t>. Duis ante mi, </a:t>
-            </a:r>
-            <a:r>
-              <a:rPr lang="en-US" dirty="0" err="1"/>
-              <a:t>dignissim</a:t>
-            </a:r>
-            <a:r>
-              <a:rPr lang="en-US" dirty="0"/>
-              <a:t> sit </a:t>
-            </a:r>
-            <a:r>
-              <a:rPr lang="en-US" dirty="0" err="1"/>
-              <a:t>amet</a:t>
-            </a:r>
-            <a:r>
-              <a:rPr lang="en-US" dirty="0"/>
-              <a:t> </a:t>
-            </a:r>
-            <a:r>
-              <a:rPr lang="en-US" dirty="0" err="1"/>
-              <a:t>viverra</a:t>
-            </a:r>
-            <a:r>
-              <a:rPr lang="en-US" dirty="0"/>
-              <a:t> </a:t>
-            </a:r>
-            <a:r>
-              <a:rPr lang="en-US" dirty="0" err="1"/>
-              <a:t>quis</a:t>
-            </a:r>
-            <a:r>
-              <a:rPr lang="en-US" dirty="0"/>
-              <a:t>, </a:t>
-            </a:r>
-            <a:r>
-              <a:rPr lang="en-US" dirty="0" err="1"/>
-              <a:t>commodo</a:t>
-            </a:r>
-            <a:r>
-              <a:rPr lang="en-US" dirty="0"/>
-              <a:t> sed dolor. In </a:t>
-            </a:r>
-            <a:r>
-              <a:rPr lang="en-US" dirty="0" err="1"/>
-              <a:t>hac</a:t>
-            </a:r>
-            <a:r>
-              <a:rPr lang="en-US" dirty="0"/>
-              <a:t> </a:t>
-            </a:r>
-            <a:r>
-              <a:rPr lang="en-US" dirty="0" err="1"/>
-              <a:t>habitasse</a:t>
-            </a:r>
-            <a:r>
-              <a:rPr lang="en-US" dirty="0"/>
-              <a:t> </a:t>
-            </a:r>
-            <a:r>
-              <a:rPr lang="en-US" dirty="0" err="1"/>
-              <a:t>platea</a:t>
-            </a:r>
-            <a:r>
-              <a:rPr lang="en-US" dirty="0"/>
-              <a:t> </a:t>
-            </a:r>
-            <a:r>
-              <a:rPr lang="en-US" dirty="0" err="1"/>
-              <a:t>dictumst</a:t>
-            </a:r>
-            <a:r>
-              <a:rPr lang="en-US" dirty="0"/>
-              <a:t>. </a:t>
-            </a:r>
-            <a:r>
-              <a:rPr lang="en-US" dirty="0" err="1"/>
-              <a:t>Quisque</a:t>
-            </a:r>
-            <a:r>
-              <a:rPr lang="en-US" dirty="0"/>
-              <a:t> </a:t>
-            </a:r>
-            <a:r>
-              <a:rPr lang="en-US" dirty="0" err="1"/>
-              <a:t>mattis</a:t>
-            </a:r>
-            <a:r>
-              <a:rPr lang="en-US" dirty="0"/>
-              <a:t> </a:t>
-            </a:r>
-            <a:r>
-              <a:rPr lang="en-US" dirty="0" err="1"/>
-              <a:t>arcu</a:t>
-            </a:r>
-            <a:r>
-              <a:rPr lang="en-US" dirty="0"/>
-              <a:t> vel dolor </a:t>
-            </a:r>
-            <a:r>
-              <a:rPr lang="en-US" dirty="0" err="1"/>
-              <a:t>malesuada</a:t>
-            </a:r>
-            <a:r>
-              <a:rPr lang="en-US" dirty="0"/>
-              <a:t>, vitae maximus </a:t>
-            </a:r>
-            <a:r>
-              <a:rPr lang="en-US" dirty="0" err="1"/>
-              <a:t>augue</a:t>
-            </a:r>
-            <a:r>
-              <a:rPr lang="en-US" dirty="0"/>
-              <a:t> </a:t>
-            </a:r>
-            <a:r>
-              <a:rPr lang="en-US" dirty="0" err="1"/>
-              <a:t>pellentesque</a:t>
-            </a:r>
-            <a:r>
-              <a:rPr lang="en-US" dirty="0"/>
-              <a:t>.</a:t>
-            </a:r>
-          </a:p>
-          <a:p>
             <a:pPr marL="342900" indent="-342900">
               <a:buFont typeface="Arial" panose="020B0604020202020204" pitchFamily="34" charset="0"/>
               <a:buChar char="•"/>
             </a:pPr>
             <a:r>
               <a:rPr lang="en-US" dirty="0"/>
-              <a:t>Bullet 1</a:t>
+              <a:t>Overview of Crawling Landscape</a:t>
             </a:r>
           </a:p>
           <a:p>
@@ -6327,7 +6793,7 @@
             </a:pPr>
             <a:r>
               <a:rPr lang="en-US" dirty="0"/>
-              <a:t>Bullet 2</a:t>
+              <a:t>Key Components of Crawler</a:t>
             </a:r>
           </a:p>
           <a:p>
@@ -6337,190 +6803,7 @@
             </a:pPr>
             <a:r>
               <a:rPr lang="en-US" dirty="0"/>
-              <a:t>Bullet 3</a:t>
-            </a:r>
-          </a:p>
-          <a:p>
-            <a:endParaRPr lang="en-US" dirty="0"/>
-          </a:p>
-        </p:txBody>
-      </p:sp>
-      <p:sp>
-        <p:nvSpPr>
-          <p:cNvPr id="4" name="Text Placeholder 3">
-            <a:extLst>
-              <a:ext uri="{FF2B5EF4-FFF2-40B4-BE49-F238E27FC236}">
-                <a16:creationId xmlns:a16="http://schemas.microsoft.com/office/drawing/2014/main" id="{86A48406-2A82-5846-B614-0C718466AF7D}"/>
-              </a:ext>
-            </a:extLst>
-          </p:cNvPr>
-          <p:cNvSpPr>
-            <a:spLocks noGrp="1"/>
-          </p:cNvSpPr>
-          <p:nvPr>
-            <p:ph type="body" sz="quarter" idx="13"/>
-          </p:nvPr>
-        </p:nvSpPr>
-        <p:spPr/>
-        <p:txBody>
-          <a:bodyPr/>
-          <a:lstStyle/>
-          <a:p>
-            <a:r>
-              <a:rPr lang="en-US" dirty="0"/>
-              <a:t>Lorem ipsum dolor sit </a:t>
-            </a:r>
-            <a:r>
-              <a:rPr lang="en-US" dirty="0" err="1"/>
-              <a:t>amet</a:t>
-            </a:r>
-            <a:r>
-              <a:rPr lang="en-US" dirty="0"/>
-              <a:t>, </a:t>
-            </a:r>
-            <a:r>
-              <a:rPr lang="en-US" dirty="0" err="1"/>
-              <a:t>consectetur</a:t>
-            </a:r>
-            <a:r>
-              <a:rPr lang="en-US" dirty="0"/>
-              <a:t> </a:t>
-            </a:r>
-            <a:r>
-              <a:rPr lang="en-US" dirty="0" err="1"/>
-              <a:t>adipiscing</a:t>
-            </a:r>
-            <a:r>
-              <a:rPr lang="en-US" dirty="0"/>
-              <a:t> </a:t>
-            </a:r>
-            <a:r>
-              <a:rPr lang="en-US" dirty="0" err="1"/>
-              <a:t>elit</a:t>
-            </a:r>
-            <a:r>
-              <a:rPr lang="en-US" dirty="0"/>
-              <a:t>. Duis ante mi, </a:t>
-            </a:r>
-            <a:r>
-              <a:rPr lang="en-US" dirty="0" err="1"/>
-              <a:t>dignissim</a:t>
-            </a:r>
-            <a:r>
-              <a:rPr lang="en-US" dirty="0"/>
-              <a:t> sit </a:t>
-            </a:r>
-            <a:r>
-              <a:rPr lang="en-US" dirty="0" err="1"/>
-              <a:t>amet</a:t>
-            </a:r>
-            <a:r>
-              <a:rPr lang="en-US" dirty="0"/>
-              <a:t> </a:t>
-            </a:r>
-            <a:r>
-              <a:rPr lang="en-US" dirty="0" err="1"/>
-              <a:t>viverra</a:t>
-            </a:r>
-            <a:r>
-              <a:rPr lang="en-US" dirty="0"/>
-              <a:t> </a:t>
-            </a:r>
-            <a:r>
-              <a:rPr lang="en-US" dirty="0" err="1"/>
-              <a:t>quis</a:t>
-            </a:r>
-            <a:r>
-              <a:rPr lang="en-US" dirty="0"/>
-              <a:t>, </a:t>
-            </a:r>
-            <a:r>
-              <a:rPr lang="en-US" dirty="0" err="1"/>
-              <a:t>commodo</a:t>
-            </a:r>
-            <a:r>
-              <a:rPr lang="en-US" dirty="0"/>
-              <a:t> sed dolor. In </a:t>
-            </a:r>
-            <a:r>
-              <a:rPr lang="en-US" dirty="0" err="1"/>
-              <a:t>hac</a:t>
-            </a:r>
-            <a:r>
-              <a:rPr lang="en-US" dirty="0"/>
-              <a:t> </a:t>
-            </a:r>
-            <a:r>
-              <a:rPr lang="en-US" dirty="0" err="1"/>
-              <a:t>habitasse</a:t>
-            </a:r>
-            <a:r>
-              <a:rPr lang="en-US" dirty="0"/>
-              <a:t> </a:t>
-            </a:r>
-            <a:r>
-              <a:rPr lang="en-US" dirty="0" err="1"/>
-              <a:t>platea</a:t>
-            </a:r>
-            <a:r>
-              <a:rPr lang="en-US" dirty="0"/>
-              <a:t> </a:t>
-            </a:r>
-            <a:r>
-              <a:rPr lang="en-US" dirty="0" err="1"/>
-              <a:t>dictumst</a:t>
-            </a:r>
-            <a:r>
-              <a:rPr lang="en-US" dirty="0"/>
-              <a:t>. </a:t>
-            </a:r>
-            <a:r>
-              <a:rPr lang="en-US" dirty="0" err="1"/>
-              <a:t>Quisque</a:t>
-            </a:r>
-            <a:r>
-              <a:rPr lang="en-US" dirty="0"/>
-              <a:t> </a:t>
-            </a:r>
-            <a:r>
-              <a:rPr lang="en-US" dirty="0" err="1"/>
-              <a:t>mattis</a:t>
-            </a:r>
-            <a:r>
-              <a:rPr lang="en-US" dirty="0"/>
-              <a:t> </a:t>
-            </a:r>
-            <a:r>
-              <a:rPr lang="en-US" dirty="0" err="1"/>
-              <a:t>arcu</a:t>
-            </a:r>
-            <a:r>
-              <a:rPr lang="en-US" dirty="0"/>
-              <a:t> vel dolor </a:t>
-            </a:r>
-            <a:r>
-              <a:rPr lang="en-US" dirty="0" err="1"/>
-              <a:t>malesuada</a:t>
-            </a:r>
-            <a:r>
-              <a:rPr lang="en-US" dirty="0"/>
-              <a:t>, vitae maximus </a:t>
-            </a:r>
-            <a:r>
-              <a:rPr lang="en-US" dirty="0" err="1"/>
-              <a:t>augue</a:t>
-            </a:r>
-            <a:r>
-              <a:rPr lang="en-US" dirty="0"/>
-              <a:t> </a:t>
-            </a:r>
-            <a:r>
-              <a:rPr lang="en-US" dirty="0" err="1"/>
-              <a:t>pellentesque</a:t>
-            </a:r>
-            <a:r>
-              <a:rPr lang="en-US" dirty="0"/>
-              <a:t>.</a:t>
+              <a:t>Building a Toy Internet</a:t>
             </a:r>
           </a:p>
           <a:p>
@@ -6528,30 +6811,14 @@
               <a:buFont typeface="Arial" panose="020B0604020202020204" pitchFamily="34" charset="0"/>
               <a:buChar char="•"/>
             </a:pPr>
-            <a:r>
-              <a:rPr lang="en-US" dirty="0"/>
-              <a:t>Bullet 1</a:t>
-            </a:r>
+            <a:endParaRPr lang="en-US" dirty="0"/>
           </a:p>
           <a:p>
             <a:pPr marL="342900" indent="-342900">
               <a:buFont typeface="Arial" panose="020B0604020202020204" pitchFamily="34" charset="0"/>
               <a:buChar char="•"/>
             </a:pPr>
-            <a:r>
-              <a:rPr lang="en-US" dirty="0"/>
-              <a:t>Bullet 2</a:t>
-            </a:r>
-          </a:p>
-          <a:p>
-            <a:pPr marL="342900" indent="-342900">
-              <a:buFont typeface="Arial" panose="020B0604020202020204" pitchFamily="34" charset="0"/>
-              <a:buChar char="•"/>
-            </a:pPr>
-            <a:r>
-              <a:rPr lang="en-US" dirty="0"/>
-              <a:t>Bullet 3</a:t>
-            </a:r>
+            <a:endParaRPr lang="en-US" dirty="0"/>
           </a:p>
           <a:p>
             <a:endParaRPr lang="en-US" dirty="0"/>
@@ -6561,7 +6828,7 @@
     </p:spTree>
     <p:extLst>
       <p:ext uri="{BB962C8B-B14F-4D97-AF65-F5344CB8AC3E}">
-        <p14:creationId xmlns:p14="http://schemas.microsoft.com/office/powerpoint/2010/main" val="3044664812"/>
+        <p14:creationId xmlns:p14="http://schemas.microsoft.com/office/powerpoint/2010/main" val="1665956885"/>
       </p:ext>
     </p:extLst>
   </p:cSld>
@@ -6588,43 +6855,12 @@
           <a:chExt cx="0" cy="0"/>
         </a:xfrm>
       </p:grpSpPr>
-      <p:pic>
-        <p:nvPicPr>
-          <p:cNvPr id="13" name="Picture Placeholder 12" descr="A person sitting at a table using a computer&#10;&#10;Description automatically generated">
-            <a:extLst>
-              <a:ext uri="{FF2B5EF4-FFF2-40B4-BE49-F238E27FC236}">
-                <a16:creationId xmlns:a16="http://schemas.microsoft.com/office/drawing/2014/main" id="{7D0E68AB-AF54-604F-8C68-640B7BF6E460}"/>
-              </a:ext>
-            </a:extLst>
-          </p:cNvPr>
-          <p:cNvPicPr>
-            <a:picLocks noGrp="1" noChangeAspect="1"/>
-          </p:cNvPicPr>
-          <p:nvPr>
-            <p:ph type="pic" sz="quarter" idx="10"/>
-          </p:nvPr>
-        </p:nvPicPr>
-        <p:blipFill>
-          <a:blip r:embed="rId2" cstate="screen">
-            <a:extLst>
-              <a:ext uri="{28A0092B-C50C-407E-A947-70E740481C1C}">
-                <a14:useLocalDpi xmlns:a14="http://schemas.microsoft.com/office/drawing/2010/main"/>
-              </a:ext>
-            </a:extLst>
-          </a:blip>
-          <a:srcRect/>
-          <a:stretch>
-            <a:fillRect/>
-          </a:stretch>
-        </p:blipFill>
-        <p:spPr/>
-      </p:pic>
       <p:sp>
         <p:nvSpPr>
-          <p:cNvPr id="15" name="Title 14">
+          <p:cNvPr id="2" name="Title 1">
             <a:extLst>
               <a:ext uri="{FF2B5EF4-FFF2-40B4-BE49-F238E27FC236}">
-                <a16:creationId xmlns:a16="http://schemas.microsoft.com/office/drawing/2014/main" id="{E6083260-028C-6C46-8C39-327564784B76}"/>
+                <a16:creationId xmlns:a16="http://schemas.microsoft.com/office/drawing/2014/main" id="{07490423-E2BB-E44F-9A05-8062C9DB578F}"/>
               </a:ext>
             </a:extLst>
           </p:cNvPr>
@@ -6637,20 +6873,35 @@
         </p:nvSpPr>
         <p:spPr/>
         <p:txBody>
-          <a:bodyPr/>
+          <a:bodyPr lIns="457200"/>
           <a:lstStyle/>
           <a:p>
             <a:r>
               <a:rPr lang="en-US" dirty="0"/>
-              <a:t>Caption text goes here</a:t>
-            </a:r>
+              <a:t>Overview of Crawling Landscape</a:t>
+            </a:r>
+            <a:br>
+              <a:rPr lang="en-US" dirty="0"/>
+            </a:br>
+            <a:br>
+              <a:rPr lang="en-US" dirty="0">
+                <a:solidFill>
+                  <a:schemeClr val="accent6"/>
+                </a:solidFill>
+              </a:rPr>
+            </a:br>
+            <a:endParaRPr lang="en-US" dirty="0">
+              <a:solidFill>
+                <a:schemeClr val="accent6"/>
+              </a:solidFill>
+            </a:endParaRPr>
           </a:p>
         </p:txBody>
       </p:sp>
     </p:spTree>
     <p:extLst>
       <p:ext uri="{BB962C8B-B14F-4D97-AF65-F5344CB8AC3E}">
-        <p14:creationId xmlns:p14="http://schemas.microsoft.com/office/powerpoint/2010/main" val="3609515686"/>
+        <p14:creationId xmlns:p14="http://schemas.microsoft.com/office/powerpoint/2010/main" val="2085906510"/>
       </p:ext>
     </p:extLst>
   </p:cSld>
@@ -6679,10 +6930,10 @@
       </p:grpSpPr>
       <p:pic>
         <p:nvPicPr>
-          <p:cNvPr id="13" name="Picture Placeholder 12">
+          <p:cNvPr id="6" name="Picture Placeholder 5">
             <a:extLst>
               <a:ext uri="{FF2B5EF4-FFF2-40B4-BE49-F238E27FC236}">
-                <a16:creationId xmlns:a16="http://schemas.microsoft.com/office/drawing/2014/main" id="{7D0E68AB-AF54-604F-8C68-640B7BF6E460}"/>
+                <a16:creationId xmlns:a16="http://schemas.microsoft.com/office/drawing/2014/main" id="{EFD73EEB-079E-724D-9ED5-66A14E367F21}"/>
               </a:ext>
             </a:extLst>
           </p:cNvPr>
@@ -6690,33 +6941,27 @@
             <a:picLocks noGrp="1" noChangeAspect="1"/>
           </p:cNvPicPr>
           <p:nvPr>
-            <p:ph type="pic" sz="quarter" idx="10"/>
+            <p:ph type="pic" sz="quarter" idx="12"/>
           </p:nvPr>
         </p:nvPicPr>
-        <p:blipFill rotWithShape="1">
-          <a:blip r:embed="rId2" cstate="screen">
-            <a:extLst>
-              <a:ext uri="{28A0092B-C50C-407E-A947-70E740481C1C}">
-                <a14:useLocalDpi xmlns:a14="http://schemas.microsoft.com/office/drawing/2010/main"/>
-              </a:ext>
-            </a:extLst>
-          </a:blip>
+        <p:blipFill>
+          <a:blip r:embed="rId2"/>
           <a:srcRect/>
           <a:stretch/>
         </p:blipFill>
         <p:spPr>
           <a:xfrm>
-            <a:off x="1" y="0"/>
-            <a:ext cx="12192000" cy="5868988"/>
+            <a:off x="6096000" y="589562"/>
+            <a:ext cx="6096000" cy="4711313"/>
           </a:xfrm>
         </p:spPr>
       </p:pic>
       <p:sp>
         <p:nvSpPr>
-          <p:cNvPr id="15" name="Title 14">
+          <p:cNvPr id="3" name="Title 2">
             <a:extLst>
               <a:ext uri="{FF2B5EF4-FFF2-40B4-BE49-F238E27FC236}">
-                <a16:creationId xmlns:a16="http://schemas.microsoft.com/office/drawing/2014/main" id="{E6083260-028C-6C46-8C39-327564784B76}"/>
+                <a16:creationId xmlns:a16="http://schemas.microsoft.com/office/drawing/2014/main" id="{32C5C36C-7AE5-A74F-B18E-A9BFB3A3ED37}"/>
               </a:ext>
             </a:extLst>
           </p:cNvPr>
@@ -6734,7 +6979,65 @@
           <a:p>
             <a:r>
               <a:rPr lang="en-US" dirty="0"/>
-              <a:t>Caption text goes here</a:t>
+              <a:t>The Web is Big</a:t>
+            </a:r>
+          </a:p>
+        </p:txBody>
+      </p:sp>
+      <p:sp>
+        <p:nvSpPr>
+          <p:cNvPr id="4" name="Text Placeholder 3">
+            <a:extLst>
+              <a:ext uri="{FF2B5EF4-FFF2-40B4-BE49-F238E27FC236}">
+                <a16:creationId xmlns:a16="http://schemas.microsoft.com/office/drawing/2014/main" id="{BB1962E3-1688-2247-B12B-26C9BDFEB7B2}"/>
+              </a:ext>
+            </a:extLst>
+          </p:cNvPr>
+          <p:cNvSpPr>
+            <a:spLocks noGrp="1"/>
+          </p:cNvSpPr>
+          <p:nvPr>
+            <p:ph type="body" sz="quarter" idx="13"/>
+          </p:nvPr>
+        </p:nvSpPr>
+        <p:spPr/>
+        <p:txBody>
+          <a:bodyPr/>
+          <a:lstStyle/>
+          <a:p>
+            <a:pPr marL="0" indent="0">
+              <a:buNone/>
+            </a:pPr>
+            <a:r>
+              <a:rPr lang="en-US" dirty="0"/>
+              <a:t>We have worked on sites with as many as a billion </a:t>
+            </a:r>
+            <a:r>
+              <a:rPr lang="en-US" b="1" dirty="0"/>
+              <a:t>potential </a:t>
+            </a:r>
+            <a:r>
+              <a:rPr lang="en-US" dirty="0"/>
+              <a:t>pages.  Google only crawls (or knows about) a fraction of those.</a:t>
+            </a:r>
+            <a:endParaRPr lang="en-US" b="1" dirty="0"/>
+          </a:p>
+          <a:p>
+            <a:r>
+              <a:rPr lang="en-US" dirty="0"/>
+              <a:t>Crawled</a:t>
+            </a:r>
+          </a:p>
+          <a:p>
+            <a:r>
+              <a:rPr lang="en-US" dirty="0"/>
+              <a:t>Want to Crawl (frontier)</a:t>
+            </a:r>
+          </a:p>
+          <a:p>
+            <a:r>
+              <a:rPr lang="en-US" dirty="0"/>
+              <a:t>Unseen</a:t>
             </a:r>
           </a:p>
         </p:txBody>
@@ -6742,7 +7045,7 @@
     </p:spTree>
     <p:extLst>
       <p:ext uri="{BB962C8B-B14F-4D97-AF65-F5344CB8AC3E}">
-        <p14:creationId xmlns:p14="http://schemas.microsoft.com/office/powerpoint/2010/main" val="112826745"/>
+        <p14:creationId xmlns:p14="http://schemas.microsoft.com/office/powerpoint/2010/main" val="3421735471"/>
       </p:ext>
     </p:extLst>
   </p:cSld>
@@ -6769,41 +7072,210 @@
           <a:chExt cx="0" cy="0"/>
         </a:xfrm>
       </p:grpSpPr>
-      <p:pic>
-        <p:nvPicPr>
-          <p:cNvPr id="4" name="Picture Placeholder 3" descr="A desktop computer sitting on a desk&#10;&#10;Description automatically generated">
+      <p:sp>
+        <p:nvSpPr>
+          <p:cNvPr id="2" name="Title 1">
             <a:extLst>
               <a:ext uri="{FF2B5EF4-FFF2-40B4-BE49-F238E27FC236}">
-                <a16:creationId xmlns:a16="http://schemas.microsoft.com/office/drawing/2014/main" id="{546CA7BA-706A-E34A-934C-E96116D4188E}"/>
+                <a16:creationId xmlns:a16="http://schemas.microsoft.com/office/drawing/2014/main" id="{97FE6D3A-2616-0145-BFA1-E42F38A44B93}"/>
               </a:ext>
             </a:extLst>
           </p:cNvPr>
-          <p:cNvPicPr>
-            <a:picLocks noGrp="1" noChangeAspect="1"/>
-          </p:cNvPicPr>
+          <p:cNvSpPr>
+            <a:spLocks noGrp="1"/>
+          </p:cNvSpPr>
           <p:nvPr>
-            <p:ph type="pic" sz="quarter" idx="10"/>
+            <p:ph type="title"/>
           </p:nvPr>
-        </p:nvPicPr>
-        <p:blipFill>
-          <a:blip r:embed="rId2" cstate="screen">
-            <a:extLst>
-              <a:ext uri="{28A0092B-C50C-407E-A947-70E740481C1C}">
-                <a14:useLocalDpi xmlns:a14="http://schemas.microsoft.com/office/drawing/2010/main"/>
-              </a:ext>
-            </a:extLst>
-          </a:blip>
-          <a:srcRect/>
-          <a:stretch>
-            <a:fillRect/>
-          </a:stretch>
-        </p:blipFill>
+        </p:nvSpPr>
         <p:spPr/>
-      </p:pic>
+        <p:txBody>
+          <a:bodyPr/>
+          <a:lstStyle/>
+          <a:p>
+            <a:r>
+              <a:rPr lang="en-US" dirty="0"/>
+              <a:t>What a crawler must do</a:t>
+            </a:r>
+          </a:p>
+        </p:txBody>
+      </p:sp>
+      <p:sp>
+        <p:nvSpPr>
+          <p:cNvPr id="3" name="Text Placeholder 2">
+            <a:extLst>
+              <a:ext uri="{FF2B5EF4-FFF2-40B4-BE49-F238E27FC236}">
+                <a16:creationId xmlns:a16="http://schemas.microsoft.com/office/drawing/2014/main" id="{5ED891C3-32CD-E74D-A644-045913CFC7AD}"/>
+              </a:ext>
+            </a:extLst>
+          </p:cNvPr>
+          <p:cNvSpPr>
+            <a:spLocks noGrp="1"/>
+          </p:cNvSpPr>
+          <p:nvPr>
+            <p:ph type="body" sz="quarter" idx="12"/>
+          </p:nvPr>
+        </p:nvSpPr>
+        <p:spPr/>
+        <p:txBody>
+          <a:bodyPr/>
+          <a:lstStyle/>
+          <a:p>
+            <a:pPr marL="342900" indent="-342900">
+              <a:buFont typeface="Arial" panose="020B0604020202020204" pitchFamily="34" charset="0"/>
+              <a:buChar char="•"/>
+            </a:pPr>
+            <a:r>
+              <a:rPr lang="en-US" b="1" dirty="0"/>
+              <a:t>Be robust</a:t>
+            </a:r>
+            <a:r>
+              <a:rPr lang="en-US" dirty="0"/>
+              <a:t>. Handle spider traps and malicious behavior.</a:t>
+            </a:r>
+          </a:p>
+          <a:p>
+            <a:pPr marL="342900" indent="-342900">
+              <a:buFont typeface="Arial" panose="020B0604020202020204" pitchFamily="34" charset="0"/>
+              <a:buChar char="•"/>
+            </a:pPr>
+            <a:r>
+              <a:rPr lang="en-US" b="1" dirty="0"/>
+              <a:t>Be distributed</a:t>
+            </a:r>
+            <a:r>
+              <a:rPr lang="en-US" dirty="0"/>
+              <a:t>.  Run across many machines.</a:t>
+            </a:r>
+          </a:p>
+          <a:p>
+            <a:pPr marL="342900" indent="-342900">
+              <a:buFont typeface="Arial" panose="020B0604020202020204" pitchFamily="34" charset="0"/>
+              <a:buChar char="•"/>
+            </a:pPr>
+            <a:r>
+              <a:rPr lang="en-US" b="1" dirty="0"/>
+              <a:t>Be scalable</a:t>
+            </a:r>
+            <a:r>
+              <a:rPr lang="en-US" dirty="0"/>
+              <a:t>. Easy to add more machines.</a:t>
+            </a:r>
+          </a:p>
+          <a:p>
+            <a:pPr marL="342900" indent="-342900">
+              <a:buFont typeface="Arial" panose="020B0604020202020204" pitchFamily="34" charset="0"/>
+              <a:buChar char="•"/>
+            </a:pPr>
+            <a:r>
+              <a:rPr lang="en-US" b="1" dirty="0"/>
+              <a:t>Be efficient</a:t>
+            </a:r>
+            <a:r>
+              <a:rPr lang="en-US" dirty="0"/>
+              <a:t>. Use network and processing resources wisely.</a:t>
+            </a:r>
+          </a:p>
+          <a:p>
+            <a:pPr marL="342900" indent="-342900">
+              <a:buFont typeface="Arial" panose="020B0604020202020204" pitchFamily="34" charset="0"/>
+              <a:buChar char="•"/>
+            </a:pPr>
+            <a:r>
+              <a:rPr lang="en-US" b="1" dirty="0"/>
+              <a:t>Prioritize</a:t>
+            </a:r>
+            <a:r>
+              <a:rPr lang="en-US" dirty="0"/>
+              <a:t>. Know the quality and priority of pages.</a:t>
+            </a:r>
+          </a:p>
+          <a:p>
+            <a:pPr marL="342900" indent="-342900">
+              <a:buFont typeface="Arial" panose="020B0604020202020204" pitchFamily="34" charset="0"/>
+              <a:buChar char="•"/>
+            </a:pPr>
+            <a:r>
+              <a:rPr lang="en-US" b="1" dirty="0"/>
+              <a:t>Operate continuously</a:t>
+            </a:r>
+            <a:r>
+              <a:rPr lang="en-US" dirty="0"/>
+              <a:t>.</a:t>
+            </a:r>
+          </a:p>
+          <a:p>
+            <a:pPr marL="342900" indent="-342900">
+              <a:buFont typeface="Arial" panose="020B0604020202020204" pitchFamily="34" charset="0"/>
+              <a:buChar char="•"/>
+            </a:pPr>
+            <a:r>
+              <a:rPr lang="en-US" b="1" dirty="0"/>
+              <a:t>Be adaptable</a:t>
+            </a:r>
+            <a:r>
+              <a:rPr lang="en-US" dirty="0"/>
+              <a:t>.  Easy to change with new data / web needs.</a:t>
+            </a:r>
+          </a:p>
+          <a:p>
+            <a:pPr marL="342900" indent="-342900">
+              <a:buFont typeface="Arial" panose="020B0604020202020204" pitchFamily="34" charset="0"/>
+              <a:buChar char="•"/>
+            </a:pPr>
+            <a:r>
+              <a:rPr lang="en-US" b="1" dirty="0"/>
+              <a:t>Be a good citizen</a:t>
+            </a:r>
+            <a:r>
+              <a:rPr lang="en-US" dirty="0"/>
+              <a:t>. Respect robots.txt and server load.</a:t>
+            </a:r>
+          </a:p>
+          <a:p>
+            <a:pPr marL="342900" indent="-342900">
+              <a:buFont typeface="Arial" panose="020B0604020202020204" pitchFamily="34" charset="0"/>
+              <a:buChar char="•"/>
+            </a:pPr>
+            <a:endParaRPr lang="en-US" dirty="0"/>
+          </a:p>
+          <a:p>
+            <a:r>
+              <a:rPr lang="en-US" sz="1100" dirty="0"/>
+              <a:t>Ref: [</a:t>
+            </a:r>
+            <a:r>
+              <a:rPr lang="en-US" altLang="en-US" sz="1100" dirty="0"/>
+              <a:t>Crawling and Duplicates, Chris Manning and Pandu Nayak]</a:t>
+            </a:r>
+            <a:r>
+              <a:rPr lang="en-US" sz="1100" dirty="0"/>
+              <a:t> (http://web.stanford.edu/class/cs276/19handouts/lecture18-crawling.ppt)</a:t>
+            </a:r>
+          </a:p>
+          <a:p>
+            <a:pPr marL="342900" indent="-342900">
+              <a:buFont typeface="Arial" panose="020B0604020202020204" pitchFamily="34" charset="0"/>
+              <a:buChar char="•"/>
+            </a:pPr>
+            <a:endParaRPr lang="en-US" dirty="0"/>
+          </a:p>
+          <a:p>
+            <a:pPr marL="342900" indent="-342900">
+              <a:buFont typeface="Arial" panose="020B0604020202020204" pitchFamily="34" charset="0"/>
+              <a:buChar char="•"/>
+            </a:pPr>
+            <a:endParaRPr lang="en-US" dirty="0"/>
+          </a:p>
+          <a:p>
+            <a:endParaRPr lang="en-US" dirty="0"/>
+          </a:p>
+        </p:txBody>
+      </p:sp>
     </p:spTree>
     <p:extLst>
       <p:ext uri="{BB962C8B-B14F-4D97-AF65-F5344CB8AC3E}">
-        <p14:creationId xmlns:p14="http://schemas.microsoft.com/office/powerpoint/2010/main" val="3247925554"/>
+        <p14:creationId xmlns:p14="http://schemas.microsoft.com/office/powerpoint/2010/main" val="2712762184"/>
       </p:ext>
     </p:extLst>
   </p:cSld>
@@ -6832,10 +7304,10 @@
       </p:grpSpPr>
       <p:pic>
         <p:nvPicPr>
-          <p:cNvPr id="6" name="Picture Placeholder 5" descr="A screen shot of a computer&#10;&#10;Description automatically generated">
+          <p:cNvPr id="13" name="Picture Placeholder 12">
             <a:extLst>
               <a:ext uri="{FF2B5EF4-FFF2-40B4-BE49-F238E27FC236}">
-                <a16:creationId xmlns:a16="http://schemas.microsoft.com/office/drawing/2014/main" id="{EFD73EEB-079E-724D-9ED5-66A14E367F21}"/>
+                <a16:creationId xmlns:a16="http://schemas.microsoft.com/office/drawing/2014/main" id="{7D0E68AB-AF54-604F-8C68-640B7BF6E460}"/>
               </a:ext>
             </a:extLst>
           </p:cNvPr>
@@ -6843,30 +7315,27 @@
             <a:picLocks noGrp="1" noChangeAspect="1"/>
           </p:cNvPicPr>
           <p:nvPr>
-            <p:ph type="pic" sz="quarter" idx="12"/>
+            <p:ph type="pic" sz="quarter" idx="10"/>
           </p:nvPr>
         </p:nvPicPr>
         <p:blipFill>
-          <a:blip r:embed="rId2" cstate="screen">
-            <a:extLst>
-              <a:ext uri="{28A0092B-C50C-407E-A947-70E740481C1C}">
-                <a14:useLocalDpi xmlns:a14="http://schemas.microsoft.com/office/drawing/2010/main"/>
-              </a:ext>
-            </a:extLst>
-          </a:blip>
+          <a:blip r:embed="rId2"/>
           <a:srcRect/>
-          <a:stretch>
-            <a:fillRect/>
-          </a:stretch>
+          <a:stretch/>
         </p:blipFill>
-        <p:spPr/>
+        <p:spPr>
+          <a:xfrm>
+            <a:off x="2941538" y="201763"/>
+            <a:ext cx="6308923" cy="4203763"/>
+          </a:xfrm>
+        </p:spPr>
       </p:pic>
       <p:sp>
         <p:nvSpPr>
-          <p:cNvPr id="3" name="Title 2">
+          <p:cNvPr id="15" name="Title 14">
             <a:extLst>
               <a:ext uri="{FF2B5EF4-FFF2-40B4-BE49-F238E27FC236}">
-                <a16:creationId xmlns:a16="http://schemas.microsoft.com/office/drawing/2014/main" id="{32C5C36C-7AE5-A74F-B18E-A9BFB3A3ED37}"/>
+                <a16:creationId xmlns:a16="http://schemas.microsoft.com/office/drawing/2014/main" id="{E6083260-028C-6C46-8C39-327564784B76}"/>
               </a:ext>
             </a:extLst>
           </p:cNvPr>
@@ -6877,140 +7346,19 @@
             <p:ph type="title"/>
           </p:nvPr>
         </p:nvSpPr>
-        <p:spPr/>
-        <p:txBody>
-          <a:bodyPr/>
-          <a:lstStyle/>
-          <a:p>
-            <a:r>
-              <a:rPr lang="en-US" dirty="0"/>
-              <a:t>Title Text Goes Here</a:t>
-            </a:r>
-          </a:p>
-        </p:txBody>
-      </p:sp>
-      <p:sp>
-        <p:nvSpPr>
-          <p:cNvPr id="4" name="Text Placeholder 3">
-            <a:extLst>
-              <a:ext uri="{FF2B5EF4-FFF2-40B4-BE49-F238E27FC236}">
-                <a16:creationId xmlns:a16="http://schemas.microsoft.com/office/drawing/2014/main" id="{BB1962E3-1688-2247-B12B-26C9BDFEB7B2}"/>
-              </a:ext>
-            </a:extLst>
-          </p:cNvPr>
-          <p:cNvSpPr>
-            <a:spLocks noGrp="1"/>
-          </p:cNvSpPr>
-          <p:nvPr>
-            <p:ph type="body" sz="quarter" idx="13"/>
-          </p:nvPr>
-        </p:nvSpPr>
         <p:spPr>
           <a:xfrm>
-            <a:off x="6294438" y="1285875"/>
-            <a:ext cx="5316537" cy="3732213"/>
+            <a:off x="0" y="4554355"/>
+            <a:ext cx="11630345" cy="621194"/>
           </a:xfrm>
         </p:spPr>
         <p:txBody>
           <a:bodyPr/>
           <a:lstStyle/>
           <a:p>
-            <a:pPr marL="0" indent="0">
-              <a:buNone/>
-            </a:pPr>
-            <a:r>
-              <a:rPr lang="en-US" dirty="0"/>
-              <a:t>Lorem ipsum dolor sit </a:t>
-            </a:r>
-            <a:r>
-              <a:rPr lang="en-US" dirty="0" err="1"/>
-              <a:t>amet</a:t>
-            </a:r>
-            <a:r>
-              <a:rPr lang="en-US" dirty="0"/>
-              <a:t>, </a:t>
-            </a:r>
-            <a:r>
-              <a:rPr lang="en-US" dirty="0" err="1"/>
-              <a:t>consectetur</a:t>
-            </a:r>
-            <a:r>
-              <a:rPr lang="en-US" dirty="0"/>
-              <a:t> </a:t>
-            </a:r>
-            <a:r>
-              <a:rPr lang="en-US" dirty="0" err="1"/>
-              <a:t>adipiscing</a:t>
-            </a:r>
-            <a:r>
-              <a:rPr lang="en-US" dirty="0"/>
-              <a:t> </a:t>
-            </a:r>
-            <a:r>
-              <a:rPr lang="en-US" dirty="0" err="1"/>
-              <a:t>elit</a:t>
-            </a:r>
-            <a:r>
-              <a:rPr lang="en-US" dirty="0"/>
-              <a:t>. Duis ante mi, </a:t>
-            </a:r>
-            <a:r>
-              <a:rPr lang="en-US" dirty="0" err="1"/>
-              <a:t>dignissim</a:t>
-            </a:r>
-            <a:r>
-              <a:rPr lang="en-US" dirty="0"/>
-              <a:t> sit </a:t>
-            </a:r>
-            <a:r>
-              <a:rPr lang="en-US" dirty="0" err="1"/>
-              <a:t>amet</a:t>
-            </a:r>
-            <a:r>
-              <a:rPr lang="en-US" dirty="0"/>
-              <a:t> </a:t>
-            </a:r>
-            <a:r>
-              <a:rPr lang="en-US" dirty="0" err="1"/>
-              <a:t>viverra</a:t>
-            </a:r>
-            <a:r>
-              <a:rPr lang="en-US" dirty="0"/>
-              <a:t> </a:t>
-            </a:r>
-            <a:r>
-              <a:rPr lang="en-US" dirty="0" err="1"/>
-              <a:t>quis</a:t>
-            </a:r>
-            <a:r>
-              <a:rPr lang="en-US" dirty="0"/>
-              <a:t>, </a:t>
-            </a:r>
-            <a:r>
-              <a:rPr lang="en-US" dirty="0" err="1"/>
-              <a:t>commodo</a:t>
-            </a:r>
-            <a:r>
-              <a:rPr lang="en-US" dirty="0"/>
-              <a:t> sed dolor. </a:t>
-            </a:r>
-          </a:p>
-          <a:p>
-            <a:r>
-              <a:rPr lang="en-US" dirty="0"/>
-              <a:t>Bullet 1</a:t>
-            </a:r>
-          </a:p>
-          <a:p>
-            <a:r>
-              <a:rPr lang="en-US" dirty="0"/>
-              <a:t>Bullet 2</a:t>
-            </a:r>
-          </a:p>
-          <a:p>
-            <a:r>
-              <a:rPr lang="en-US" dirty="0"/>
-              <a:t>Bullet 3</a:t>
+            <a:r>
+              <a:rPr lang="en-US" dirty="0"/>
+              <a:t>Basic Crawl Architecture</a:t>
             </a:r>
           </a:p>
         </p:txBody>
@@ -7018,7 +7366,7 @@
     </p:spTree>
     <p:extLst>
       <p:ext uri="{BB962C8B-B14F-4D97-AF65-F5344CB8AC3E}">
-        <p14:creationId xmlns:p14="http://schemas.microsoft.com/office/powerpoint/2010/main" val="1041060066"/>
+        <p14:creationId xmlns:p14="http://schemas.microsoft.com/office/powerpoint/2010/main" val="112826745"/>
       </p:ext>
     </p:extLst>
   </p:cSld>

--- a/etc/2019 TechSEO Boost PPT Template.revJR.pptx
+++ b/etc/2019 TechSEO Boost PPT Template.revJR.pptx
@@ -5,10 +5,10 @@
     <p:sldMasterId id="2147483648" r:id="rId1"/>
   </p:sldMasterIdLst>
   <p:notesMasterIdLst>
-    <p:notesMasterId r:id="rId19"/>
+    <p:notesMasterId r:id="rId39"/>
   </p:notesMasterIdLst>
   <p:handoutMasterIdLst>
-    <p:handoutMasterId r:id="rId20"/>
+    <p:handoutMasterId r:id="rId40"/>
   </p:handoutMasterIdLst>
   <p:sldIdLst>
     <p:sldId id="280" r:id="rId2"/>
@@ -18,16 +18,36 @@
     <p:sldId id="271" r:id="rId6"/>
     <p:sldId id="270" r:id="rId7"/>
     <p:sldId id="276" r:id="rId8"/>
-    <p:sldId id="282" r:id="rId9"/>
-    <p:sldId id="273" r:id="rId10"/>
-    <p:sldId id="283" r:id="rId11"/>
-    <p:sldId id="284" r:id="rId12"/>
-    <p:sldId id="272" r:id="rId13"/>
-    <p:sldId id="279" r:id="rId14"/>
-    <p:sldId id="274" r:id="rId15"/>
-    <p:sldId id="277" r:id="rId16"/>
-    <p:sldId id="278" r:id="rId17"/>
-    <p:sldId id="269" r:id="rId18"/>
+    <p:sldId id="287" r:id="rId9"/>
+    <p:sldId id="298" r:id="rId10"/>
+    <p:sldId id="282" r:id="rId11"/>
+    <p:sldId id="286" r:id="rId12"/>
+    <p:sldId id="273" r:id="rId13"/>
+    <p:sldId id="283" r:id="rId14"/>
+    <p:sldId id="284" r:id="rId15"/>
+    <p:sldId id="293" r:id="rId16"/>
+    <p:sldId id="285" r:id="rId17"/>
+    <p:sldId id="288" r:id="rId18"/>
+    <p:sldId id="289" r:id="rId19"/>
+    <p:sldId id="291" r:id="rId20"/>
+    <p:sldId id="299" r:id="rId21"/>
+    <p:sldId id="292" r:id="rId22"/>
+    <p:sldId id="294" r:id="rId23"/>
+    <p:sldId id="295" r:id="rId24"/>
+    <p:sldId id="296" r:id="rId25"/>
+    <p:sldId id="297" r:id="rId26"/>
+    <p:sldId id="310" r:id="rId27"/>
+    <p:sldId id="301" r:id="rId28"/>
+    <p:sldId id="302" r:id="rId29"/>
+    <p:sldId id="304" r:id="rId30"/>
+    <p:sldId id="303" r:id="rId31"/>
+    <p:sldId id="305" r:id="rId32"/>
+    <p:sldId id="306" r:id="rId33"/>
+    <p:sldId id="307" r:id="rId34"/>
+    <p:sldId id="308" r:id="rId35"/>
+    <p:sldId id="311" r:id="rId36"/>
+    <p:sldId id="309" r:id="rId37"/>
+    <p:sldId id="269" r:id="rId38"/>
   </p:sldIdLst>
   <p:sldSz cx="12192000" cy="6858000"/>
   <p:notesSz cx="6858000" cy="9144000"/>
@@ -230,7 +250,7 @@
           <a:p>
             <a:fld id="{6BB9ADD9-2B36-3646-B4C2-3A0560683232}" type="datetimeFigureOut">
               <a:rPr lang="en-US" smtClean="0"/>
-              <a:t>11/16/2019</a:t>
+              <a:t>11/26/2019</a:t>
             </a:fld>
             <a:endParaRPr lang="en-US"/>
           </a:p>
@@ -395,7 +415,7 @@
           <a:p>
             <a:fld id="{F972B49E-BBEF-654D-8445-386D7ADD7D4C}" type="datetimeFigureOut">
               <a:rPr lang="en-US" smtClean="0"/>
-              <a:t>11/16/2019</a:t>
+              <a:t>11/25/2019</a:t>
             </a:fld>
             <a:endParaRPr lang="en-US"/>
           </a:p>
@@ -4668,41 +4688,12 @@
           <a:chExt cx="0" cy="0"/>
         </a:xfrm>
       </p:grpSpPr>
-      <p:pic>
-        <p:nvPicPr>
-          <p:cNvPr id="12" name="Picture Placeholder 12">
-            <a:extLst>
-              <a:ext uri="{FF2B5EF4-FFF2-40B4-BE49-F238E27FC236}">
-                <a16:creationId xmlns:a16="http://schemas.microsoft.com/office/drawing/2014/main" id="{52793ECE-4F1F-42C3-9A5C-DCC7D4F1CBC4}"/>
-              </a:ext>
-            </a:extLst>
-          </p:cNvPr>
-          <p:cNvPicPr>
-            <a:picLocks noChangeAspect="1"/>
-          </p:cNvPicPr>
-          <p:nvPr/>
-        </p:nvPicPr>
-        <p:blipFill>
-          <a:blip r:embed="rId2"/>
-          <a:srcRect/>
-          <a:stretch/>
-        </p:blipFill>
-        <p:spPr>
-          <a:xfrm>
-            <a:off x="2941538" y="201763"/>
-            <a:ext cx="6308923" cy="4203763"/>
-          </a:xfrm>
-          <a:prstGeom prst="rect">
-            <a:avLst/>
-          </a:prstGeom>
-        </p:spPr>
-      </p:pic>
-      <p:sp>
-        <p:nvSpPr>
-          <p:cNvPr id="15" name="Title 14">
-            <a:extLst>
-              <a:ext uri="{FF2B5EF4-FFF2-40B4-BE49-F238E27FC236}">
-                <a16:creationId xmlns:a16="http://schemas.microsoft.com/office/drawing/2014/main" id="{E6083260-028C-6C46-8C39-327564784B76}"/>
+      <p:sp>
+        <p:nvSpPr>
+          <p:cNvPr id="2" name="Title 1">
+            <a:extLst>
+              <a:ext uri="{FF2B5EF4-FFF2-40B4-BE49-F238E27FC236}">
+                <a16:creationId xmlns:a16="http://schemas.microsoft.com/office/drawing/2014/main" id="{97FE6D3A-2616-0145-BFA1-E42F38A44B93}"/>
               </a:ext>
             </a:extLst>
           </p:cNvPr>
@@ -4720,67 +4711,192 @@
           <a:p>
             <a:r>
               <a:rPr lang="en-US" dirty="0"/>
-              <a:t>Basic Crawl Architecture</a:t>
-            </a:r>
-          </a:p>
-        </p:txBody>
-      </p:sp>
-      <p:sp>
-        <p:nvSpPr>
-          <p:cNvPr id="3" name="Oval 2">
-            <a:extLst>
-              <a:ext uri="{FF2B5EF4-FFF2-40B4-BE49-F238E27FC236}">
-                <a16:creationId xmlns:a16="http://schemas.microsoft.com/office/drawing/2014/main" id="{51B7C159-3400-4C24-9938-CDE1EF322A36}"/>
-              </a:ext>
-            </a:extLst>
-          </p:cNvPr>
-          <p:cNvSpPr/>
-          <p:nvPr/>
-        </p:nvSpPr>
-        <p:spPr>
-          <a:xfrm>
-            <a:off x="3879273" y="1976582"/>
-            <a:ext cx="2946400" cy="1893454"/>
-          </a:xfrm>
-          <a:prstGeom prst="ellipse">
-            <a:avLst/>
-          </a:prstGeom>
-          <a:noFill/>
-          <a:ln w="38100">
-            <a:solidFill>
-              <a:srgbClr val="FF0000"/>
-            </a:solidFill>
-          </a:ln>
-        </p:spPr>
-        <p:style>
-          <a:lnRef idx="2">
-            <a:schemeClr val="accent1">
-              <a:shade val="50000"/>
-            </a:schemeClr>
-          </a:lnRef>
-          <a:fillRef idx="1">
-            <a:schemeClr val="accent1"/>
-          </a:fillRef>
-          <a:effectRef idx="0">
-            <a:schemeClr val="accent1"/>
-          </a:effectRef>
-          <a:fontRef idx="minor">
-            <a:schemeClr val="lt1"/>
-          </a:fontRef>
-        </p:style>
-        <p:txBody>
-          <a:bodyPr rtlCol="0" anchor="ctr"/>
+              <a:t>What a crawler must do</a:t>
+            </a:r>
+          </a:p>
+        </p:txBody>
+      </p:sp>
+      <p:sp>
+        <p:nvSpPr>
+          <p:cNvPr id="3" name="Text Placeholder 2">
+            <a:extLst>
+              <a:ext uri="{FF2B5EF4-FFF2-40B4-BE49-F238E27FC236}">
+                <a16:creationId xmlns:a16="http://schemas.microsoft.com/office/drawing/2014/main" id="{5ED891C3-32CD-E74D-A644-045913CFC7AD}"/>
+              </a:ext>
+            </a:extLst>
+          </p:cNvPr>
+          <p:cNvSpPr>
+            <a:spLocks noGrp="1"/>
+          </p:cNvSpPr>
+          <p:nvPr>
+            <p:ph type="body" sz="quarter" idx="12"/>
+          </p:nvPr>
+        </p:nvSpPr>
+        <p:spPr>
+          <a:xfrm>
+            <a:off x="468330" y="1233488"/>
+            <a:ext cx="11162015" cy="4252912"/>
+          </a:xfrm>
+        </p:spPr>
+        <p:txBody>
+          <a:bodyPr/>
           <a:lstStyle/>
           <a:p>
-            <a:pPr algn="ctr"/>
-            <a:endParaRPr lang="en-US"/>
+            <a:pPr marL="342900" indent="-342900">
+              <a:buFont typeface="Arial" panose="020B0604020202020204" pitchFamily="34" charset="0"/>
+              <a:buChar char="•"/>
+            </a:pPr>
+            <a:r>
+              <a:rPr lang="en-US" b="1" dirty="0"/>
+              <a:t>Be robust</a:t>
+            </a:r>
+            <a:r>
+              <a:rPr lang="en-US" dirty="0"/>
+              <a:t>. Handle spider traps and malicious behavior.</a:t>
+            </a:r>
+          </a:p>
+          <a:p>
+            <a:pPr marL="342900" indent="-342900">
+              <a:buFont typeface="Arial" panose="020B0604020202020204" pitchFamily="34" charset="0"/>
+              <a:buChar char="•"/>
+            </a:pPr>
+            <a:r>
+              <a:rPr lang="en-US" b="1" dirty="0"/>
+              <a:t>Be distributed</a:t>
+            </a:r>
+            <a:r>
+              <a:rPr lang="en-US" dirty="0"/>
+              <a:t>.  Run across many machines.</a:t>
+            </a:r>
+          </a:p>
+          <a:p>
+            <a:pPr marL="342900" indent="-342900">
+              <a:buFont typeface="Arial" panose="020B0604020202020204" pitchFamily="34" charset="0"/>
+              <a:buChar char="•"/>
+            </a:pPr>
+            <a:r>
+              <a:rPr lang="en-US" b="1" dirty="0"/>
+              <a:t>Be scalable</a:t>
+            </a:r>
+            <a:r>
+              <a:rPr lang="en-US" dirty="0"/>
+              <a:t>. Easy to add more machines.</a:t>
+            </a:r>
+          </a:p>
+          <a:p>
+            <a:pPr marL="342900" indent="-342900">
+              <a:buFont typeface="Arial" panose="020B0604020202020204" pitchFamily="34" charset="0"/>
+              <a:buChar char="•"/>
+            </a:pPr>
+            <a:r>
+              <a:rPr lang="en-US" b="1" dirty="0"/>
+              <a:t>Be efficient</a:t>
+            </a:r>
+            <a:r>
+              <a:rPr lang="en-US" dirty="0"/>
+              <a:t>. Use network and processing resources wisely.</a:t>
+            </a:r>
+          </a:p>
+          <a:p>
+            <a:pPr marL="342900" indent="-342900">
+              <a:buFont typeface="Arial" panose="020B0604020202020204" pitchFamily="34" charset="0"/>
+              <a:buChar char="•"/>
+            </a:pPr>
+            <a:r>
+              <a:rPr lang="en-US" b="1" dirty="0"/>
+              <a:t>Prioritize</a:t>
+            </a:r>
+            <a:r>
+              <a:rPr lang="en-US" dirty="0"/>
+              <a:t>. Know the quality and priority of pages.</a:t>
+            </a:r>
+          </a:p>
+          <a:p>
+            <a:pPr marL="342900" indent="-342900">
+              <a:buFont typeface="Arial" panose="020B0604020202020204" pitchFamily="34" charset="0"/>
+              <a:buChar char="•"/>
+            </a:pPr>
+            <a:r>
+              <a:rPr lang="en-US" b="1" dirty="0"/>
+              <a:t>Operate continuously</a:t>
+            </a:r>
+            <a:r>
+              <a:rPr lang="en-US" dirty="0"/>
+              <a:t>.</a:t>
+            </a:r>
+          </a:p>
+          <a:p>
+            <a:pPr marL="342900" indent="-342900">
+              <a:buFont typeface="Arial" panose="020B0604020202020204" pitchFamily="34" charset="0"/>
+              <a:buChar char="•"/>
+            </a:pPr>
+            <a:r>
+              <a:rPr lang="en-US" b="1" dirty="0"/>
+              <a:t>Be adaptable</a:t>
+            </a:r>
+            <a:r>
+              <a:rPr lang="en-US" dirty="0"/>
+              <a:t>.  Easy to change with new data / web needs.</a:t>
+            </a:r>
+          </a:p>
+          <a:p>
+            <a:pPr marL="342900" indent="-342900">
+              <a:buFont typeface="Arial" panose="020B0604020202020204" pitchFamily="34" charset="0"/>
+              <a:buChar char="•"/>
+            </a:pPr>
+            <a:r>
+              <a:rPr lang="en-US" b="1" dirty="0"/>
+              <a:t>Be a good citizen</a:t>
+            </a:r>
+            <a:r>
+              <a:rPr lang="en-US" dirty="0"/>
+              <a:t>. Respect robots.txt and server load.</a:t>
+            </a:r>
+          </a:p>
+          <a:p>
+            <a:pPr marL="342900" indent="-342900">
+              <a:buFont typeface="Arial" panose="020B0604020202020204" pitchFamily="34" charset="0"/>
+              <a:buChar char="•"/>
+            </a:pPr>
+            <a:endParaRPr lang="en-US" dirty="0"/>
+          </a:p>
+          <a:p>
+            <a:r>
+              <a:rPr lang="en-US" sz="1100" dirty="0"/>
+              <a:t>Ref: [</a:t>
+            </a:r>
+            <a:r>
+              <a:rPr lang="en-US" altLang="en-US" sz="1100" dirty="0"/>
+              <a:t>Crawling and Duplicates, Chris Manning and Pandu Nayak]</a:t>
+            </a:r>
+            <a:r>
+              <a:rPr lang="en-US" sz="1100" dirty="0"/>
+              <a:t> (http://web.stanford.edu/class/cs276/19handouts/lecture18-crawling.ppt)</a:t>
+            </a:r>
+          </a:p>
+          <a:p>
+            <a:pPr marL="342900" indent="-342900">
+              <a:buFont typeface="Arial" panose="020B0604020202020204" pitchFamily="34" charset="0"/>
+              <a:buChar char="•"/>
+            </a:pPr>
+            <a:endParaRPr lang="en-US" dirty="0"/>
+          </a:p>
+          <a:p>
+            <a:pPr marL="342900" indent="-342900">
+              <a:buFont typeface="Arial" panose="020B0604020202020204" pitchFamily="34" charset="0"/>
+              <a:buChar char="•"/>
+            </a:pPr>
+            <a:endParaRPr lang="en-US" dirty="0"/>
+          </a:p>
+          <a:p>
+            <a:endParaRPr lang="en-US" dirty="0"/>
           </a:p>
         </p:txBody>
       </p:sp>
     </p:spTree>
     <p:extLst>
       <p:ext uri="{BB962C8B-B14F-4D97-AF65-F5344CB8AC3E}">
-        <p14:creationId xmlns:p14="http://schemas.microsoft.com/office/powerpoint/2010/main" val="4261100322"/>
+        <p14:creationId xmlns:p14="http://schemas.microsoft.com/office/powerpoint/2010/main" val="2712762184"/>
       </p:ext>
     </p:extLst>
   </p:cSld>
@@ -4807,6 +4923,353 @@
           <a:chExt cx="0" cy="0"/>
         </a:xfrm>
       </p:grpSpPr>
+      <p:sp>
+        <p:nvSpPr>
+          <p:cNvPr id="2" name="Title 1">
+            <a:extLst>
+              <a:ext uri="{FF2B5EF4-FFF2-40B4-BE49-F238E27FC236}">
+                <a16:creationId xmlns:a16="http://schemas.microsoft.com/office/drawing/2014/main" id="{07490423-E2BB-E44F-9A05-8062C9DB578F}"/>
+              </a:ext>
+            </a:extLst>
+          </p:cNvPr>
+          <p:cNvSpPr>
+            <a:spLocks noGrp="1"/>
+          </p:cNvSpPr>
+          <p:nvPr>
+            <p:ph type="title"/>
+          </p:nvPr>
+        </p:nvSpPr>
+        <p:spPr/>
+        <p:txBody>
+          <a:bodyPr lIns="457200"/>
+          <a:lstStyle/>
+          <a:p>
+            <a:r>
+              <a:rPr lang="en-US" dirty="0"/>
+              <a:t>Key Components of Crawler</a:t>
+            </a:r>
+            <a:br>
+              <a:rPr lang="en-US" dirty="0"/>
+            </a:br>
+            <a:br>
+              <a:rPr lang="en-US" dirty="0">
+                <a:solidFill>
+                  <a:schemeClr val="accent6"/>
+                </a:solidFill>
+              </a:rPr>
+            </a:br>
+            <a:endParaRPr lang="en-US" dirty="0">
+              <a:solidFill>
+                <a:schemeClr val="accent6"/>
+              </a:solidFill>
+            </a:endParaRPr>
+          </a:p>
+        </p:txBody>
+      </p:sp>
+    </p:spTree>
+    <p:extLst>
+      <p:ext uri="{BB962C8B-B14F-4D97-AF65-F5344CB8AC3E}">
+        <p14:creationId xmlns:p14="http://schemas.microsoft.com/office/powerpoint/2010/main" val="973504144"/>
+      </p:ext>
+    </p:extLst>
+  </p:cSld>
+  <p:clrMapOvr>
+    <a:masterClrMapping/>
+  </p:clrMapOvr>
+</p:sld>
+</file>
+
+<file path=ppt/slides/slide12.xml><?xml version="1.0" encoding="utf-8"?>
+<p:sld xmlns:a="http://schemas.openxmlformats.org/drawingml/2006/main" xmlns:r="http://schemas.openxmlformats.org/officeDocument/2006/relationships" xmlns:p="http://schemas.openxmlformats.org/presentationml/2006/main">
+  <p:cSld>
+    <p:spTree>
+      <p:nvGrpSpPr>
+        <p:cNvPr id="1" name=""/>
+        <p:cNvGrpSpPr/>
+        <p:nvPr/>
+      </p:nvGrpSpPr>
+      <p:grpSpPr>
+        <a:xfrm>
+          <a:off x="0" y="0"/>
+          <a:ext cx="0" cy="0"/>
+          <a:chOff x="0" y="0"/>
+          <a:chExt cx="0" cy="0"/>
+        </a:xfrm>
+      </p:grpSpPr>
+      <p:sp>
+        <p:nvSpPr>
+          <p:cNvPr id="15" name="Title 14">
+            <a:extLst>
+              <a:ext uri="{FF2B5EF4-FFF2-40B4-BE49-F238E27FC236}">
+                <a16:creationId xmlns:a16="http://schemas.microsoft.com/office/drawing/2014/main" id="{E6083260-028C-6C46-8C39-327564784B76}"/>
+              </a:ext>
+            </a:extLst>
+          </p:cNvPr>
+          <p:cNvSpPr>
+            <a:spLocks noGrp="1"/>
+          </p:cNvSpPr>
+          <p:nvPr>
+            <p:ph type="title"/>
+          </p:nvPr>
+        </p:nvSpPr>
+        <p:spPr>
+          <a:xfrm>
+            <a:off x="0" y="4554355"/>
+            <a:ext cx="11630345" cy="621194"/>
+          </a:xfrm>
+        </p:spPr>
+        <p:txBody>
+          <a:bodyPr/>
+          <a:lstStyle/>
+          <a:p>
+            <a:r>
+              <a:rPr lang="en-US" dirty="0"/>
+              <a:t>Basic Crawl Architecture</a:t>
+            </a:r>
+          </a:p>
+        </p:txBody>
+      </p:sp>
+      <p:sp>
+        <p:nvSpPr>
+          <p:cNvPr id="6" name="Rectangle 5">
+            <a:extLst>
+              <a:ext uri="{FF2B5EF4-FFF2-40B4-BE49-F238E27FC236}">
+                <a16:creationId xmlns:a16="http://schemas.microsoft.com/office/drawing/2014/main" id="{BB82A118-6AF7-4E16-9800-AB1D7C5BEA19}"/>
+              </a:ext>
+            </a:extLst>
+          </p:cNvPr>
+          <p:cNvSpPr/>
+          <p:nvPr/>
+        </p:nvSpPr>
+        <p:spPr>
+          <a:xfrm>
+            <a:off x="468330" y="5566333"/>
+            <a:ext cx="11255340" cy="261610"/>
+          </a:xfrm>
+          <a:prstGeom prst="rect">
+            <a:avLst/>
+          </a:prstGeom>
+        </p:spPr>
+        <p:txBody>
+          <a:bodyPr wrap="square">
+            <a:spAutoFit/>
+          </a:bodyPr>
+          <a:lstStyle/>
+          <a:p>
+            <a:r>
+              <a:rPr lang="en-US" sz="1100" dirty="0"/>
+              <a:t>Ref: [</a:t>
+            </a:r>
+            <a:r>
+              <a:rPr lang="en-US" altLang="en-US" sz="1100" dirty="0"/>
+              <a:t>Crawling and Duplicates, Chris Manning and Pandu Nayak]</a:t>
+            </a:r>
+            <a:r>
+              <a:rPr lang="en-US" sz="1100" dirty="0"/>
+              <a:t> (http://web.stanford.edu/class/cs276/19handouts/lecture18-crawling.ppt)</a:t>
+            </a:r>
+          </a:p>
+        </p:txBody>
+      </p:sp>
+      <p:pic>
+        <p:nvPicPr>
+          <p:cNvPr id="14" name="Picture 13">
+            <a:extLst>
+              <a:ext uri="{FF2B5EF4-FFF2-40B4-BE49-F238E27FC236}">
+                <a16:creationId xmlns:a16="http://schemas.microsoft.com/office/drawing/2014/main" id="{0E00A573-2A25-4C9F-887D-5E3B95D4F15F}"/>
+              </a:ext>
+            </a:extLst>
+          </p:cNvPr>
+          <p:cNvPicPr>
+            <a:picLocks noChangeAspect="1"/>
+          </p:cNvPicPr>
+          <p:nvPr/>
+        </p:nvPicPr>
+        <p:blipFill>
+          <a:blip r:embed="rId2"/>
+          <a:stretch>
+            <a:fillRect/>
+          </a:stretch>
+        </p:blipFill>
+        <p:spPr>
+          <a:xfrm>
+            <a:off x="2317835" y="151174"/>
+            <a:ext cx="6994673" cy="4304941"/>
+          </a:xfrm>
+          <a:prstGeom prst="rect">
+            <a:avLst/>
+          </a:prstGeom>
+        </p:spPr>
+      </p:pic>
+    </p:spTree>
+    <p:extLst>
+      <p:ext uri="{BB962C8B-B14F-4D97-AF65-F5344CB8AC3E}">
+        <p14:creationId xmlns:p14="http://schemas.microsoft.com/office/powerpoint/2010/main" val="112826745"/>
+      </p:ext>
+    </p:extLst>
+  </p:cSld>
+  <p:clrMapOvr>
+    <a:masterClrMapping/>
+  </p:clrMapOvr>
+</p:sld>
+</file>
+
+<file path=ppt/slides/slide13.xml><?xml version="1.0" encoding="utf-8"?>
+<p:sld xmlns:a="http://schemas.openxmlformats.org/drawingml/2006/main" xmlns:r="http://schemas.openxmlformats.org/officeDocument/2006/relationships" xmlns:p="http://schemas.openxmlformats.org/presentationml/2006/main">
+  <p:cSld>
+    <p:spTree>
+      <p:nvGrpSpPr>
+        <p:cNvPr id="1" name=""/>
+        <p:cNvGrpSpPr/>
+        <p:nvPr/>
+      </p:nvGrpSpPr>
+      <p:grpSpPr>
+        <a:xfrm>
+          <a:off x="0" y="0"/>
+          <a:ext cx="0" cy="0"/>
+          <a:chOff x="0" y="0"/>
+          <a:chExt cx="0" cy="0"/>
+        </a:xfrm>
+      </p:grpSpPr>
+      <p:pic>
+        <p:nvPicPr>
+          <p:cNvPr id="12" name="Picture Placeholder 12">
+            <a:extLst>
+              <a:ext uri="{FF2B5EF4-FFF2-40B4-BE49-F238E27FC236}">
+                <a16:creationId xmlns:a16="http://schemas.microsoft.com/office/drawing/2014/main" id="{52793ECE-4F1F-42C3-9A5C-DCC7D4F1CBC4}"/>
+              </a:ext>
+            </a:extLst>
+          </p:cNvPr>
+          <p:cNvPicPr>
+            <a:picLocks noChangeAspect="1"/>
+          </p:cNvPicPr>
+          <p:nvPr/>
+        </p:nvPicPr>
+        <p:blipFill>
+          <a:blip r:embed="rId2"/>
+          <a:srcRect/>
+          <a:stretch/>
+        </p:blipFill>
+        <p:spPr>
+          <a:xfrm>
+            <a:off x="2660710" y="260486"/>
+            <a:ext cx="6308923" cy="4203763"/>
+          </a:xfrm>
+          <a:prstGeom prst="rect">
+            <a:avLst/>
+          </a:prstGeom>
+        </p:spPr>
+      </p:pic>
+      <p:sp>
+        <p:nvSpPr>
+          <p:cNvPr id="15" name="Title 14">
+            <a:extLst>
+              <a:ext uri="{FF2B5EF4-FFF2-40B4-BE49-F238E27FC236}">
+                <a16:creationId xmlns:a16="http://schemas.microsoft.com/office/drawing/2014/main" id="{E6083260-028C-6C46-8C39-327564784B76}"/>
+              </a:ext>
+            </a:extLst>
+          </p:cNvPr>
+          <p:cNvSpPr>
+            <a:spLocks noGrp="1"/>
+          </p:cNvSpPr>
+          <p:nvPr>
+            <p:ph type="title"/>
+          </p:nvPr>
+        </p:nvSpPr>
+        <p:spPr/>
+        <p:txBody>
+          <a:bodyPr/>
+          <a:lstStyle/>
+          <a:p>
+            <a:r>
+              <a:rPr lang="en-US" dirty="0"/>
+              <a:t>My Inferred Crawl Architecture</a:t>
+            </a:r>
+          </a:p>
+        </p:txBody>
+      </p:sp>
+      <p:sp>
+        <p:nvSpPr>
+          <p:cNvPr id="3" name="Oval 2">
+            <a:extLst>
+              <a:ext uri="{FF2B5EF4-FFF2-40B4-BE49-F238E27FC236}">
+                <a16:creationId xmlns:a16="http://schemas.microsoft.com/office/drawing/2014/main" id="{51B7C159-3400-4C24-9938-CDE1EF322A36}"/>
+              </a:ext>
+            </a:extLst>
+          </p:cNvPr>
+          <p:cNvSpPr/>
+          <p:nvPr/>
+        </p:nvSpPr>
+        <p:spPr>
+          <a:xfrm>
+            <a:off x="3879273" y="1384183"/>
+            <a:ext cx="2946400" cy="2485853"/>
+          </a:xfrm>
+          <a:prstGeom prst="ellipse">
+            <a:avLst/>
+          </a:prstGeom>
+          <a:noFill/>
+          <a:ln w="38100">
+            <a:solidFill>
+              <a:srgbClr val="FF0000"/>
+            </a:solidFill>
+          </a:ln>
+        </p:spPr>
+        <p:style>
+          <a:lnRef idx="2">
+            <a:schemeClr val="accent1">
+              <a:shade val="50000"/>
+            </a:schemeClr>
+          </a:lnRef>
+          <a:fillRef idx="1">
+            <a:schemeClr val="accent1"/>
+          </a:fillRef>
+          <a:effectRef idx="0">
+            <a:schemeClr val="accent1"/>
+          </a:effectRef>
+          <a:fontRef idx="minor">
+            <a:schemeClr val="lt1"/>
+          </a:fontRef>
+        </p:style>
+        <p:txBody>
+          <a:bodyPr rtlCol="0" anchor="ctr"/>
+          <a:lstStyle/>
+          <a:p>
+            <a:pPr algn="ctr"/>
+            <a:endParaRPr lang="en-US"/>
+          </a:p>
+        </p:txBody>
+      </p:sp>
+    </p:spTree>
+    <p:extLst>
+      <p:ext uri="{BB962C8B-B14F-4D97-AF65-F5344CB8AC3E}">
+        <p14:creationId xmlns:p14="http://schemas.microsoft.com/office/powerpoint/2010/main" val="4261100322"/>
+      </p:ext>
+    </p:extLst>
+  </p:cSld>
+  <p:clrMapOvr>
+    <a:masterClrMapping/>
+  </p:clrMapOvr>
+</p:sld>
+</file>
+
+<file path=ppt/slides/slide14.xml><?xml version="1.0" encoding="utf-8"?>
+<p:sld xmlns:a="http://schemas.openxmlformats.org/drawingml/2006/main" xmlns:r="http://schemas.openxmlformats.org/officeDocument/2006/relationships" xmlns:p="http://schemas.openxmlformats.org/presentationml/2006/main">
+  <p:cSld>
+    <p:spTree>
+      <p:nvGrpSpPr>
+        <p:cNvPr id="1" name=""/>
+        <p:cNvGrpSpPr/>
+        <p:nvPr/>
+      </p:nvGrpSpPr>
+      <p:grpSpPr>
+        <a:xfrm>
+          <a:off x="0" y="0"/>
+          <a:ext cx="0" cy="0"/>
+          <a:chOff x="0" y="0"/>
+          <a:chExt cx="0" cy="0"/>
+        </a:xfrm>
+      </p:grpSpPr>
       <p:pic>
         <p:nvPicPr>
           <p:cNvPr id="13" name="Picture Placeholder 12">
@@ -4860,7 +5323,7 @@
           <a:p>
             <a:r>
               <a:rPr lang="en-US" dirty="0"/>
-              <a:t>Basic Crawl Architecture</a:t>
+              <a:t>My Inferred Crawl Architecture</a:t>
             </a:r>
           </a:p>
         </p:txBody>
@@ -5178,645 +5641,6 @@
 </p:sld>
 </file>
 
-<file path=ppt/slides/slide12.xml><?xml version="1.0" encoding="utf-8"?>
-<p:sld xmlns:a="http://schemas.openxmlformats.org/drawingml/2006/main" xmlns:r="http://schemas.openxmlformats.org/officeDocument/2006/relationships" xmlns:p="http://schemas.openxmlformats.org/presentationml/2006/main">
-  <p:cSld>
-    <p:spTree>
-      <p:nvGrpSpPr>
-        <p:cNvPr id="1" name=""/>
-        <p:cNvGrpSpPr/>
-        <p:nvPr/>
-      </p:nvGrpSpPr>
-      <p:grpSpPr>
-        <a:xfrm>
-          <a:off x="0" y="0"/>
-          <a:ext cx="0" cy="0"/>
-          <a:chOff x="0" y="0"/>
-          <a:chExt cx="0" cy="0"/>
-        </a:xfrm>
-      </p:grpSpPr>
-      <p:pic>
-        <p:nvPicPr>
-          <p:cNvPr id="13" name="Picture Placeholder 12" descr="A person sitting at a table using a computer&#10;&#10;Description automatically generated">
-            <a:extLst>
-              <a:ext uri="{FF2B5EF4-FFF2-40B4-BE49-F238E27FC236}">
-                <a16:creationId xmlns:a16="http://schemas.microsoft.com/office/drawing/2014/main" id="{7D0E68AB-AF54-604F-8C68-640B7BF6E460}"/>
-              </a:ext>
-            </a:extLst>
-          </p:cNvPr>
-          <p:cNvPicPr>
-            <a:picLocks noGrp="1" noChangeAspect="1"/>
-          </p:cNvPicPr>
-          <p:nvPr>
-            <p:ph type="pic" sz="quarter" idx="10"/>
-          </p:nvPr>
-        </p:nvPicPr>
-        <p:blipFill>
-          <a:blip r:embed="rId2" cstate="screen">
-            <a:extLst>
-              <a:ext uri="{28A0092B-C50C-407E-A947-70E740481C1C}">
-                <a14:useLocalDpi xmlns:a14="http://schemas.microsoft.com/office/drawing/2010/main"/>
-              </a:ext>
-            </a:extLst>
-          </a:blip>
-          <a:srcRect/>
-          <a:stretch>
-            <a:fillRect/>
-          </a:stretch>
-        </p:blipFill>
-        <p:spPr/>
-      </p:pic>
-      <p:sp>
-        <p:nvSpPr>
-          <p:cNvPr id="15" name="Title 14">
-            <a:extLst>
-              <a:ext uri="{FF2B5EF4-FFF2-40B4-BE49-F238E27FC236}">
-                <a16:creationId xmlns:a16="http://schemas.microsoft.com/office/drawing/2014/main" id="{E6083260-028C-6C46-8C39-327564784B76}"/>
-              </a:ext>
-            </a:extLst>
-          </p:cNvPr>
-          <p:cNvSpPr>
-            <a:spLocks noGrp="1"/>
-          </p:cNvSpPr>
-          <p:nvPr>
-            <p:ph type="title"/>
-          </p:nvPr>
-        </p:nvSpPr>
-        <p:spPr/>
-        <p:txBody>
-          <a:bodyPr/>
-          <a:lstStyle/>
-          <a:p>
-            <a:r>
-              <a:rPr lang="en-US" dirty="0"/>
-              <a:t>Caption text goes here</a:t>
-            </a:r>
-          </a:p>
-        </p:txBody>
-      </p:sp>
-    </p:spTree>
-    <p:extLst>
-      <p:ext uri="{BB962C8B-B14F-4D97-AF65-F5344CB8AC3E}">
-        <p14:creationId xmlns:p14="http://schemas.microsoft.com/office/powerpoint/2010/main" val="3609515686"/>
-      </p:ext>
-    </p:extLst>
-  </p:cSld>
-  <p:clrMapOvr>
-    <a:masterClrMapping/>
-  </p:clrMapOvr>
-</p:sld>
-</file>
-
-<file path=ppt/slides/slide13.xml><?xml version="1.0" encoding="utf-8"?>
-<p:sld xmlns:a="http://schemas.openxmlformats.org/drawingml/2006/main" xmlns:r="http://schemas.openxmlformats.org/officeDocument/2006/relationships" xmlns:p="http://schemas.openxmlformats.org/presentationml/2006/main">
-  <p:cSld>
-    <p:spTree>
-      <p:nvGrpSpPr>
-        <p:cNvPr id="1" name=""/>
-        <p:cNvGrpSpPr/>
-        <p:nvPr/>
-      </p:nvGrpSpPr>
-      <p:grpSpPr>
-        <a:xfrm>
-          <a:off x="0" y="0"/>
-          <a:ext cx="0" cy="0"/>
-          <a:chOff x="0" y="0"/>
-          <a:chExt cx="0" cy="0"/>
-        </a:xfrm>
-      </p:grpSpPr>
-      <p:sp>
-        <p:nvSpPr>
-          <p:cNvPr id="7" name="Title 6">
-            <a:extLst>
-              <a:ext uri="{FF2B5EF4-FFF2-40B4-BE49-F238E27FC236}">
-                <a16:creationId xmlns:a16="http://schemas.microsoft.com/office/drawing/2014/main" id="{B30E2C2B-5E10-3B49-8C96-8F619263FD7F}"/>
-              </a:ext>
-            </a:extLst>
-          </p:cNvPr>
-          <p:cNvSpPr>
-            <a:spLocks noGrp="1"/>
-          </p:cNvSpPr>
-          <p:nvPr>
-            <p:ph type="title"/>
-          </p:nvPr>
-        </p:nvSpPr>
-        <p:spPr/>
-        <p:txBody>
-          <a:bodyPr/>
-          <a:lstStyle/>
-          <a:p>
-            <a:r>
-              <a:rPr lang="en-US" dirty="0"/>
-              <a:t>Title Text Goes Here Lorem Ipsum Dolor Sit </a:t>
-            </a:r>
-            <a:r>
-              <a:rPr lang="en-US" dirty="0" err="1"/>
-              <a:t>Amet</a:t>
-            </a:r>
-            <a:endParaRPr lang="en-US" dirty="0"/>
-          </a:p>
-        </p:txBody>
-      </p:sp>
-      <p:sp>
-        <p:nvSpPr>
-          <p:cNvPr id="3" name="Text Placeholder 2">
-            <a:extLst>
-              <a:ext uri="{FF2B5EF4-FFF2-40B4-BE49-F238E27FC236}">
-                <a16:creationId xmlns:a16="http://schemas.microsoft.com/office/drawing/2014/main" id="{60154887-2AA0-8A45-A2ED-4016F05BADB5}"/>
-              </a:ext>
-            </a:extLst>
-          </p:cNvPr>
-          <p:cNvSpPr>
-            <a:spLocks noGrp="1"/>
-          </p:cNvSpPr>
-          <p:nvPr>
-            <p:ph type="body" sz="quarter" idx="12"/>
-          </p:nvPr>
-        </p:nvSpPr>
-        <p:spPr/>
-        <p:txBody>
-          <a:bodyPr/>
-          <a:lstStyle/>
-          <a:p>
-            <a:r>
-              <a:rPr lang="en-US" dirty="0"/>
-              <a:t>Lorem ipsum dolor sit </a:t>
-            </a:r>
-            <a:r>
-              <a:rPr lang="en-US" dirty="0" err="1"/>
-              <a:t>amet</a:t>
-            </a:r>
-            <a:r>
-              <a:rPr lang="en-US" dirty="0"/>
-              <a:t>, </a:t>
-            </a:r>
-            <a:r>
-              <a:rPr lang="en-US" dirty="0" err="1"/>
-              <a:t>consectetur</a:t>
-            </a:r>
-            <a:r>
-              <a:rPr lang="en-US" dirty="0"/>
-              <a:t> </a:t>
-            </a:r>
-            <a:r>
-              <a:rPr lang="en-US" dirty="0" err="1"/>
-              <a:t>adipiscing</a:t>
-            </a:r>
-            <a:r>
-              <a:rPr lang="en-US" dirty="0"/>
-              <a:t> </a:t>
-            </a:r>
-            <a:r>
-              <a:rPr lang="en-US" dirty="0" err="1"/>
-              <a:t>elit</a:t>
-            </a:r>
-            <a:r>
-              <a:rPr lang="en-US" dirty="0"/>
-              <a:t>. Duis ante mi, </a:t>
-            </a:r>
-            <a:r>
-              <a:rPr lang="en-US" dirty="0" err="1"/>
-              <a:t>dignissim</a:t>
-            </a:r>
-            <a:r>
-              <a:rPr lang="en-US" dirty="0"/>
-              <a:t> sit </a:t>
-            </a:r>
-            <a:r>
-              <a:rPr lang="en-US" dirty="0" err="1"/>
-              <a:t>amet</a:t>
-            </a:r>
-            <a:r>
-              <a:rPr lang="en-US" dirty="0"/>
-              <a:t> </a:t>
-            </a:r>
-            <a:r>
-              <a:rPr lang="en-US" dirty="0" err="1"/>
-              <a:t>viverra</a:t>
-            </a:r>
-            <a:r>
-              <a:rPr lang="en-US" dirty="0"/>
-              <a:t> </a:t>
-            </a:r>
-            <a:r>
-              <a:rPr lang="en-US" dirty="0" err="1"/>
-              <a:t>quis</a:t>
-            </a:r>
-            <a:r>
-              <a:rPr lang="en-US" dirty="0"/>
-              <a:t>, </a:t>
-            </a:r>
-            <a:r>
-              <a:rPr lang="en-US" dirty="0" err="1"/>
-              <a:t>commodo</a:t>
-            </a:r>
-            <a:r>
-              <a:rPr lang="en-US" dirty="0"/>
-              <a:t> sed dolor. In </a:t>
-            </a:r>
-            <a:r>
-              <a:rPr lang="en-US" dirty="0" err="1"/>
-              <a:t>hac</a:t>
-            </a:r>
-            <a:r>
-              <a:rPr lang="en-US" dirty="0"/>
-              <a:t> </a:t>
-            </a:r>
-            <a:r>
-              <a:rPr lang="en-US" dirty="0" err="1"/>
-              <a:t>habitasse</a:t>
-            </a:r>
-            <a:r>
-              <a:rPr lang="en-US" dirty="0"/>
-              <a:t> </a:t>
-            </a:r>
-            <a:r>
-              <a:rPr lang="en-US" dirty="0" err="1"/>
-              <a:t>platea</a:t>
-            </a:r>
-            <a:r>
-              <a:rPr lang="en-US" dirty="0"/>
-              <a:t> </a:t>
-            </a:r>
-            <a:r>
-              <a:rPr lang="en-US" dirty="0" err="1"/>
-              <a:t>dictumst</a:t>
-            </a:r>
-            <a:r>
-              <a:rPr lang="en-US" dirty="0"/>
-              <a:t>. </a:t>
-            </a:r>
-            <a:r>
-              <a:rPr lang="en-US" dirty="0" err="1"/>
-              <a:t>Quisque</a:t>
-            </a:r>
-            <a:r>
-              <a:rPr lang="en-US" dirty="0"/>
-              <a:t> </a:t>
-            </a:r>
-            <a:r>
-              <a:rPr lang="en-US" dirty="0" err="1"/>
-              <a:t>mattis</a:t>
-            </a:r>
-            <a:r>
-              <a:rPr lang="en-US" dirty="0"/>
-              <a:t> </a:t>
-            </a:r>
-            <a:r>
-              <a:rPr lang="en-US" dirty="0" err="1"/>
-              <a:t>arcu</a:t>
-            </a:r>
-            <a:r>
-              <a:rPr lang="en-US" dirty="0"/>
-              <a:t> vel dolor </a:t>
-            </a:r>
-            <a:r>
-              <a:rPr lang="en-US" dirty="0" err="1"/>
-              <a:t>malesuada</a:t>
-            </a:r>
-            <a:r>
-              <a:rPr lang="en-US" dirty="0"/>
-              <a:t>, vitae maximus </a:t>
-            </a:r>
-            <a:r>
-              <a:rPr lang="en-US" dirty="0" err="1"/>
-              <a:t>augue</a:t>
-            </a:r>
-            <a:r>
-              <a:rPr lang="en-US" dirty="0"/>
-              <a:t> </a:t>
-            </a:r>
-            <a:r>
-              <a:rPr lang="en-US" dirty="0" err="1"/>
-              <a:t>pellentesque</a:t>
-            </a:r>
-            <a:r>
-              <a:rPr lang="en-US" dirty="0"/>
-              <a:t>.</a:t>
-            </a:r>
-          </a:p>
-          <a:p>
-            <a:pPr marL="342900" indent="-342900">
-              <a:buFont typeface="Arial" panose="020B0604020202020204" pitchFamily="34" charset="0"/>
-              <a:buChar char="•"/>
-            </a:pPr>
-            <a:r>
-              <a:rPr lang="en-US" dirty="0"/>
-              <a:t>Bullet 1</a:t>
-            </a:r>
-          </a:p>
-          <a:p>
-            <a:pPr marL="342900" indent="-342900">
-              <a:buFont typeface="Arial" panose="020B0604020202020204" pitchFamily="34" charset="0"/>
-              <a:buChar char="•"/>
-            </a:pPr>
-            <a:r>
-              <a:rPr lang="en-US" dirty="0"/>
-              <a:t>Bullet 2</a:t>
-            </a:r>
-          </a:p>
-          <a:p>
-            <a:pPr marL="342900" indent="-342900">
-              <a:buFont typeface="Arial" panose="020B0604020202020204" pitchFamily="34" charset="0"/>
-              <a:buChar char="•"/>
-            </a:pPr>
-            <a:r>
-              <a:rPr lang="en-US" dirty="0"/>
-              <a:t>Bullet 3</a:t>
-            </a:r>
-          </a:p>
-          <a:p>
-            <a:endParaRPr lang="en-US" dirty="0"/>
-          </a:p>
-        </p:txBody>
-      </p:sp>
-      <p:sp>
-        <p:nvSpPr>
-          <p:cNvPr id="4" name="Text Placeholder 3">
-            <a:extLst>
-              <a:ext uri="{FF2B5EF4-FFF2-40B4-BE49-F238E27FC236}">
-                <a16:creationId xmlns:a16="http://schemas.microsoft.com/office/drawing/2014/main" id="{86A48406-2A82-5846-B614-0C718466AF7D}"/>
-              </a:ext>
-            </a:extLst>
-          </p:cNvPr>
-          <p:cNvSpPr>
-            <a:spLocks noGrp="1"/>
-          </p:cNvSpPr>
-          <p:nvPr>
-            <p:ph type="body" sz="quarter" idx="13"/>
-          </p:nvPr>
-        </p:nvSpPr>
-        <p:spPr/>
-        <p:txBody>
-          <a:bodyPr/>
-          <a:lstStyle/>
-          <a:p>
-            <a:r>
-              <a:rPr lang="en-US" dirty="0"/>
-              <a:t>Lorem ipsum dolor sit </a:t>
-            </a:r>
-            <a:r>
-              <a:rPr lang="en-US" dirty="0" err="1"/>
-              <a:t>amet</a:t>
-            </a:r>
-            <a:r>
-              <a:rPr lang="en-US" dirty="0"/>
-              <a:t>, </a:t>
-            </a:r>
-            <a:r>
-              <a:rPr lang="en-US" dirty="0" err="1"/>
-              <a:t>consectetur</a:t>
-            </a:r>
-            <a:r>
-              <a:rPr lang="en-US" dirty="0"/>
-              <a:t> </a:t>
-            </a:r>
-            <a:r>
-              <a:rPr lang="en-US" dirty="0" err="1"/>
-              <a:t>adipiscing</a:t>
-            </a:r>
-            <a:r>
-              <a:rPr lang="en-US" dirty="0"/>
-              <a:t> </a:t>
-            </a:r>
-            <a:r>
-              <a:rPr lang="en-US" dirty="0" err="1"/>
-              <a:t>elit</a:t>
-            </a:r>
-            <a:r>
-              <a:rPr lang="en-US" dirty="0"/>
-              <a:t>. Duis ante mi, </a:t>
-            </a:r>
-            <a:r>
-              <a:rPr lang="en-US" dirty="0" err="1"/>
-              <a:t>dignissim</a:t>
-            </a:r>
-            <a:r>
-              <a:rPr lang="en-US" dirty="0"/>
-              <a:t> sit </a:t>
-            </a:r>
-            <a:r>
-              <a:rPr lang="en-US" dirty="0" err="1"/>
-              <a:t>amet</a:t>
-            </a:r>
-            <a:r>
-              <a:rPr lang="en-US" dirty="0"/>
-              <a:t> </a:t>
-            </a:r>
-            <a:r>
-              <a:rPr lang="en-US" dirty="0" err="1"/>
-              <a:t>viverra</a:t>
-            </a:r>
-            <a:r>
-              <a:rPr lang="en-US" dirty="0"/>
-              <a:t> </a:t>
-            </a:r>
-            <a:r>
-              <a:rPr lang="en-US" dirty="0" err="1"/>
-              <a:t>quis</a:t>
-            </a:r>
-            <a:r>
-              <a:rPr lang="en-US" dirty="0"/>
-              <a:t>, </a:t>
-            </a:r>
-            <a:r>
-              <a:rPr lang="en-US" dirty="0" err="1"/>
-              <a:t>commodo</a:t>
-            </a:r>
-            <a:r>
-              <a:rPr lang="en-US" dirty="0"/>
-              <a:t> sed dolor. In </a:t>
-            </a:r>
-            <a:r>
-              <a:rPr lang="en-US" dirty="0" err="1"/>
-              <a:t>hac</a:t>
-            </a:r>
-            <a:r>
-              <a:rPr lang="en-US" dirty="0"/>
-              <a:t> </a:t>
-            </a:r>
-            <a:r>
-              <a:rPr lang="en-US" dirty="0" err="1"/>
-              <a:t>habitasse</a:t>
-            </a:r>
-            <a:r>
-              <a:rPr lang="en-US" dirty="0"/>
-              <a:t> </a:t>
-            </a:r>
-            <a:r>
-              <a:rPr lang="en-US" dirty="0" err="1"/>
-              <a:t>platea</a:t>
-            </a:r>
-            <a:r>
-              <a:rPr lang="en-US" dirty="0"/>
-              <a:t> </a:t>
-            </a:r>
-            <a:r>
-              <a:rPr lang="en-US" dirty="0" err="1"/>
-              <a:t>dictumst</a:t>
-            </a:r>
-            <a:r>
-              <a:rPr lang="en-US" dirty="0"/>
-              <a:t>. </a:t>
-            </a:r>
-            <a:r>
-              <a:rPr lang="en-US" dirty="0" err="1"/>
-              <a:t>Quisque</a:t>
-            </a:r>
-            <a:r>
-              <a:rPr lang="en-US" dirty="0"/>
-              <a:t> </a:t>
-            </a:r>
-            <a:r>
-              <a:rPr lang="en-US" dirty="0" err="1"/>
-              <a:t>mattis</a:t>
-            </a:r>
-            <a:r>
-              <a:rPr lang="en-US" dirty="0"/>
-              <a:t> </a:t>
-            </a:r>
-            <a:r>
-              <a:rPr lang="en-US" dirty="0" err="1"/>
-              <a:t>arcu</a:t>
-            </a:r>
-            <a:r>
-              <a:rPr lang="en-US" dirty="0"/>
-              <a:t> vel dolor </a:t>
-            </a:r>
-            <a:r>
-              <a:rPr lang="en-US" dirty="0" err="1"/>
-              <a:t>malesuada</a:t>
-            </a:r>
-            <a:r>
-              <a:rPr lang="en-US" dirty="0"/>
-              <a:t>, vitae maximus </a:t>
-            </a:r>
-            <a:r>
-              <a:rPr lang="en-US" dirty="0" err="1"/>
-              <a:t>augue</a:t>
-            </a:r>
-            <a:r>
-              <a:rPr lang="en-US" dirty="0"/>
-              <a:t> </a:t>
-            </a:r>
-            <a:r>
-              <a:rPr lang="en-US" dirty="0" err="1"/>
-              <a:t>pellentesque</a:t>
-            </a:r>
-            <a:r>
-              <a:rPr lang="en-US" dirty="0"/>
-              <a:t>.</a:t>
-            </a:r>
-          </a:p>
-          <a:p>
-            <a:pPr marL="342900" indent="-342900">
-              <a:buFont typeface="Arial" panose="020B0604020202020204" pitchFamily="34" charset="0"/>
-              <a:buChar char="•"/>
-            </a:pPr>
-            <a:r>
-              <a:rPr lang="en-US" dirty="0"/>
-              <a:t>Bullet 1</a:t>
-            </a:r>
-          </a:p>
-          <a:p>
-            <a:pPr marL="342900" indent="-342900">
-              <a:buFont typeface="Arial" panose="020B0604020202020204" pitchFamily="34" charset="0"/>
-              <a:buChar char="•"/>
-            </a:pPr>
-            <a:r>
-              <a:rPr lang="en-US" dirty="0"/>
-              <a:t>Bullet 2</a:t>
-            </a:r>
-          </a:p>
-          <a:p>
-            <a:pPr marL="342900" indent="-342900">
-              <a:buFont typeface="Arial" panose="020B0604020202020204" pitchFamily="34" charset="0"/>
-              <a:buChar char="•"/>
-            </a:pPr>
-            <a:r>
-              <a:rPr lang="en-US" dirty="0"/>
-              <a:t>Bullet 3</a:t>
-            </a:r>
-          </a:p>
-          <a:p>
-            <a:endParaRPr lang="en-US" dirty="0"/>
-          </a:p>
-        </p:txBody>
-      </p:sp>
-    </p:spTree>
-    <p:extLst>
-      <p:ext uri="{BB962C8B-B14F-4D97-AF65-F5344CB8AC3E}">
-        <p14:creationId xmlns:p14="http://schemas.microsoft.com/office/powerpoint/2010/main" val="3044664812"/>
-      </p:ext>
-    </p:extLst>
-  </p:cSld>
-  <p:clrMapOvr>
-    <a:masterClrMapping/>
-  </p:clrMapOvr>
-</p:sld>
-</file>
-
-<file path=ppt/slides/slide14.xml><?xml version="1.0" encoding="utf-8"?>
-<p:sld xmlns:a="http://schemas.openxmlformats.org/drawingml/2006/main" xmlns:r="http://schemas.openxmlformats.org/officeDocument/2006/relationships" xmlns:p="http://schemas.openxmlformats.org/presentationml/2006/main">
-  <p:cSld>
-    <p:spTree>
-      <p:nvGrpSpPr>
-        <p:cNvPr id="1" name=""/>
-        <p:cNvGrpSpPr/>
-        <p:nvPr/>
-      </p:nvGrpSpPr>
-      <p:grpSpPr>
-        <a:xfrm>
-          <a:off x="0" y="0"/>
-          <a:ext cx="0" cy="0"/>
-          <a:chOff x="0" y="0"/>
-          <a:chExt cx="0" cy="0"/>
-        </a:xfrm>
-      </p:grpSpPr>
-      <p:pic>
-        <p:nvPicPr>
-          <p:cNvPr id="4" name="Picture Placeholder 3" descr="A desktop computer sitting on a desk&#10;&#10;Description automatically generated">
-            <a:extLst>
-              <a:ext uri="{FF2B5EF4-FFF2-40B4-BE49-F238E27FC236}">
-                <a16:creationId xmlns:a16="http://schemas.microsoft.com/office/drawing/2014/main" id="{546CA7BA-706A-E34A-934C-E96116D4188E}"/>
-              </a:ext>
-            </a:extLst>
-          </p:cNvPr>
-          <p:cNvPicPr>
-            <a:picLocks noGrp="1" noChangeAspect="1"/>
-          </p:cNvPicPr>
-          <p:nvPr>
-            <p:ph type="pic" sz="quarter" idx="10"/>
-          </p:nvPr>
-        </p:nvPicPr>
-        <p:blipFill>
-          <a:blip r:embed="rId2" cstate="screen">
-            <a:extLst>
-              <a:ext uri="{28A0092B-C50C-407E-A947-70E740481C1C}">
-                <a14:useLocalDpi xmlns:a14="http://schemas.microsoft.com/office/drawing/2010/main"/>
-              </a:ext>
-            </a:extLst>
-          </a:blip>
-          <a:srcRect/>
-          <a:stretch>
-            <a:fillRect/>
-          </a:stretch>
-        </p:blipFill>
-        <p:spPr/>
-      </p:pic>
-    </p:spTree>
-    <p:extLst>
-      <p:ext uri="{BB962C8B-B14F-4D97-AF65-F5344CB8AC3E}">
-        <p14:creationId xmlns:p14="http://schemas.microsoft.com/office/powerpoint/2010/main" val="3247925554"/>
-      </p:ext>
-    </p:extLst>
-  </p:cSld>
-  <p:clrMapOvr>
-    <a:masterClrMapping/>
-  </p:clrMapOvr>
-</p:sld>
-</file>
-
 <file path=ppt/slides/slide15.xml><?xml version="1.0" encoding="utf-8"?>
 <p:sld xmlns:a="http://schemas.openxmlformats.org/drawingml/2006/main" xmlns:r="http://schemas.openxmlformats.org/officeDocument/2006/relationships" xmlns:p="http://schemas.openxmlformats.org/presentationml/2006/main">
   <p:cSld>
@@ -5834,43 +5658,12 @@
           <a:chExt cx="0" cy="0"/>
         </a:xfrm>
       </p:grpSpPr>
-      <p:pic>
-        <p:nvPicPr>
-          <p:cNvPr id="6" name="Picture Placeholder 5" descr="A screen shot of a computer&#10;&#10;Description automatically generated">
-            <a:extLst>
-              <a:ext uri="{FF2B5EF4-FFF2-40B4-BE49-F238E27FC236}">
-                <a16:creationId xmlns:a16="http://schemas.microsoft.com/office/drawing/2014/main" id="{EFD73EEB-079E-724D-9ED5-66A14E367F21}"/>
-              </a:ext>
-            </a:extLst>
-          </p:cNvPr>
-          <p:cNvPicPr>
-            <a:picLocks noGrp="1" noChangeAspect="1"/>
-          </p:cNvPicPr>
-          <p:nvPr>
-            <p:ph type="pic" sz="quarter" idx="12"/>
-          </p:nvPr>
-        </p:nvPicPr>
-        <p:blipFill>
-          <a:blip r:embed="rId2" cstate="screen">
-            <a:extLst>
-              <a:ext uri="{28A0092B-C50C-407E-A947-70E740481C1C}">
-                <a14:useLocalDpi xmlns:a14="http://schemas.microsoft.com/office/drawing/2010/main"/>
-              </a:ext>
-            </a:extLst>
-          </a:blip>
-          <a:srcRect l="29" r="29"/>
-          <a:stretch>
-            <a:fillRect/>
-          </a:stretch>
-        </p:blipFill>
-        <p:spPr/>
-      </p:pic>
-      <p:sp>
-        <p:nvSpPr>
-          <p:cNvPr id="3" name="Title 2">
-            <a:extLst>
-              <a:ext uri="{FF2B5EF4-FFF2-40B4-BE49-F238E27FC236}">
-                <a16:creationId xmlns:a16="http://schemas.microsoft.com/office/drawing/2014/main" id="{32C5C36C-7AE5-A74F-B18E-A9BFB3A3ED37}"/>
+      <p:sp>
+        <p:nvSpPr>
+          <p:cNvPr id="2" name="Title 1">
+            <a:extLst>
+              <a:ext uri="{FF2B5EF4-FFF2-40B4-BE49-F238E27FC236}">
+                <a16:creationId xmlns:a16="http://schemas.microsoft.com/office/drawing/2014/main" id="{97FE6D3A-2616-0145-BFA1-E42F38A44B93}"/>
               </a:ext>
             </a:extLst>
           </p:cNvPr>
@@ -5888,17 +5681,17 @@
           <a:p>
             <a:r>
               <a:rPr lang="en-US" dirty="0"/>
-              <a:t>Title Text Goes Here</a:t>
-            </a:r>
-          </a:p>
-        </p:txBody>
-      </p:sp>
-      <p:sp>
-        <p:nvSpPr>
-          <p:cNvPr id="4" name="Text Placeholder 3">
-            <a:extLst>
-              <a:ext uri="{FF2B5EF4-FFF2-40B4-BE49-F238E27FC236}">
-                <a16:creationId xmlns:a16="http://schemas.microsoft.com/office/drawing/2014/main" id="{BB1962E3-1688-2247-B12B-26C9BDFEB7B2}"/>
+              <a:t>Key Learnings</a:t>
+            </a:r>
+          </a:p>
+        </p:txBody>
+      </p:sp>
+      <p:sp>
+        <p:nvSpPr>
+          <p:cNvPr id="3" name="Text Placeholder 2">
+            <a:extLst>
+              <a:ext uri="{FF2B5EF4-FFF2-40B4-BE49-F238E27FC236}">
+                <a16:creationId xmlns:a16="http://schemas.microsoft.com/office/drawing/2014/main" id="{5ED891C3-32CD-E74D-A644-045913CFC7AD}"/>
               </a:ext>
             </a:extLst>
           </p:cNvPr>
@@ -5906,115 +5699,213 @@
             <a:spLocks noGrp="1"/>
           </p:cNvSpPr>
           <p:nvPr>
-            <p:ph type="body" sz="quarter" idx="13"/>
+            <p:ph type="body" sz="quarter" idx="12"/>
           </p:nvPr>
         </p:nvSpPr>
-        <p:spPr/>
+        <p:spPr>
+          <a:xfrm>
+            <a:off x="468330" y="1233488"/>
+            <a:ext cx="11162015" cy="4252912"/>
+          </a:xfrm>
+        </p:spPr>
         <p:txBody>
           <a:bodyPr/>
           <a:lstStyle/>
           <a:p>
-            <a:r>
-              <a:rPr lang="en-US" dirty="0"/>
-              <a:t>Lorem ipsum dolor sit </a:t>
-            </a:r>
-            <a:r>
-              <a:rPr lang="en-US" dirty="0" err="1"/>
-              <a:t>amet</a:t>
-            </a:r>
-            <a:r>
-              <a:rPr lang="en-US" dirty="0"/>
-              <a:t>, </a:t>
-            </a:r>
-            <a:r>
-              <a:rPr lang="en-US" dirty="0" err="1"/>
-              <a:t>consectetur</a:t>
-            </a:r>
-            <a:r>
-              <a:rPr lang="en-US" dirty="0"/>
-              <a:t> </a:t>
-            </a:r>
-            <a:r>
-              <a:rPr lang="en-US" dirty="0" err="1"/>
-              <a:t>adipiscing</a:t>
-            </a:r>
-            <a:r>
-              <a:rPr lang="en-US" dirty="0"/>
-              <a:t> </a:t>
-            </a:r>
-            <a:r>
-              <a:rPr lang="en-US" dirty="0" err="1"/>
-              <a:t>elit</a:t>
-            </a:r>
-            <a:r>
-              <a:rPr lang="en-US" dirty="0"/>
-              <a:t>. Duis ante mi, </a:t>
-            </a:r>
-            <a:r>
-              <a:rPr lang="en-US" dirty="0" err="1"/>
-              <a:t>dignissim</a:t>
-            </a:r>
-            <a:r>
-              <a:rPr lang="en-US" dirty="0"/>
-              <a:t> sit </a:t>
-            </a:r>
-            <a:r>
-              <a:rPr lang="en-US" dirty="0" err="1"/>
-              <a:t>amet</a:t>
-            </a:r>
-            <a:r>
-              <a:rPr lang="en-US" dirty="0"/>
-              <a:t> </a:t>
-            </a:r>
-            <a:r>
-              <a:rPr lang="en-US" dirty="0" err="1"/>
-              <a:t>viverra</a:t>
-            </a:r>
-            <a:r>
-              <a:rPr lang="en-US" dirty="0"/>
-              <a:t> </a:t>
-            </a:r>
-            <a:r>
-              <a:rPr lang="en-US" dirty="0" err="1"/>
-              <a:t>quis</a:t>
-            </a:r>
-            <a:r>
-              <a:rPr lang="en-US" dirty="0"/>
-              <a:t>, </a:t>
-            </a:r>
-            <a:r>
-              <a:rPr lang="en-US" dirty="0" err="1"/>
-              <a:t>commodo</a:t>
-            </a:r>
-            <a:r>
-              <a:rPr lang="en-US" dirty="0"/>
-              <a:t> sed dolor. </a:t>
-            </a:r>
-          </a:p>
-          <a:p>
-            <a:r>
-              <a:rPr lang="en-US" dirty="0"/>
-              <a:t>Bullet 1</a:t>
-            </a:r>
-          </a:p>
-          <a:p>
-            <a:r>
-              <a:rPr lang="en-US" dirty="0"/>
-              <a:t>Bullet 2</a:t>
-            </a:r>
-          </a:p>
-          <a:p>
-            <a:r>
-              <a:rPr lang="en-US" dirty="0"/>
-              <a:t>Bullet 3</a:t>
-            </a:r>
+            <a:pPr marL="342900" indent="-342900">
+              <a:buFont typeface="Arial" panose="020B0604020202020204" pitchFamily="34" charset="0"/>
+              <a:buChar char="•"/>
+            </a:pPr>
+            <a:r>
+              <a:rPr lang="en-US" b="1" dirty="0"/>
+              <a:t>Frontier is broken into two sections, a Front Queue, that manages priority, and a Back Queue that manages politeness</a:t>
+            </a:r>
+          </a:p>
+          <a:p>
+            <a:pPr marL="342900" indent="-342900">
+              <a:buFont typeface="Arial" panose="020B0604020202020204" pitchFamily="34" charset="0"/>
+              <a:buChar char="•"/>
+            </a:pPr>
+            <a:r>
+              <a:rPr lang="en-US" b="1" dirty="0"/>
+              <a:t>All queues are FIFO</a:t>
+            </a:r>
+          </a:p>
+          <a:p>
+            <a:pPr marL="342900" indent="-342900">
+              <a:buFont typeface="Arial" panose="020B0604020202020204" pitchFamily="34" charset="0"/>
+              <a:buChar char="•"/>
+            </a:pPr>
+            <a:r>
+              <a:rPr lang="en-US" b="1" dirty="0"/>
+              <a:t>Each host has its own Back Queue</a:t>
+            </a:r>
+          </a:p>
+          <a:p>
+            <a:pPr marL="342900" indent="-342900">
+              <a:buFont typeface="Arial" panose="020B0604020202020204" pitchFamily="34" charset="0"/>
+              <a:buChar char="•"/>
+            </a:pPr>
+            <a:r>
+              <a:rPr lang="en-US" b="1" dirty="0"/>
+              <a:t>Min Hashes (Sketches) are an effective way of deduping content</a:t>
+            </a:r>
+          </a:p>
+          <a:p>
+            <a:pPr marL="342900" indent="-342900">
+              <a:buFont typeface="Arial" panose="020B0604020202020204" pitchFamily="34" charset="0"/>
+              <a:buChar char="•"/>
+            </a:pPr>
+            <a:r>
+              <a:rPr lang="en-US" b="1" dirty="0"/>
+              <a:t>Duplicates vs Near Duplicates measured by edit distance</a:t>
+            </a:r>
+          </a:p>
+          <a:p>
+            <a:pPr marL="342900" indent="-342900">
+              <a:buFont typeface="Arial" panose="020B0604020202020204" pitchFamily="34" charset="0"/>
+              <a:buChar char="•"/>
+            </a:pPr>
+            <a:r>
+              <a:rPr lang="en-US" b="1" dirty="0">
+                <a:solidFill>
+                  <a:srgbClr val="FF0000"/>
+                </a:solidFill>
+              </a:rPr>
+              <a:t>Everything</a:t>
+            </a:r>
+            <a:r>
+              <a:rPr lang="en-US" b="1" dirty="0"/>
+              <a:t> is cached to reduce latency</a:t>
+            </a:r>
+          </a:p>
+          <a:p>
+            <a:pPr marL="342900" indent="-342900">
+              <a:buFont typeface="Arial" panose="020B0604020202020204" pitchFamily="34" charset="0"/>
+              <a:buChar char="•"/>
+            </a:pPr>
+            <a:r>
+              <a:rPr lang="en-US" b="1" dirty="0"/>
+              <a:t>URL normalization is handled at the parser (</a:t>
+            </a:r>
+            <a:r>
+              <a:rPr lang="en-US" b="1" dirty="0" err="1"/>
+              <a:t>eg</a:t>
+            </a:r>
+            <a:r>
+              <a:rPr lang="en-US" b="1" dirty="0"/>
+              <a:t> /page-path/ to </a:t>
+            </a:r>
+            <a:r>
+              <a:rPr lang="en-US" b="1" dirty="0">
+                <a:hlinkClick r:id="rId2"/>
+              </a:rPr>
+              <a:t>https://domain/page-path/</a:t>
+            </a:r>
+            <a:r>
+              <a:rPr lang="en-US" b="1" dirty="0"/>
+              <a:t>)</a:t>
+            </a:r>
+          </a:p>
+          <a:p>
+            <a:pPr marL="342900" indent="-342900">
+              <a:buFont typeface="Arial" panose="020B0604020202020204" pitchFamily="34" charset="0"/>
+              <a:buChar char="•"/>
+            </a:pPr>
+            <a:r>
+              <a:rPr lang="en-US" b="1" dirty="0"/>
+              <a:t>There are interesting things that can happen in the DOM rather than just parsing retrieved URL</a:t>
+            </a:r>
+          </a:p>
+          <a:p>
+            <a:pPr marL="342900" indent="-342900">
+              <a:buFont typeface="Arial" panose="020B0604020202020204" pitchFamily="34" charset="0"/>
+              <a:buChar char="•"/>
+            </a:pPr>
+            <a:endParaRPr lang="en-US" b="1" dirty="0"/>
+          </a:p>
+          <a:p>
+            <a:endParaRPr lang="en-US" b="1" dirty="0"/>
+          </a:p>
+          <a:p>
+            <a:pPr marL="342900" indent="-342900">
+              <a:buFont typeface="Arial" panose="020B0604020202020204" pitchFamily="34" charset="0"/>
+              <a:buChar char="•"/>
+            </a:pPr>
+            <a:endParaRPr lang="en-US" b="1" dirty="0"/>
+          </a:p>
+          <a:p>
+            <a:pPr marL="342900" indent="-342900">
+              <a:buFont typeface="Arial" panose="020B0604020202020204" pitchFamily="34" charset="0"/>
+              <a:buChar char="•"/>
+            </a:pPr>
+            <a:endParaRPr lang="en-US" b="1" dirty="0"/>
+          </a:p>
+          <a:p>
+            <a:pPr marL="342900" indent="-342900">
+              <a:buFont typeface="Arial" panose="020B0604020202020204" pitchFamily="34" charset="0"/>
+              <a:buChar char="•"/>
+            </a:pPr>
+            <a:endParaRPr lang="en-US" b="1" dirty="0"/>
+          </a:p>
+          <a:p>
+            <a:pPr marL="342900" indent="-342900">
+              <a:buFont typeface="Arial" panose="020B0604020202020204" pitchFamily="34" charset="0"/>
+              <a:buChar char="•"/>
+            </a:pPr>
+            <a:endParaRPr lang="en-US" b="1" dirty="0"/>
+          </a:p>
+          <a:p>
+            <a:pPr marL="342900" indent="-342900">
+              <a:buFont typeface="Arial" panose="020B0604020202020204" pitchFamily="34" charset="0"/>
+              <a:buChar char="•"/>
+            </a:pPr>
+            <a:endParaRPr lang="en-US" b="1" dirty="0"/>
+          </a:p>
+          <a:p>
+            <a:pPr marL="342900" indent="-342900">
+              <a:buFont typeface="Arial" panose="020B0604020202020204" pitchFamily="34" charset="0"/>
+              <a:buChar char="•"/>
+            </a:pPr>
+            <a:endParaRPr lang="en-US" b="1" dirty="0"/>
+          </a:p>
+          <a:p>
+            <a:pPr marL="342900" indent="-342900">
+              <a:buFont typeface="Arial" panose="020B0604020202020204" pitchFamily="34" charset="0"/>
+              <a:buChar char="•"/>
+            </a:pPr>
+            <a:endParaRPr lang="en-US" b="1" dirty="0"/>
+          </a:p>
+          <a:p>
+            <a:pPr marL="342900" indent="-342900">
+              <a:buFont typeface="Arial" panose="020B0604020202020204" pitchFamily="34" charset="0"/>
+              <a:buChar char="•"/>
+            </a:pPr>
+            <a:endParaRPr lang="en-US" b="1" dirty="0"/>
+          </a:p>
+          <a:p>
+            <a:pPr marL="342900" indent="-342900">
+              <a:buFont typeface="Arial" panose="020B0604020202020204" pitchFamily="34" charset="0"/>
+              <a:buChar char="•"/>
+            </a:pPr>
+            <a:endParaRPr lang="en-US" dirty="0"/>
+          </a:p>
+          <a:p>
+            <a:pPr marL="342900" indent="-342900">
+              <a:buFont typeface="Arial" panose="020B0604020202020204" pitchFamily="34" charset="0"/>
+              <a:buChar char="•"/>
+            </a:pPr>
+            <a:endParaRPr lang="en-US" dirty="0"/>
+          </a:p>
+          <a:p>
+            <a:endParaRPr lang="en-US" dirty="0"/>
           </a:p>
         </p:txBody>
       </p:sp>
     </p:spTree>
     <p:extLst>
       <p:ext uri="{BB962C8B-B14F-4D97-AF65-F5344CB8AC3E}">
-        <p14:creationId xmlns:p14="http://schemas.microsoft.com/office/powerpoint/2010/main" val="3009529856"/>
+        <p14:creationId xmlns:p14="http://schemas.microsoft.com/office/powerpoint/2010/main" val="2151629629"/>
       </p:ext>
     </p:extLst>
   </p:cSld>
@@ -6043,10 +5934,10 @@
       </p:grpSpPr>
       <p:sp>
         <p:nvSpPr>
-          <p:cNvPr id="3" name="Title 2">
-            <a:extLst>
-              <a:ext uri="{FF2B5EF4-FFF2-40B4-BE49-F238E27FC236}">
-                <a16:creationId xmlns:a16="http://schemas.microsoft.com/office/drawing/2014/main" id="{32C5C36C-7AE5-A74F-B18E-A9BFB3A3ED37}"/>
+          <p:cNvPr id="2" name="Title 1">
+            <a:extLst>
+              <a:ext uri="{FF2B5EF4-FFF2-40B4-BE49-F238E27FC236}">
+                <a16:creationId xmlns:a16="http://schemas.microsoft.com/office/drawing/2014/main" id="{07490423-E2BB-E44F-9A05-8062C9DB578F}"/>
               </a:ext>
             </a:extLst>
           </p:cNvPr>
@@ -6059,177 +5950,35 @@
         </p:nvSpPr>
         <p:spPr/>
         <p:txBody>
-          <a:bodyPr/>
+          <a:bodyPr lIns="457200"/>
           <a:lstStyle/>
           <a:p>
             <a:r>
               <a:rPr lang="en-US" dirty="0"/>
-              <a:t>Title Text Goes Here</a:t>
-            </a:r>
-          </a:p>
-        </p:txBody>
-      </p:sp>
-      <p:pic>
-        <p:nvPicPr>
-          <p:cNvPr id="6" name="Picture Placeholder 5" descr="A screen shot of a computer&#10;&#10;Description automatically generated">
-            <a:extLst>
-              <a:ext uri="{FF2B5EF4-FFF2-40B4-BE49-F238E27FC236}">
-                <a16:creationId xmlns:a16="http://schemas.microsoft.com/office/drawing/2014/main" id="{EFD73EEB-079E-724D-9ED5-66A14E367F21}"/>
-              </a:ext>
-            </a:extLst>
-          </p:cNvPr>
-          <p:cNvPicPr>
-            <a:picLocks noGrp="1" noChangeAspect="1"/>
-          </p:cNvPicPr>
-          <p:nvPr>
-            <p:ph type="pic" sz="quarter" idx="12"/>
-          </p:nvPr>
-        </p:nvPicPr>
-        <p:blipFill>
-          <a:blip r:embed="rId2" cstate="screen">
-            <a:extLst>
-              <a:ext uri="{28A0092B-C50C-407E-A947-70E740481C1C}">
-                <a14:useLocalDpi xmlns:a14="http://schemas.microsoft.com/office/drawing/2010/main"/>
-              </a:ext>
-            </a:extLst>
-          </a:blip>
-          <a:srcRect/>
-          <a:stretch>
-            <a:fillRect/>
-          </a:stretch>
-        </p:blipFill>
-        <p:spPr/>
-      </p:pic>
-      <p:sp>
-        <p:nvSpPr>
-          <p:cNvPr id="4" name="Text Placeholder 3">
-            <a:extLst>
-              <a:ext uri="{FF2B5EF4-FFF2-40B4-BE49-F238E27FC236}">
-                <a16:creationId xmlns:a16="http://schemas.microsoft.com/office/drawing/2014/main" id="{BB1962E3-1688-2247-B12B-26C9BDFEB7B2}"/>
-              </a:ext>
-            </a:extLst>
-          </p:cNvPr>
-          <p:cNvSpPr>
-            <a:spLocks noGrp="1"/>
-          </p:cNvSpPr>
-          <p:nvPr>
-            <p:ph type="body" sz="quarter" idx="13"/>
-          </p:nvPr>
-        </p:nvSpPr>
-        <p:spPr>
-          <a:xfrm>
-            <a:off x="500063" y="1670050"/>
-            <a:ext cx="5316537" cy="3836988"/>
-          </a:xfrm>
-        </p:spPr>
-        <p:txBody>
-          <a:bodyPr/>
-          <a:lstStyle/>
-          <a:p>
-            <a:pPr marL="0" indent="0">
-              <a:buNone/>
-            </a:pPr>
-            <a:r>
-              <a:rPr lang="en-US" dirty="0"/>
-              <a:t>Lorem ipsum dolor sit </a:t>
-            </a:r>
-            <a:r>
-              <a:rPr lang="en-US" dirty="0" err="1"/>
-              <a:t>amet</a:t>
-            </a:r>
-            <a:r>
-              <a:rPr lang="en-US" dirty="0"/>
-              <a:t>, </a:t>
-            </a:r>
-            <a:r>
-              <a:rPr lang="en-US" dirty="0" err="1"/>
-              <a:t>consectetur</a:t>
-            </a:r>
-            <a:r>
-              <a:rPr lang="en-US" dirty="0"/>
-              <a:t> </a:t>
-            </a:r>
-            <a:r>
-              <a:rPr lang="en-US" dirty="0" err="1"/>
-              <a:t>adipiscing</a:t>
-            </a:r>
-            <a:r>
-              <a:rPr lang="en-US" dirty="0"/>
-              <a:t> </a:t>
-            </a:r>
-            <a:r>
-              <a:rPr lang="en-US" dirty="0" err="1"/>
-              <a:t>elit</a:t>
-            </a:r>
-            <a:r>
-              <a:rPr lang="en-US" dirty="0"/>
-              <a:t>. Duis ante mi, </a:t>
-            </a:r>
-            <a:r>
-              <a:rPr lang="en-US" dirty="0" err="1"/>
-              <a:t>dignissim</a:t>
-            </a:r>
-            <a:r>
-              <a:rPr lang="en-US" dirty="0"/>
-              <a:t> sit </a:t>
-            </a:r>
-            <a:r>
-              <a:rPr lang="en-US" dirty="0" err="1"/>
-              <a:t>amet</a:t>
-            </a:r>
-            <a:r>
-              <a:rPr lang="en-US" dirty="0"/>
-              <a:t> </a:t>
-            </a:r>
-            <a:r>
-              <a:rPr lang="en-US" dirty="0" err="1"/>
-              <a:t>viverra</a:t>
-            </a:r>
-            <a:r>
-              <a:rPr lang="en-US" dirty="0"/>
-              <a:t> </a:t>
-            </a:r>
-            <a:r>
-              <a:rPr lang="en-US" dirty="0" err="1"/>
-              <a:t>quis</a:t>
-            </a:r>
-            <a:r>
-              <a:rPr lang="en-US" dirty="0"/>
-              <a:t>, </a:t>
-            </a:r>
-            <a:r>
-              <a:rPr lang="en-US" dirty="0" err="1"/>
-              <a:t>commodo</a:t>
-            </a:r>
-            <a:r>
-              <a:rPr lang="en-US" dirty="0"/>
-              <a:t> sed dolor. </a:t>
-            </a:r>
-          </a:p>
-          <a:p>
-            <a:r>
-              <a:rPr lang="en-US" dirty="0"/>
-              <a:t>Bullet 1</a:t>
-            </a:r>
-          </a:p>
-          <a:p>
-            <a:r>
-              <a:rPr lang="en-US" dirty="0"/>
-              <a:t>Bullet 2</a:t>
-            </a:r>
-          </a:p>
-          <a:p>
-            <a:r>
-              <a:rPr lang="en-US" dirty="0"/>
-              <a:t>Bullet 3</a:t>
-            </a:r>
+              <a:t>Building a Toy Internet</a:t>
+            </a:r>
+            <a:br>
+              <a:rPr lang="en-US" dirty="0"/>
+            </a:br>
+            <a:br>
+              <a:rPr lang="en-US" dirty="0">
+                <a:solidFill>
+                  <a:schemeClr val="accent6"/>
+                </a:solidFill>
+              </a:rPr>
+            </a:br>
+            <a:endParaRPr lang="en-US" dirty="0">
+              <a:solidFill>
+                <a:schemeClr val="accent6"/>
+              </a:solidFill>
+            </a:endParaRPr>
           </a:p>
         </p:txBody>
       </p:sp>
     </p:spTree>
     <p:extLst>
       <p:ext uri="{BB962C8B-B14F-4D97-AF65-F5344CB8AC3E}">
-        <p14:creationId xmlns:p14="http://schemas.microsoft.com/office/powerpoint/2010/main" val="2095067443"/>
+        <p14:creationId xmlns:p14="http://schemas.microsoft.com/office/powerpoint/2010/main" val="3314517701"/>
       </p:ext>
     </p:extLst>
   </p:cSld>
@@ -6258,12 +6007,18 @@
       </p:grpSpPr>
       <p:sp>
         <p:nvSpPr>
-          <p:cNvPr id="2" name="Text Placeholder 1"/>
+          <p:cNvPr id="3" name="Title 2">
+            <a:extLst>
+              <a:ext uri="{FF2B5EF4-FFF2-40B4-BE49-F238E27FC236}">
+                <a16:creationId xmlns:a16="http://schemas.microsoft.com/office/drawing/2014/main" id="{32C5C36C-7AE5-A74F-B18E-A9BFB3A3ED37}"/>
+              </a:ext>
+            </a:extLst>
+          </p:cNvPr>
           <p:cNvSpPr>
             <a:spLocks noGrp="1"/>
           </p:cNvSpPr>
           <p:nvPr>
-            <p:ph type="body" sz="quarter" idx="12"/>
+            <p:ph type="title"/>
           </p:nvPr>
         </p:nvSpPr>
         <p:spPr/>
@@ -6273,20 +6028,20 @@
           <a:p>
             <a:r>
               <a:rPr lang="en-US" dirty="0"/>
-              <a:t>Thank You</a:t>
-            </a:r>
-          </a:p>
-          <a:p>
-            <a:r>
-              <a:rPr lang="en-US" dirty="0"/>
-              <a:t>–</a:t>
-            </a:r>
-          </a:p>
-        </p:txBody>
-      </p:sp>
-      <p:sp>
-        <p:nvSpPr>
-          <p:cNvPr id="3" name="Text Placeholder 2"/>
+              <a:t>Criteria</a:t>
+            </a:r>
+          </a:p>
+        </p:txBody>
+      </p:sp>
+      <p:sp>
+        <p:nvSpPr>
+          <p:cNvPr id="4" name="Text Placeholder 3">
+            <a:extLst>
+              <a:ext uri="{FF2B5EF4-FFF2-40B4-BE49-F238E27FC236}">
+                <a16:creationId xmlns:a16="http://schemas.microsoft.com/office/drawing/2014/main" id="{BB1962E3-1688-2247-B12B-26C9BDFEB7B2}"/>
+              </a:ext>
+            </a:extLst>
+          </p:cNvPr>
           <p:cNvSpPr>
             <a:spLocks noGrp="1"/>
           </p:cNvSpPr>
@@ -6301,20 +6056,558 @@
           <a:p>
             <a:r>
               <a:rPr lang="en-US" dirty="0"/>
-              <a:t>Find me on Twitter at: @</a:t>
+              <a:t>Build quickly with topically similar pages for each site</a:t>
+            </a:r>
+          </a:p>
+          <a:p>
+            <a:r>
+              <a:rPr lang="en-US" dirty="0"/>
+              <a:t>Exist on separate domains</a:t>
+            </a:r>
+          </a:p>
+          <a:p>
+            <a:r>
+              <a:rPr lang="en-US" dirty="0"/>
+              <a:t>Linked to each other, but not to any other pages on the internet</a:t>
+            </a:r>
+          </a:p>
+          <a:p>
+            <a:r>
+              <a:rPr lang="en-US" dirty="0"/>
+              <a:t>Contain basic SEO elements like title, description, canonical, </a:t>
             </a:r>
             <a:r>
               <a:rPr lang="en-US" dirty="0" err="1"/>
-              <a:t>jroakes</a:t>
+              <a:t>etc</a:t>
             </a:r>
             <a:endParaRPr lang="en-US" dirty="0"/>
           </a:p>
-        </p:txBody>
-      </p:sp>
+          <a:p>
+            <a:endParaRPr lang="en-US" dirty="0"/>
+          </a:p>
+        </p:txBody>
+      </p:sp>
+      <p:pic>
+        <p:nvPicPr>
+          <p:cNvPr id="2" name="Picture 1">
+            <a:extLst>
+              <a:ext uri="{FF2B5EF4-FFF2-40B4-BE49-F238E27FC236}">
+                <a16:creationId xmlns:a16="http://schemas.microsoft.com/office/drawing/2014/main" id="{7EB0B672-C5B4-4E11-862D-C22CDDE4B13E}"/>
+              </a:ext>
+            </a:extLst>
+          </p:cNvPr>
+          <p:cNvPicPr>
+            <a:picLocks noChangeAspect="1"/>
+          </p:cNvPicPr>
+          <p:nvPr/>
+        </p:nvPicPr>
+        <p:blipFill>
+          <a:blip r:embed="rId2"/>
+          <a:stretch>
+            <a:fillRect/>
+          </a:stretch>
+        </p:blipFill>
+        <p:spPr>
+          <a:xfrm>
+            <a:off x="6375633" y="0"/>
+            <a:ext cx="5816367" cy="5878447"/>
+          </a:xfrm>
+          <a:prstGeom prst="rect">
+            <a:avLst/>
+          </a:prstGeom>
+        </p:spPr>
+      </p:pic>
     </p:spTree>
     <p:extLst>
       <p:ext uri="{BB962C8B-B14F-4D97-AF65-F5344CB8AC3E}">
-        <p14:creationId xmlns:p14="http://schemas.microsoft.com/office/powerpoint/2010/main" val="177018321"/>
+        <p14:creationId xmlns:p14="http://schemas.microsoft.com/office/powerpoint/2010/main" val="938001418"/>
+      </p:ext>
+    </p:extLst>
+  </p:cSld>
+  <p:clrMapOvr>
+    <a:masterClrMapping/>
+  </p:clrMapOvr>
+</p:sld>
+</file>
+
+<file path=ppt/slides/slide18.xml><?xml version="1.0" encoding="utf-8"?>
+<p:sld xmlns:a="http://schemas.openxmlformats.org/drawingml/2006/main" xmlns:r="http://schemas.openxmlformats.org/officeDocument/2006/relationships" xmlns:p="http://schemas.openxmlformats.org/presentationml/2006/main">
+  <p:cSld>
+    <p:spTree>
+      <p:nvGrpSpPr>
+        <p:cNvPr id="1" name=""/>
+        <p:cNvGrpSpPr/>
+        <p:nvPr/>
+      </p:nvGrpSpPr>
+      <p:grpSpPr>
+        <a:xfrm>
+          <a:off x="0" y="0"/>
+          <a:ext cx="0" cy="0"/>
+          <a:chOff x="0" y="0"/>
+          <a:chExt cx="0" cy="0"/>
+        </a:xfrm>
+      </p:grpSpPr>
+      <p:sp>
+        <p:nvSpPr>
+          <p:cNvPr id="3" name="Title 2">
+            <a:extLst>
+              <a:ext uri="{FF2B5EF4-FFF2-40B4-BE49-F238E27FC236}">
+                <a16:creationId xmlns:a16="http://schemas.microsoft.com/office/drawing/2014/main" id="{32C5C36C-7AE5-A74F-B18E-A9BFB3A3ED37}"/>
+              </a:ext>
+            </a:extLst>
+          </p:cNvPr>
+          <p:cNvSpPr>
+            <a:spLocks noGrp="1"/>
+          </p:cNvSpPr>
+          <p:nvPr>
+            <p:ph type="title"/>
+          </p:nvPr>
+        </p:nvSpPr>
+        <p:spPr/>
+        <p:txBody>
+          <a:bodyPr/>
+          <a:lstStyle/>
+          <a:p>
+            <a:r>
+              <a:rPr lang="en-US" dirty="0"/>
+              <a:t>Solution</a:t>
+            </a:r>
+          </a:p>
+        </p:txBody>
+      </p:sp>
+      <p:sp>
+        <p:nvSpPr>
+          <p:cNvPr id="4" name="Text Placeholder 3">
+            <a:extLst>
+              <a:ext uri="{FF2B5EF4-FFF2-40B4-BE49-F238E27FC236}">
+                <a16:creationId xmlns:a16="http://schemas.microsoft.com/office/drawing/2014/main" id="{BB1962E3-1688-2247-B12B-26C9BDFEB7B2}"/>
+              </a:ext>
+            </a:extLst>
+          </p:cNvPr>
+          <p:cNvSpPr>
+            <a:spLocks noGrp="1"/>
+          </p:cNvSpPr>
+          <p:nvPr>
+            <p:ph type="body" sz="quarter" idx="13"/>
+          </p:nvPr>
+        </p:nvSpPr>
+        <p:spPr>
+          <a:xfrm>
+            <a:off x="340206" y="1285875"/>
+            <a:ext cx="4054242" cy="1892331"/>
+          </a:xfrm>
+        </p:spPr>
+        <p:txBody>
+          <a:bodyPr/>
+          <a:lstStyle/>
+          <a:p>
+            <a:r>
+              <a:rPr lang="en-US" dirty="0" err="1"/>
+              <a:t>Github</a:t>
+            </a:r>
+            <a:r>
+              <a:rPr lang="en-US" dirty="0"/>
+              <a:t> Pages</a:t>
+            </a:r>
+          </a:p>
+          <a:p>
+            <a:r>
+              <a:rPr lang="en-US" dirty="0"/>
+              <a:t>Jekyll</a:t>
+            </a:r>
+          </a:p>
+          <a:p>
+            <a:r>
+              <a:rPr lang="en-US" dirty="0"/>
+              <a:t>Wikipedia</a:t>
+            </a:r>
+          </a:p>
+          <a:p>
+            <a:r>
+              <a:rPr lang="en-US" dirty="0"/>
+              <a:t>Python</a:t>
+            </a:r>
+          </a:p>
+          <a:p>
+            <a:endParaRPr lang="en-US" dirty="0"/>
+          </a:p>
+          <a:p>
+            <a:endParaRPr lang="en-US" dirty="0"/>
+          </a:p>
+        </p:txBody>
+      </p:sp>
+      <p:pic>
+        <p:nvPicPr>
+          <p:cNvPr id="7" name="Picture 6">
+            <a:extLst>
+              <a:ext uri="{FF2B5EF4-FFF2-40B4-BE49-F238E27FC236}">
+                <a16:creationId xmlns:a16="http://schemas.microsoft.com/office/drawing/2014/main" id="{03253BE4-2CB3-40D1-A024-D67E4D42F7F7}"/>
+              </a:ext>
+            </a:extLst>
+          </p:cNvPr>
+          <p:cNvPicPr>
+            <a:picLocks noChangeAspect="1"/>
+          </p:cNvPicPr>
+          <p:nvPr/>
+        </p:nvPicPr>
+        <p:blipFill>
+          <a:blip r:embed="rId2"/>
+          <a:stretch>
+            <a:fillRect/>
+          </a:stretch>
+        </p:blipFill>
+        <p:spPr>
+          <a:xfrm>
+            <a:off x="4578137" y="0"/>
+            <a:ext cx="7615529" cy="5877017"/>
+          </a:xfrm>
+          <a:prstGeom prst="rect">
+            <a:avLst/>
+          </a:prstGeom>
+        </p:spPr>
+      </p:pic>
+      <p:sp>
+        <p:nvSpPr>
+          <p:cNvPr id="8" name="Text Placeholder 3">
+            <a:extLst>
+              <a:ext uri="{FF2B5EF4-FFF2-40B4-BE49-F238E27FC236}">
+                <a16:creationId xmlns:a16="http://schemas.microsoft.com/office/drawing/2014/main" id="{8090C34F-D2F7-4166-A2DE-1CB8D22E0A55}"/>
+              </a:ext>
+            </a:extLst>
+          </p:cNvPr>
+          <p:cNvSpPr txBox="1">
+            <a:spLocks/>
+          </p:cNvSpPr>
+          <p:nvPr/>
+        </p:nvSpPr>
+        <p:spPr>
+          <a:xfrm>
+            <a:off x="337196" y="3429000"/>
+            <a:ext cx="4054242" cy="1892331"/>
+          </a:xfrm>
+          <a:prstGeom prst="rect">
+            <a:avLst/>
+          </a:prstGeom>
+        </p:spPr>
+        <p:txBody>
+          <a:bodyPr/>
+          <a:lstStyle>
+            <a:lvl1pPr marL="228600" indent="-228600" algn="l" defTabSz="914400" rtl="0" eaLnBrk="1" latinLnBrk="0" hangingPunct="1">
+              <a:lnSpc>
+                <a:spcPct val="100000"/>
+              </a:lnSpc>
+              <a:spcBef>
+                <a:spcPts val="1000"/>
+              </a:spcBef>
+              <a:buClr>
+                <a:schemeClr val="accent4"/>
+              </a:buClr>
+              <a:buFont typeface="Arial"/>
+              <a:buChar char="•"/>
+              <a:defRPr sz="2000" kern="1200">
+                <a:solidFill>
+                  <a:schemeClr val="tx1">
+                    <a:lumMod val="65000"/>
+                    <a:lumOff val="35000"/>
+                  </a:schemeClr>
+                </a:solidFill>
+                <a:latin typeface="+mn-lt"/>
+                <a:ea typeface="+mn-ea"/>
+                <a:cs typeface="+mn-cs"/>
+              </a:defRPr>
+            </a:lvl1pPr>
+            <a:lvl2pPr marL="685800" indent="-228600" algn="l" defTabSz="914400" rtl="0" eaLnBrk="1" latinLnBrk="0" hangingPunct="1">
+              <a:lnSpc>
+                <a:spcPct val="100000"/>
+              </a:lnSpc>
+              <a:spcBef>
+                <a:spcPts val="500"/>
+              </a:spcBef>
+              <a:buClr>
+                <a:schemeClr val="accent4"/>
+              </a:buClr>
+              <a:buFont typeface="Arial"/>
+              <a:buChar char="•"/>
+              <a:defRPr sz="1800" kern="1200">
+                <a:solidFill>
+                  <a:schemeClr val="tx1">
+                    <a:lumMod val="65000"/>
+                    <a:lumOff val="35000"/>
+                  </a:schemeClr>
+                </a:solidFill>
+                <a:latin typeface="+mn-lt"/>
+                <a:ea typeface="+mn-ea"/>
+                <a:cs typeface="+mn-cs"/>
+              </a:defRPr>
+            </a:lvl2pPr>
+            <a:lvl3pPr marL="1143000" indent="-228600" algn="l" defTabSz="914400" rtl="0" eaLnBrk="1" latinLnBrk="0" hangingPunct="1">
+              <a:lnSpc>
+                <a:spcPct val="100000"/>
+              </a:lnSpc>
+              <a:spcBef>
+                <a:spcPts val="500"/>
+              </a:spcBef>
+              <a:buClr>
+                <a:schemeClr val="accent4"/>
+              </a:buClr>
+              <a:buFont typeface="Arial"/>
+              <a:buChar char="•"/>
+              <a:defRPr sz="1600" kern="1200">
+                <a:solidFill>
+                  <a:schemeClr val="tx1">
+                    <a:lumMod val="65000"/>
+                    <a:lumOff val="35000"/>
+                  </a:schemeClr>
+                </a:solidFill>
+                <a:latin typeface="+mn-lt"/>
+                <a:ea typeface="+mn-ea"/>
+                <a:cs typeface="+mn-cs"/>
+              </a:defRPr>
+            </a:lvl3pPr>
+            <a:lvl4pPr marL="1600200" indent="-228600" algn="l" defTabSz="914400" rtl="0" eaLnBrk="1" latinLnBrk="0" hangingPunct="1">
+              <a:lnSpc>
+                <a:spcPct val="100000"/>
+              </a:lnSpc>
+              <a:spcBef>
+                <a:spcPts val="500"/>
+              </a:spcBef>
+              <a:buClr>
+                <a:schemeClr val="accent4"/>
+              </a:buClr>
+              <a:buFont typeface="Arial"/>
+              <a:buChar char="•"/>
+              <a:defRPr sz="1400" kern="1200">
+                <a:solidFill>
+                  <a:schemeClr val="tx1">
+                    <a:lumMod val="65000"/>
+                    <a:lumOff val="35000"/>
+                  </a:schemeClr>
+                </a:solidFill>
+                <a:latin typeface="+mn-lt"/>
+                <a:ea typeface="+mn-ea"/>
+                <a:cs typeface="+mn-cs"/>
+              </a:defRPr>
+            </a:lvl4pPr>
+            <a:lvl5pPr marL="2057400" indent="-228600" algn="l" defTabSz="914400" rtl="0" eaLnBrk="1" latinLnBrk="0" hangingPunct="1">
+              <a:lnSpc>
+                <a:spcPct val="100000"/>
+              </a:lnSpc>
+              <a:spcBef>
+                <a:spcPts val="500"/>
+              </a:spcBef>
+              <a:buClr>
+                <a:schemeClr val="accent4"/>
+              </a:buClr>
+              <a:buFont typeface="Arial"/>
+              <a:buChar char="•"/>
+              <a:defRPr sz="1400" kern="1200">
+                <a:solidFill>
+                  <a:schemeClr val="tx1">
+                    <a:lumMod val="65000"/>
+                    <a:lumOff val="35000"/>
+                  </a:schemeClr>
+                </a:solidFill>
+                <a:latin typeface="+mn-lt"/>
+                <a:ea typeface="+mn-ea"/>
+                <a:cs typeface="+mn-cs"/>
+              </a:defRPr>
+            </a:lvl5pPr>
+            <a:lvl6pPr marL="2514600" indent="-228600" algn="l" defTabSz="914400" rtl="0" eaLnBrk="1" latinLnBrk="0" hangingPunct="1">
+              <a:lnSpc>
+                <a:spcPct val="90000"/>
+              </a:lnSpc>
+              <a:spcBef>
+                <a:spcPts val="500"/>
+              </a:spcBef>
+              <a:buFont typeface="Arial"/>
+              <a:buChar char="•"/>
+              <a:defRPr sz="1800" kern="1200">
+                <a:solidFill>
+                  <a:schemeClr val="tx1"/>
+                </a:solidFill>
+                <a:latin typeface="+mn-lt"/>
+                <a:ea typeface="+mn-ea"/>
+                <a:cs typeface="+mn-cs"/>
+              </a:defRPr>
+            </a:lvl6pPr>
+            <a:lvl7pPr marL="2971800" indent="-228600" algn="l" defTabSz="914400" rtl="0" eaLnBrk="1" latinLnBrk="0" hangingPunct="1">
+              <a:lnSpc>
+                <a:spcPct val="90000"/>
+              </a:lnSpc>
+              <a:spcBef>
+                <a:spcPts val="500"/>
+              </a:spcBef>
+              <a:buFont typeface="Arial"/>
+              <a:buChar char="•"/>
+              <a:defRPr sz="1800" kern="1200">
+                <a:solidFill>
+                  <a:schemeClr val="tx1"/>
+                </a:solidFill>
+                <a:latin typeface="+mn-lt"/>
+                <a:ea typeface="+mn-ea"/>
+                <a:cs typeface="+mn-cs"/>
+              </a:defRPr>
+            </a:lvl7pPr>
+            <a:lvl8pPr marL="3429000" indent="-228600" algn="l" defTabSz="914400" rtl="0" eaLnBrk="1" latinLnBrk="0" hangingPunct="1">
+              <a:lnSpc>
+                <a:spcPct val="90000"/>
+              </a:lnSpc>
+              <a:spcBef>
+                <a:spcPts val="500"/>
+              </a:spcBef>
+              <a:buFont typeface="Arial"/>
+              <a:buChar char="•"/>
+              <a:defRPr sz="1800" kern="1200">
+                <a:solidFill>
+                  <a:schemeClr val="tx1"/>
+                </a:solidFill>
+                <a:latin typeface="+mn-lt"/>
+                <a:ea typeface="+mn-ea"/>
+                <a:cs typeface="+mn-cs"/>
+              </a:defRPr>
+            </a:lvl8pPr>
+            <a:lvl9pPr marL="3886200" indent="-228600" algn="l" defTabSz="914400" rtl="0" eaLnBrk="1" latinLnBrk="0" hangingPunct="1">
+              <a:lnSpc>
+                <a:spcPct val="90000"/>
+              </a:lnSpc>
+              <a:spcBef>
+                <a:spcPts val="500"/>
+              </a:spcBef>
+              <a:buFont typeface="Arial"/>
+              <a:buChar char="•"/>
+              <a:defRPr sz="1800" kern="1200">
+                <a:solidFill>
+                  <a:schemeClr val="tx1"/>
+                </a:solidFill>
+                <a:latin typeface="+mn-lt"/>
+                <a:ea typeface="+mn-ea"/>
+                <a:cs typeface="+mn-cs"/>
+              </a:defRPr>
+            </a:lvl9pPr>
+          </a:lstStyle>
+          <a:p>
+            <a:r>
+              <a:rPr lang="en-US" sz="1400" dirty="0"/>
+              <a:t>search-engine-optimization-blog.github.io</a:t>
+            </a:r>
+          </a:p>
+          <a:p>
+            <a:r>
+              <a:rPr lang="en-US" sz="1400" dirty="0"/>
+              <a:t>data-science-blog.github.io</a:t>
+            </a:r>
+          </a:p>
+          <a:p>
+            <a:r>
+              <a:rPr lang="en-US" sz="1400" dirty="0"/>
+              <a:t>python-software.github.io</a:t>
+            </a:r>
+          </a:p>
+          <a:p>
+            <a:endParaRPr lang="en-US" sz="1400" dirty="0"/>
+          </a:p>
+          <a:p>
+            <a:endParaRPr lang="en-US" dirty="0"/>
+          </a:p>
+        </p:txBody>
+      </p:sp>
+    </p:spTree>
+    <p:extLst>
+      <p:ext uri="{BB962C8B-B14F-4D97-AF65-F5344CB8AC3E}">
+        <p14:creationId xmlns:p14="http://schemas.microsoft.com/office/powerpoint/2010/main" val="3050042611"/>
+      </p:ext>
+    </p:extLst>
+  </p:cSld>
+  <p:clrMapOvr>
+    <a:masterClrMapping/>
+  </p:clrMapOvr>
+</p:sld>
+</file>
+
+<file path=ppt/slides/slide19.xml><?xml version="1.0" encoding="utf-8"?>
+<p:sld xmlns:a="http://schemas.openxmlformats.org/drawingml/2006/main" xmlns:r="http://schemas.openxmlformats.org/officeDocument/2006/relationships" xmlns:p="http://schemas.openxmlformats.org/presentationml/2006/main">
+  <p:cSld>
+    <p:spTree>
+      <p:nvGrpSpPr>
+        <p:cNvPr id="1" name=""/>
+        <p:cNvGrpSpPr/>
+        <p:nvPr/>
+      </p:nvGrpSpPr>
+      <p:grpSpPr>
+        <a:xfrm>
+          <a:off x="0" y="0"/>
+          <a:ext cx="0" cy="0"/>
+          <a:chOff x="0" y="0"/>
+          <a:chExt cx="0" cy="0"/>
+        </a:xfrm>
+      </p:grpSpPr>
+      <p:sp>
+        <p:nvSpPr>
+          <p:cNvPr id="15" name="Title 14">
+            <a:extLst>
+              <a:ext uri="{FF2B5EF4-FFF2-40B4-BE49-F238E27FC236}">
+                <a16:creationId xmlns:a16="http://schemas.microsoft.com/office/drawing/2014/main" id="{E6083260-028C-6C46-8C39-327564784B76}"/>
+              </a:ext>
+            </a:extLst>
+          </p:cNvPr>
+          <p:cNvSpPr>
+            <a:spLocks noGrp="1"/>
+          </p:cNvSpPr>
+          <p:nvPr>
+            <p:ph type="title"/>
+          </p:nvPr>
+        </p:nvSpPr>
+        <p:spPr>
+          <a:xfrm>
+            <a:off x="0" y="4554355"/>
+            <a:ext cx="11630345" cy="621194"/>
+          </a:xfrm>
+        </p:spPr>
+        <p:txBody>
+          <a:bodyPr/>
+          <a:lstStyle/>
+          <a:p>
+            <a:r>
+              <a:rPr lang="en-US" dirty="0"/>
+              <a:t>PBN Maker 3000</a:t>
+            </a:r>
+          </a:p>
+        </p:txBody>
+      </p:sp>
+      <p:pic>
+        <p:nvPicPr>
+          <p:cNvPr id="5" name="Picture 4">
+            <a:extLst>
+              <a:ext uri="{FF2B5EF4-FFF2-40B4-BE49-F238E27FC236}">
+                <a16:creationId xmlns:a16="http://schemas.microsoft.com/office/drawing/2014/main" id="{865C8FC8-882F-4252-B38C-BFBC56E8C007}"/>
+              </a:ext>
+            </a:extLst>
+          </p:cNvPr>
+          <p:cNvPicPr>
+            <a:picLocks noChangeAspect="1"/>
+          </p:cNvPicPr>
+          <p:nvPr/>
+        </p:nvPicPr>
+        <p:blipFill>
+          <a:blip r:embed="rId2"/>
+          <a:stretch>
+            <a:fillRect/>
+          </a:stretch>
+        </p:blipFill>
+        <p:spPr>
+          <a:xfrm>
+            <a:off x="2239313" y="184597"/>
+            <a:ext cx="7457143" cy="4238095"/>
+          </a:xfrm>
+          <a:prstGeom prst="rect">
+            <a:avLst/>
+          </a:prstGeom>
+        </p:spPr>
+      </p:pic>
+    </p:spTree>
+    <p:extLst>
+      <p:ext uri="{BB962C8B-B14F-4D97-AF65-F5344CB8AC3E}">
+        <p14:creationId xmlns:p14="http://schemas.microsoft.com/office/powerpoint/2010/main" val="1357545055"/>
       </p:ext>
     </p:extLst>
   </p:cSld>
@@ -6495,6 +6788,1294 @@
 </p:sld>
 </file>
 
+<file path=ppt/slides/slide20.xml><?xml version="1.0" encoding="utf-8"?>
+<p:sld xmlns:a="http://schemas.openxmlformats.org/drawingml/2006/main" xmlns:r="http://schemas.openxmlformats.org/officeDocument/2006/relationships" xmlns:p="http://schemas.openxmlformats.org/presentationml/2006/main">
+  <p:cSld>
+    <p:spTree>
+      <p:nvGrpSpPr>
+        <p:cNvPr id="1" name=""/>
+        <p:cNvGrpSpPr/>
+        <p:nvPr/>
+      </p:nvGrpSpPr>
+      <p:grpSpPr>
+        <a:xfrm>
+          <a:off x="0" y="0"/>
+          <a:ext cx="0" cy="0"/>
+          <a:chOff x="0" y="0"/>
+          <a:chExt cx="0" cy="0"/>
+        </a:xfrm>
+      </p:grpSpPr>
+      <p:pic>
+        <p:nvPicPr>
+          <p:cNvPr id="2" name="Picture 1">
+            <a:extLst>
+              <a:ext uri="{FF2B5EF4-FFF2-40B4-BE49-F238E27FC236}">
+                <a16:creationId xmlns:a16="http://schemas.microsoft.com/office/drawing/2014/main" id="{6F3FA971-1DDE-4DEB-970D-D04DC346D597}"/>
+              </a:ext>
+            </a:extLst>
+          </p:cNvPr>
+          <p:cNvPicPr>
+            <a:picLocks noChangeAspect="1"/>
+          </p:cNvPicPr>
+          <p:nvPr/>
+        </p:nvPicPr>
+        <p:blipFill>
+          <a:blip r:embed="rId2"/>
+          <a:stretch>
+            <a:fillRect/>
+          </a:stretch>
+        </p:blipFill>
+        <p:spPr>
+          <a:xfrm>
+            <a:off x="1904270" y="0"/>
+            <a:ext cx="8216273" cy="5879411"/>
+          </a:xfrm>
+          <a:prstGeom prst="rect">
+            <a:avLst/>
+          </a:prstGeom>
+        </p:spPr>
+      </p:pic>
+      <p:sp>
+        <p:nvSpPr>
+          <p:cNvPr id="15" name="Title 14">
+            <a:extLst>
+              <a:ext uri="{FF2B5EF4-FFF2-40B4-BE49-F238E27FC236}">
+                <a16:creationId xmlns:a16="http://schemas.microsoft.com/office/drawing/2014/main" id="{E6083260-028C-6C46-8C39-327564784B76}"/>
+              </a:ext>
+            </a:extLst>
+          </p:cNvPr>
+          <p:cNvSpPr>
+            <a:spLocks noGrp="1"/>
+          </p:cNvSpPr>
+          <p:nvPr>
+            <p:ph type="title"/>
+          </p:nvPr>
+        </p:nvSpPr>
+        <p:spPr>
+          <a:xfrm>
+            <a:off x="0" y="4554355"/>
+            <a:ext cx="11630345" cy="621194"/>
+          </a:xfrm>
+        </p:spPr>
+        <p:txBody>
+          <a:bodyPr/>
+          <a:lstStyle/>
+          <a:p>
+            <a:r>
+              <a:rPr lang="en-US" dirty="0"/>
+              <a:t>PBN Maker 3000</a:t>
+            </a:r>
+          </a:p>
+        </p:txBody>
+      </p:sp>
+    </p:spTree>
+    <p:extLst>
+      <p:ext uri="{BB962C8B-B14F-4D97-AF65-F5344CB8AC3E}">
+        <p14:creationId xmlns:p14="http://schemas.microsoft.com/office/powerpoint/2010/main" val="2782578"/>
+      </p:ext>
+    </p:extLst>
+  </p:cSld>
+  <p:clrMapOvr>
+    <a:masterClrMapping/>
+  </p:clrMapOvr>
+</p:sld>
+</file>
+
+<file path=ppt/slides/slide21.xml><?xml version="1.0" encoding="utf-8"?>
+<p:sld xmlns:a="http://schemas.openxmlformats.org/drawingml/2006/main" xmlns:r="http://schemas.openxmlformats.org/officeDocument/2006/relationships" xmlns:p="http://schemas.openxmlformats.org/presentationml/2006/main">
+  <p:cSld>
+    <p:spTree>
+      <p:nvGrpSpPr>
+        <p:cNvPr id="1" name=""/>
+        <p:cNvGrpSpPr/>
+        <p:nvPr/>
+      </p:nvGrpSpPr>
+      <p:grpSpPr>
+        <a:xfrm>
+          <a:off x="0" y="0"/>
+          <a:ext cx="0" cy="0"/>
+          <a:chOff x="0" y="0"/>
+          <a:chExt cx="0" cy="0"/>
+        </a:xfrm>
+      </p:grpSpPr>
+      <p:sp>
+        <p:nvSpPr>
+          <p:cNvPr id="2" name="Title 1">
+            <a:extLst>
+              <a:ext uri="{FF2B5EF4-FFF2-40B4-BE49-F238E27FC236}">
+                <a16:creationId xmlns:a16="http://schemas.microsoft.com/office/drawing/2014/main" id="{07490423-E2BB-E44F-9A05-8062C9DB578F}"/>
+              </a:ext>
+            </a:extLst>
+          </p:cNvPr>
+          <p:cNvSpPr>
+            <a:spLocks noGrp="1"/>
+          </p:cNvSpPr>
+          <p:nvPr>
+            <p:ph type="title"/>
+          </p:nvPr>
+        </p:nvSpPr>
+        <p:spPr/>
+        <p:txBody>
+          <a:bodyPr lIns="457200"/>
+          <a:lstStyle/>
+          <a:p>
+            <a:r>
+              <a:rPr lang="en-US" dirty="0"/>
+              <a:t>Building a Crawler and Renderer</a:t>
+            </a:r>
+            <a:br>
+              <a:rPr lang="en-US" dirty="0"/>
+            </a:br>
+            <a:br>
+              <a:rPr lang="en-US" dirty="0">
+                <a:solidFill>
+                  <a:schemeClr val="accent6"/>
+                </a:solidFill>
+              </a:rPr>
+            </a:br>
+            <a:endParaRPr lang="en-US" dirty="0">
+              <a:solidFill>
+                <a:schemeClr val="accent6"/>
+              </a:solidFill>
+            </a:endParaRPr>
+          </a:p>
+        </p:txBody>
+      </p:sp>
+    </p:spTree>
+    <p:extLst>
+      <p:ext uri="{BB962C8B-B14F-4D97-AF65-F5344CB8AC3E}">
+        <p14:creationId xmlns:p14="http://schemas.microsoft.com/office/powerpoint/2010/main" val="99237268"/>
+      </p:ext>
+    </p:extLst>
+  </p:cSld>
+  <p:clrMapOvr>
+    <a:masterClrMapping/>
+  </p:clrMapOvr>
+</p:sld>
+</file>
+
+<file path=ppt/slides/slide22.xml><?xml version="1.0" encoding="utf-8"?>
+<p:sld xmlns:a="http://schemas.openxmlformats.org/drawingml/2006/main" xmlns:r="http://schemas.openxmlformats.org/officeDocument/2006/relationships" xmlns:p="http://schemas.openxmlformats.org/presentationml/2006/main">
+  <p:cSld>
+    <p:spTree>
+      <p:nvGrpSpPr>
+        <p:cNvPr id="1" name=""/>
+        <p:cNvGrpSpPr/>
+        <p:nvPr/>
+      </p:nvGrpSpPr>
+      <p:grpSpPr>
+        <a:xfrm>
+          <a:off x="0" y="0"/>
+          <a:ext cx="0" cy="0"/>
+          <a:chOff x="0" y="0"/>
+          <a:chExt cx="0" cy="0"/>
+        </a:xfrm>
+      </p:grpSpPr>
+      <p:sp>
+        <p:nvSpPr>
+          <p:cNvPr id="3" name="Title 2">
+            <a:extLst>
+              <a:ext uri="{FF2B5EF4-FFF2-40B4-BE49-F238E27FC236}">
+                <a16:creationId xmlns:a16="http://schemas.microsoft.com/office/drawing/2014/main" id="{32C5C36C-7AE5-A74F-B18E-A9BFB3A3ED37}"/>
+              </a:ext>
+            </a:extLst>
+          </p:cNvPr>
+          <p:cNvSpPr>
+            <a:spLocks noGrp="1"/>
+          </p:cNvSpPr>
+          <p:nvPr>
+            <p:ph type="title"/>
+          </p:nvPr>
+        </p:nvSpPr>
+        <p:spPr/>
+        <p:txBody>
+          <a:bodyPr/>
+          <a:lstStyle/>
+          <a:p>
+            <a:r>
+              <a:rPr lang="en-US" dirty="0"/>
+              <a:t>Step One</a:t>
+            </a:r>
+          </a:p>
+        </p:txBody>
+      </p:sp>
+      <p:sp>
+        <p:nvSpPr>
+          <p:cNvPr id="4" name="Text Placeholder 3">
+            <a:extLst>
+              <a:ext uri="{FF2B5EF4-FFF2-40B4-BE49-F238E27FC236}">
+                <a16:creationId xmlns:a16="http://schemas.microsoft.com/office/drawing/2014/main" id="{BB1962E3-1688-2247-B12B-26C9BDFEB7B2}"/>
+              </a:ext>
+            </a:extLst>
+          </p:cNvPr>
+          <p:cNvSpPr>
+            <a:spLocks noGrp="1"/>
+          </p:cNvSpPr>
+          <p:nvPr>
+            <p:ph type="body" sz="quarter" idx="13"/>
+          </p:nvPr>
+        </p:nvSpPr>
+        <p:spPr>
+          <a:xfrm>
+            <a:off x="340206" y="1285875"/>
+            <a:ext cx="4089752" cy="3732213"/>
+          </a:xfrm>
+        </p:spPr>
+        <p:txBody>
+          <a:bodyPr/>
+          <a:lstStyle/>
+          <a:p>
+            <a:pPr marL="0" indent="0">
+              <a:buNone/>
+            </a:pPr>
+            <a:r>
+              <a:rPr lang="en-US" dirty="0"/>
+              <a:t>I have no idea how to start. So let’s do some research.</a:t>
+            </a:r>
+          </a:p>
+          <a:p>
+            <a:pPr marL="0" indent="0">
+              <a:buNone/>
+            </a:pPr>
+            <a:endParaRPr lang="en-US" dirty="0"/>
+          </a:p>
+          <a:p>
+            <a:pPr marL="0" indent="0">
+              <a:buNone/>
+            </a:pPr>
+            <a:r>
+              <a:rPr lang="en-US" dirty="0"/>
+              <a:t>I &lt;3 </a:t>
+            </a:r>
+            <a:r>
+              <a:rPr lang="en-US" dirty="0" err="1"/>
+              <a:t>Github</a:t>
+            </a:r>
+            <a:endParaRPr lang="en-US" dirty="0"/>
+          </a:p>
+        </p:txBody>
+      </p:sp>
+      <p:pic>
+        <p:nvPicPr>
+          <p:cNvPr id="5" name="Picture 4">
+            <a:extLst>
+              <a:ext uri="{FF2B5EF4-FFF2-40B4-BE49-F238E27FC236}">
+                <a16:creationId xmlns:a16="http://schemas.microsoft.com/office/drawing/2014/main" id="{4A3D6203-4D96-4AA4-8839-EBF209741D1A}"/>
+              </a:ext>
+            </a:extLst>
+          </p:cNvPr>
+          <p:cNvPicPr>
+            <a:picLocks noChangeAspect="1"/>
+          </p:cNvPicPr>
+          <p:nvPr/>
+        </p:nvPicPr>
+        <p:blipFill>
+          <a:blip r:embed="rId2"/>
+          <a:stretch>
+            <a:fillRect/>
+          </a:stretch>
+        </p:blipFill>
+        <p:spPr>
+          <a:xfrm>
+            <a:off x="4699414" y="1081712"/>
+            <a:ext cx="7152381" cy="3000000"/>
+          </a:xfrm>
+          <a:prstGeom prst="rect">
+            <a:avLst/>
+          </a:prstGeom>
+        </p:spPr>
+      </p:pic>
+    </p:spTree>
+    <p:extLst>
+      <p:ext uri="{BB962C8B-B14F-4D97-AF65-F5344CB8AC3E}">
+        <p14:creationId xmlns:p14="http://schemas.microsoft.com/office/powerpoint/2010/main" val="4154147036"/>
+      </p:ext>
+    </p:extLst>
+  </p:cSld>
+  <p:clrMapOvr>
+    <a:masterClrMapping/>
+  </p:clrMapOvr>
+</p:sld>
+</file>
+
+<file path=ppt/slides/slide23.xml><?xml version="1.0" encoding="utf-8"?>
+<p:sld xmlns:a="http://schemas.openxmlformats.org/drawingml/2006/main" xmlns:r="http://schemas.openxmlformats.org/officeDocument/2006/relationships" xmlns:p="http://schemas.openxmlformats.org/presentationml/2006/main">
+  <p:cSld>
+    <p:spTree>
+      <p:nvGrpSpPr>
+        <p:cNvPr id="1" name=""/>
+        <p:cNvGrpSpPr/>
+        <p:nvPr/>
+      </p:nvGrpSpPr>
+      <p:grpSpPr>
+        <a:xfrm>
+          <a:off x="0" y="0"/>
+          <a:ext cx="0" cy="0"/>
+          <a:chOff x="0" y="0"/>
+          <a:chExt cx="0" cy="0"/>
+        </a:xfrm>
+      </p:grpSpPr>
+      <p:sp>
+        <p:nvSpPr>
+          <p:cNvPr id="3" name="Title 2">
+            <a:extLst>
+              <a:ext uri="{FF2B5EF4-FFF2-40B4-BE49-F238E27FC236}">
+                <a16:creationId xmlns:a16="http://schemas.microsoft.com/office/drawing/2014/main" id="{32C5C36C-7AE5-A74F-B18E-A9BFB3A3ED37}"/>
+              </a:ext>
+            </a:extLst>
+          </p:cNvPr>
+          <p:cNvSpPr>
+            <a:spLocks noGrp="1"/>
+          </p:cNvSpPr>
+          <p:nvPr>
+            <p:ph type="title"/>
+          </p:nvPr>
+        </p:nvSpPr>
+        <p:spPr/>
+        <p:txBody>
+          <a:bodyPr/>
+          <a:lstStyle/>
+          <a:p>
+            <a:r>
+              <a:rPr lang="en-US" dirty="0"/>
+              <a:t>Step Two</a:t>
+            </a:r>
+          </a:p>
+        </p:txBody>
+      </p:sp>
+      <p:sp>
+        <p:nvSpPr>
+          <p:cNvPr id="4" name="Text Placeholder 3">
+            <a:extLst>
+              <a:ext uri="{FF2B5EF4-FFF2-40B4-BE49-F238E27FC236}">
+                <a16:creationId xmlns:a16="http://schemas.microsoft.com/office/drawing/2014/main" id="{BB1962E3-1688-2247-B12B-26C9BDFEB7B2}"/>
+              </a:ext>
+            </a:extLst>
+          </p:cNvPr>
+          <p:cNvSpPr>
+            <a:spLocks noGrp="1"/>
+          </p:cNvSpPr>
+          <p:nvPr>
+            <p:ph type="body" sz="quarter" idx="13"/>
+          </p:nvPr>
+        </p:nvSpPr>
+        <p:spPr>
+          <a:xfrm>
+            <a:off x="340206" y="1285875"/>
+            <a:ext cx="4089752" cy="3732213"/>
+          </a:xfrm>
+        </p:spPr>
+        <p:txBody>
+          <a:bodyPr/>
+          <a:lstStyle/>
+          <a:p>
+            <a:pPr marL="0" indent="0">
+              <a:buNone/>
+            </a:pPr>
+            <a:r>
+              <a:rPr lang="en-US" dirty="0"/>
+              <a:t>I don’t want to reinvent the wheel, so let’s see what is already out there that I can use.</a:t>
+            </a:r>
+          </a:p>
+        </p:txBody>
+      </p:sp>
+      <p:pic>
+        <p:nvPicPr>
+          <p:cNvPr id="2" name="Picture 1">
+            <a:extLst>
+              <a:ext uri="{FF2B5EF4-FFF2-40B4-BE49-F238E27FC236}">
+                <a16:creationId xmlns:a16="http://schemas.microsoft.com/office/drawing/2014/main" id="{1BD49BAE-EDCC-4387-9C7E-1FC82DFFCECF}"/>
+              </a:ext>
+            </a:extLst>
+          </p:cNvPr>
+          <p:cNvPicPr>
+            <a:picLocks noChangeAspect="1"/>
+          </p:cNvPicPr>
+          <p:nvPr/>
+        </p:nvPicPr>
+        <p:blipFill>
+          <a:blip r:embed="rId2"/>
+          <a:stretch>
+            <a:fillRect/>
+          </a:stretch>
+        </p:blipFill>
+        <p:spPr>
+          <a:xfrm>
+            <a:off x="4525995" y="251952"/>
+            <a:ext cx="7419048" cy="5200000"/>
+          </a:xfrm>
+          <a:prstGeom prst="rect">
+            <a:avLst/>
+          </a:prstGeom>
+        </p:spPr>
+      </p:pic>
+    </p:spTree>
+    <p:extLst>
+      <p:ext uri="{BB962C8B-B14F-4D97-AF65-F5344CB8AC3E}">
+        <p14:creationId xmlns:p14="http://schemas.microsoft.com/office/powerpoint/2010/main" val="3464679991"/>
+      </p:ext>
+    </p:extLst>
+  </p:cSld>
+  <p:clrMapOvr>
+    <a:masterClrMapping/>
+  </p:clrMapOvr>
+</p:sld>
+</file>
+
+<file path=ppt/slides/slide24.xml><?xml version="1.0" encoding="utf-8"?>
+<p:sld xmlns:a="http://schemas.openxmlformats.org/drawingml/2006/main" xmlns:r="http://schemas.openxmlformats.org/officeDocument/2006/relationships" xmlns:p="http://schemas.openxmlformats.org/presentationml/2006/main">
+  <p:cSld>
+    <p:spTree>
+      <p:nvGrpSpPr>
+        <p:cNvPr id="1" name=""/>
+        <p:cNvGrpSpPr/>
+        <p:nvPr/>
+      </p:nvGrpSpPr>
+      <p:grpSpPr>
+        <a:xfrm>
+          <a:off x="0" y="0"/>
+          <a:ext cx="0" cy="0"/>
+          <a:chOff x="0" y="0"/>
+          <a:chExt cx="0" cy="0"/>
+        </a:xfrm>
+      </p:grpSpPr>
+      <p:sp>
+        <p:nvSpPr>
+          <p:cNvPr id="3" name="Title 2">
+            <a:extLst>
+              <a:ext uri="{FF2B5EF4-FFF2-40B4-BE49-F238E27FC236}">
+                <a16:creationId xmlns:a16="http://schemas.microsoft.com/office/drawing/2014/main" id="{32C5C36C-7AE5-A74F-B18E-A9BFB3A3ED37}"/>
+              </a:ext>
+            </a:extLst>
+          </p:cNvPr>
+          <p:cNvSpPr>
+            <a:spLocks noGrp="1"/>
+          </p:cNvSpPr>
+          <p:nvPr>
+            <p:ph type="title"/>
+          </p:nvPr>
+        </p:nvSpPr>
+        <p:spPr/>
+        <p:txBody>
+          <a:bodyPr/>
+          <a:lstStyle/>
+          <a:p>
+            <a:r>
+              <a:rPr lang="en-US" dirty="0"/>
+              <a:t>Step Three</a:t>
+            </a:r>
+          </a:p>
+        </p:txBody>
+      </p:sp>
+      <p:sp>
+        <p:nvSpPr>
+          <p:cNvPr id="4" name="Text Placeholder 3">
+            <a:extLst>
+              <a:ext uri="{FF2B5EF4-FFF2-40B4-BE49-F238E27FC236}">
+                <a16:creationId xmlns:a16="http://schemas.microsoft.com/office/drawing/2014/main" id="{BB1962E3-1688-2247-B12B-26C9BDFEB7B2}"/>
+              </a:ext>
+            </a:extLst>
+          </p:cNvPr>
+          <p:cNvSpPr>
+            <a:spLocks noGrp="1"/>
+          </p:cNvSpPr>
+          <p:nvPr>
+            <p:ph type="body" sz="quarter" idx="13"/>
+          </p:nvPr>
+        </p:nvSpPr>
+        <p:spPr>
+          <a:xfrm>
+            <a:off x="340206" y="1285875"/>
+            <a:ext cx="4089752" cy="3732213"/>
+          </a:xfrm>
+        </p:spPr>
+        <p:txBody>
+          <a:bodyPr/>
+          <a:lstStyle/>
+          <a:p>
+            <a:pPr marL="0" indent="0">
+              <a:buNone/>
+            </a:pPr>
+            <a:r>
+              <a:rPr lang="en-US" dirty="0"/>
+              <a:t>A lot of coffee</a:t>
+            </a:r>
+          </a:p>
+          <a:p>
+            <a:pPr marL="0" indent="0">
+              <a:buNone/>
+            </a:pPr>
+            <a:endParaRPr lang="en-US" dirty="0"/>
+          </a:p>
+          <a:p>
+            <a:pPr marL="0" indent="0">
+              <a:buNone/>
+            </a:pPr>
+            <a:r>
+              <a:rPr lang="en-US" dirty="0"/>
+              <a:t>… and some beer.</a:t>
+            </a:r>
+          </a:p>
+        </p:txBody>
+      </p:sp>
+      <p:pic>
+        <p:nvPicPr>
+          <p:cNvPr id="5" name="Picture 4">
+            <a:extLst>
+              <a:ext uri="{FF2B5EF4-FFF2-40B4-BE49-F238E27FC236}">
+                <a16:creationId xmlns:a16="http://schemas.microsoft.com/office/drawing/2014/main" id="{937327AA-2FEB-4E3D-A3AE-DBB9E72871CE}"/>
+              </a:ext>
+            </a:extLst>
+          </p:cNvPr>
+          <p:cNvPicPr>
+            <a:picLocks noChangeAspect="1"/>
+          </p:cNvPicPr>
+          <p:nvPr/>
+        </p:nvPicPr>
+        <p:blipFill>
+          <a:blip r:embed="rId2"/>
+          <a:stretch>
+            <a:fillRect/>
+          </a:stretch>
+        </p:blipFill>
+        <p:spPr>
+          <a:xfrm>
+            <a:off x="6072275" y="0"/>
+            <a:ext cx="6119725" cy="5877017"/>
+          </a:xfrm>
+          <a:prstGeom prst="rect">
+            <a:avLst/>
+          </a:prstGeom>
+        </p:spPr>
+      </p:pic>
+    </p:spTree>
+    <p:extLst>
+      <p:ext uri="{BB962C8B-B14F-4D97-AF65-F5344CB8AC3E}">
+        <p14:creationId xmlns:p14="http://schemas.microsoft.com/office/powerpoint/2010/main" val="3092096567"/>
+      </p:ext>
+    </p:extLst>
+  </p:cSld>
+  <p:clrMapOvr>
+    <a:masterClrMapping/>
+  </p:clrMapOvr>
+</p:sld>
+</file>
+
+<file path=ppt/slides/slide25.xml><?xml version="1.0" encoding="utf-8"?>
+<p:sld xmlns:a="http://schemas.openxmlformats.org/drawingml/2006/main" xmlns:r="http://schemas.openxmlformats.org/officeDocument/2006/relationships" xmlns:p="http://schemas.openxmlformats.org/presentationml/2006/main">
+  <p:cSld>
+    <p:spTree>
+      <p:nvGrpSpPr>
+        <p:cNvPr id="1" name=""/>
+        <p:cNvGrpSpPr/>
+        <p:nvPr/>
+      </p:nvGrpSpPr>
+      <p:grpSpPr>
+        <a:xfrm>
+          <a:off x="0" y="0"/>
+          <a:ext cx="0" cy="0"/>
+          <a:chOff x="0" y="0"/>
+          <a:chExt cx="0" cy="0"/>
+        </a:xfrm>
+      </p:grpSpPr>
+      <p:sp>
+        <p:nvSpPr>
+          <p:cNvPr id="3" name="Title 2">
+            <a:extLst>
+              <a:ext uri="{FF2B5EF4-FFF2-40B4-BE49-F238E27FC236}">
+                <a16:creationId xmlns:a16="http://schemas.microsoft.com/office/drawing/2014/main" id="{32C5C36C-7AE5-A74F-B18E-A9BFB3A3ED37}"/>
+              </a:ext>
+            </a:extLst>
+          </p:cNvPr>
+          <p:cNvSpPr>
+            <a:spLocks noGrp="1"/>
+          </p:cNvSpPr>
+          <p:nvPr>
+            <p:ph type="title"/>
+          </p:nvPr>
+        </p:nvSpPr>
+        <p:spPr/>
+        <p:txBody>
+          <a:bodyPr/>
+          <a:lstStyle/>
+          <a:p>
+            <a:r>
+              <a:rPr lang="en-US" dirty="0"/>
+              <a:t>A little help along the way</a:t>
+            </a:r>
+          </a:p>
+        </p:txBody>
+      </p:sp>
+      <p:sp>
+        <p:nvSpPr>
+          <p:cNvPr id="4" name="Text Placeholder 3">
+            <a:extLst>
+              <a:ext uri="{FF2B5EF4-FFF2-40B4-BE49-F238E27FC236}">
+                <a16:creationId xmlns:a16="http://schemas.microsoft.com/office/drawing/2014/main" id="{BB1962E3-1688-2247-B12B-26C9BDFEB7B2}"/>
+              </a:ext>
+            </a:extLst>
+          </p:cNvPr>
+          <p:cNvSpPr>
+            <a:spLocks noGrp="1"/>
+          </p:cNvSpPr>
+          <p:nvPr>
+            <p:ph type="body" sz="quarter" idx="13"/>
+          </p:nvPr>
+        </p:nvSpPr>
+        <p:spPr>
+          <a:xfrm>
+            <a:off x="340206" y="1285875"/>
+            <a:ext cx="4089752" cy="3732213"/>
+          </a:xfrm>
+        </p:spPr>
+        <p:txBody>
+          <a:bodyPr/>
+          <a:lstStyle/>
+          <a:p>
+            <a:pPr marL="0" indent="0">
+              <a:buNone/>
+            </a:pPr>
+            <a:r>
+              <a:rPr lang="en-US" b="1" dirty="0" err="1"/>
+              <a:t>Streamlit</a:t>
+            </a:r>
+            <a:r>
+              <a:rPr lang="en-US" dirty="0"/>
+              <a:t> is the first app framework specifically for Machine Learning and Data Science teams. </a:t>
+            </a:r>
+            <a:br>
+              <a:rPr lang="en-US" dirty="0"/>
+            </a:br>
+            <a:r>
+              <a:rPr lang="en-US" dirty="0"/>
+              <a:t>So you can stop spending time on frontend development and get back to what you do best. </a:t>
+            </a:r>
+          </a:p>
+        </p:txBody>
+      </p:sp>
+      <p:pic>
+        <p:nvPicPr>
+          <p:cNvPr id="5" name="Picture 4">
+            <a:extLst>
+              <a:ext uri="{FF2B5EF4-FFF2-40B4-BE49-F238E27FC236}">
+                <a16:creationId xmlns:a16="http://schemas.microsoft.com/office/drawing/2014/main" id="{5B70B37C-2A99-4751-B1AE-C851C1D543A3}"/>
+              </a:ext>
+            </a:extLst>
+          </p:cNvPr>
+          <p:cNvPicPr>
+            <a:picLocks noChangeAspect="1"/>
+          </p:cNvPicPr>
+          <p:nvPr/>
+        </p:nvPicPr>
+        <p:blipFill>
+          <a:blip r:embed="rId2"/>
+          <a:stretch>
+            <a:fillRect/>
+          </a:stretch>
+        </p:blipFill>
+        <p:spPr>
+          <a:xfrm>
+            <a:off x="5423223" y="1256183"/>
+            <a:ext cx="6428571" cy="3761905"/>
+          </a:xfrm>
+          <a:prstGeom prst="rect">
+            <a:avLst/>
+          </a:prstGeom>
+        </p:spPr>
+      </p:pic>
+    </p:spTree>
+    <p:extLst>
+      <p:ext uri="{BB962C8B-B14F-4D97-AF65-F5344CB8AC3E}">
+        <p14:creationId xmlns:p14="http://schemas.microsoft.com/office/powerpoint/2010/main" val="3849346527"/>
+      </p:ext>
+    </p:extLst>
+  </p:cSld>
+  <p:clrMapOvr>
+    <a:masterClrMapping/>
+  </p:clrMapOvr>
+</p:sld>
+</file>
+
+<file path=ppt/slides/slide26.xml><?xml version="1.0" encoding="utf-8"?>
+<p:sld xmlns:a="http://schemas.openxmlformats.org/drawingml/2006/main" xmlns:r="http://schemas.openxmlformats.org/officeDocument/2006/relationships" xmlns:p="http://schemas.openxmlformats.org/presentationml/2006/main">
+  <p:cSld>
+    <p:spTree>
+      <p:nvGrpSpPr>
+        <p:cNvPr id="1" name=""/>
+        <p:cNvGrpSpPr/>
+        <p:nvPr/>
+      </p:nvGrpSpPr>
+      <p:grpSpPr>
+        <a:xfrm>
+          <a:off x="0" y="0"/>
+          <a:ext cx="0" cy="0"/>
+          <a:chOff x="0" y="0"/>
+          <a:chExt cx="0" cy="0"/>
+        </a:xfrm>
+      </p:grpSpPr>
+      <p:sp>
+        <p:nvSpPr>
+          <p:cNvPr id="3" name="Title 2">
+            <a:extLst>
+              <a:ext uri="{FF2B5EF4-FFF2-40B4-BE49-F238E27FC236}">
+                <a16:creationId xmlns:a16="http://schemas.microsoft.com/office/drawing/2014/main" id="{32C5C36C-7AE5-A74F-B18E-A9BFB3A3ED37}"/>
+              </a:ext>
+            </a:extLst>
+          </p:cNvPr>
+          <p:cNvSpPr>
+            <a:spLocks noGrp="1"/>
+          </p:cNvSpPr>
+          <p:nvPr>
+            <p:ph type="title"/>
+          </p:nvPr>
+        </p:nvSpPr>
+        <p:spPr/>
+        <p:txBody>
+          <a:bodyPr/>
+          <a:lstStyle/>
+          <a:p>
+            <a:r>
+              <a:rPr lang="en-US" dirty="0"/>
+              <a:t>Criteria</a:t>
+            </a:r>
+          </a:p>
+        </p:txBody>
+      </p:sp>
+      <p:sp>
+        <p:nvSpPr>
+          <p:cNvPr id="4" name="Text Placeholder 3">
+            <a:extLst>
+              <a:ext uri="{FF2B5EF4-FFF2-40B4-BE49-F238E27FC236}">
+                <a16:creationId xmlns:a16="http://schemas.microsoft.com/office/drawing/2014/main" id="{BB1962E3-1688-2247-B12B-26C9BDFEB7B2}"/>
+              </a:ext>
+            </a:extLst>
+          </p:cNvPr>
+          <p:cNvSpPr>
+            <a:spLocks noGrp="1"/>
+          </p:cNvSpPr>
+          <p:nvPr>
+            <p:ph type="body" sz="quarter" idx="13"/>
+          </p:nvPr>
+        </p:nvSpPr>
+        <p:spPr>
+          <a:xfrm>
+            <a:off x="340205" y="1285875"/>
+            <a:ext cx="5316537" cy="4369201"/>
+          </a:xfrm>
+        </p:spPr>
+        <p:txBody>
+          <a:bodyPr/>
+          <a:lstStyle/>
+          <a:p>
+            <a:r>
+              <a:rPr lang="en-US" sz="1800" dirty="0"/>
+              <a:t>Use existing libraries where possible</a:t>
+            </a:r>
+          </a:p>
+          <a:p>
+            <a:r>
+              <a:rPr lang="en-US" sz="1800" dirty="0"/>
+              <a:t>Make it as simple and approachable as possible</a:t>
+            </a:r>
+          </a:p>
+          <a:p>
+            <a:r>
+              <a:rPr lang="en-US" sz="1800" dirty="0"/>
+              <a:t>Try to be true (as possible) to what is known that Google does</a:t>
+            </a:r>
+          </a:p>
+          <a:p>
+            <a:r>
+              <a:rPr lang="en-US" sz="1800" dirty="0"/>
+              <a:t>Process linearly.  No threading or extra services</a:t>
+            </a:r>
+          </a:p>
+          <a:p>
+            <a:r>
+              <a:rPr lang="en-US" sz="1800" dirty="0"/>
+              <a:t>Include unit testing</a:t>
+            </a:r>
+          </a:p>
+          <a:p>
+            <a:r>
+              <a:rPr lang="en-US" sz="1800" dirty="0"/>
+              <a:t>Include a </a:t>
+            </a:r>
+            <a:r>
+              <a:rPr lang="en-US" sz="1800" dirty="0" err="1"/>
+              <a:t>Jupyter</a:t>
+            </a:r>
+            <a:r>
+              <a:rPr lang="en-US" sz="1800" dirty="0"/>
+              <a:t> Notebook</a:t>
+            </a:r>
+          </a:p>
+          <a:p>
+            <a:r>
+              <a:rPr lang="en-US" sz="1800" dirty="0"/>
+              <a:t>Include READMEs</a:t>
+            </a:r>
+          </a:p>
+          <a:p>
+            <a:r>
+              <a:rPr lang="en-US" sz="1800" dirty="0"/>
+              <a:t>Include a simple indexer and search apparatus to play with results (Thanks John M.!)</a:t>
+            </a:r>
+          </a:p>
+          <a:p>
+            <a:endParaRPr lang="en-US" dirty="0"/>
+          </a:p>
+          <a:p>
+            <a:endParaRPr lang="en-US" dirty="0"/>
+          </a:p>
+        </p:txBody>
+      </p:sp>
+      <p:pic>
+        <p:nvPicPr>
+          <p:cNvPr id="6" name="Picture 5">
+            <a:extLst>
+              <a:ext uri="{FF2B5EF4-FFF2-40B4-BE49-F238E27FC236}">
+                <a16:creationId xmlns:a16="http://schemas.microsoft.com/office/drawing/2014/main" id="{4CF1DB66-7062-4999-BAE3-AC09B12AF723}"/>
+              </a:ext>
+            </a:extLst>
+          </p:cNvPr>
+          <p:cNvPicPr>
+            <a:picLocks noChangeAspect="1"/>
+          </p:cNvPicPr>
+          <p:nvPr/>
+        </p:nvPicPr>
+        <p:blipFill>
+          <a:blip r:embed="rId2"/>
+          <a:stretch>
+            <a:fillRect/>
+          </a:stretch>
+        </p:blipFill>
+        <p:spPr>
+          <a:xfrm>
+            <a:off x="7425338" y="0"/>
+            <a:ext cx="4766662" cy="5868140"/>
+          </a:xfrm>
+          <a:prstGeom prst="rect">
+            <a:avLst/>
+          </a:prstGeom>
+        </p:spPr>
+      </p:pic>
+    </p:spTree>
+    <p:extLst>
+      <p:ext uri="{BB962C8B-B14F-4D97-AF65-F5344CB8AC3E}">
+        <p14:creationId xmlns:p14="http://schemas.microsoft.com/office/powerpoint/2010/main" val="2532720659"/>
+      </p:ext>
+    </p:extLst>
+  </p:cSld>
+  <p:clrMapOvr>
+    <a:masterClrMapping/>
+  </p:clrMapOvr>
+</p:sld>
+</file>
+
+<file path=ppt/slides/slide27.xml><?xml version="1.0" encoding="utf-8"?>
+<p:sld xmlns:a="http://schemas.openxmlformats.org/drawingml/2006/main" xmlns:r="http://schemas.openxmlformats.org/officeDocument/2006/relationships" xmlns:p="http://schemas.openxmlformats.org/presentationml/2006/main">
+  <p:cSld>
+    <p:spTree>
+      <p:nvGrpSpPr>
+        <p:cNvPr id="1" name=""/>
+        <p:cNvGrpSpPr/>
+        <p:nvPr/>
+      </p:nvGrpSpPr>
+      <p:grpSpPr>
+        <a:xfrm>
+          <a:off x="0" y="0"/>
+          <a:ext cx="0" cy="0"/>
+          <a:chOff x="0" y="0"/>
+          <a:chExt cx="0" cy="0"/>
+        </a:xfrm>
+      </p:grpSpPr>
+      <p:sp>
+        <p:nvSpPr>
+          <p:cNvPr id="3" name="Title 2">
+            <a:extLst>
+              <a:ext uri="{FF2B5EF4-FFF2-40B4-BE49-F238E27FC236}">
+                <a16:creationId xmlns:a16="http://schemas.microsoft.com/office/drawing/2014/main" id="{32C5C36C-7AE5-A74F-B18E-A9BFB3A3ED37}"/>
+              </a:ext>
+            </a:extLst>
+          </p:cNvPr>
+          <p:cNvSpPr>
+            <a:spLocks noGrp="1"/>
+          </p:cNvSpPr>
+          <p:nvPr>
+            <p:ph type="title"/>
+          </p:nvPr>
+        </p:nvSpPr>
+        <p:spPr/>
+        <p:txBody>
+          <a:bodyPr/>
+          <a:lstStyle/>
+          <a:p>
+            <a:r>
+              <a:rPr lang="en-US" dirty="0"/>
+              <a:t>Parts</a:t>
+            </a:r>
+          </a:p>
+        </p:txBody>
+      </p:sp>
+      <p:sp>
+        <p:nvSpPr>
+          <p:cNvPr id="4" name="Text Placeholder 3">
+            <a:extLst>
+              <a:ext uri="{FF2B5EF4-FFF2-40B4-BE49-F238E27FC236}">
+                <a16:creationId xmlns:a16="http://schemas.microsoft.com/office/drawing/2014/main" id="{BB1962E3-1688-2247-B12B-26C9BDFEB7B2}"/>
+              </a:ext>
+            </a:extLst>
+          </p:cNvPr>
+          <p:cNvSpPr>
+            <a:spLocks noGrp="1"/>
+          </p:cNvSpPr>
+          <p:nvPr>
+            <p:ph type="body" sz="quarter" idx="13"/>
+          </p:nvPr>
+        </p:nvSpPr>
+        <p:spPr>
+          <a:xfrm>
+            <a:off x="340205" y="1285875"/>
+            <a:ext cx="8774297" cy="4392254"/>
+          </a:xfrm>
+        </p:spPr>
+        <p:txBody>
+          <a:bodyPr/>
+          <a:lstStyle/>
+          <a:p>
+            <a:r>
+              <a:rPr lang="en-US" dirty="0"/>
+              <a:t>PageRank</a:t>
+            </a:r>
+          </a:p>
+          <a:p>
+            <a:r>
+              <a:rPr lang="en-US" dirty="0"/>
+              <a:t>Chrome Headless Rendering</a:t>
+            </a:r>
+          </a:p>
+          <a:p>
+            <a:r>
+              <a:rPr lang="en-US" dirty="0"/>
+              <a:t>Text NLP Normalization</a:t>
+            </a:r>
+          </a:p>
+          <a:p>
+            <a:r>
+              <a:rPr lang="en-US" dirty="0"/>
+              <a:t>Bert Embeddings</a:t>
+            </a:r>
+          </a:p>
+          <a:p>
+            <a:r>
+              <a:rPr lang="en-US" dirty="0"/>
+              <a:t>Robots</a:t>
+            </a:r>
+          </a:p>
+          <a:p>
+            <a:r>
+              <a:rPr lang="en-US" dirty="0"/>
+              <a:t>Duplicate Content Shingling</a:t>
+            </a:r>
+          </a:p>
+          <a:p>
+            <a:r>
+              <a:rPr lang="en-US" dirty="0"/>
+              <a:t>URL Hashing</a:t>
+            </a:r>
+          </a:p>
+          <a:p>
+            <a:r>
+              <a:rPr lang="en-US" dirty="0"/>
+              <a:t>Document Frequency Functions (BM25 and TFIDF)</a:t>
+            </a:r>
+          </a:p>
+        </p:txBody>
+      </p:sp>
+    </p:spTree>
+    <p:extLst>
+      <p:ext uri="{BB962C8B-B14F-4D97-AF65-F5344CB8AC3E}">
+        <p14:creationId xmlns:p14="http://schemas.microsoft.com/office/powerpoint/2010/main" val="662964765"/>
+      </p:ext>
+    </p:extLst>
+  </p:cSld>
+  <p:clrMapOvr>
+    <a:masterClrMapping/>
+  </p:clrMapOvr>
+</p:sld>
+</file>
+
+<file path=ppt/slides/slide28.xml><?xml version="1.0" encoding="utf-8"?>
+<p:sld xmlns:a="http://schemas.openxmlformats.org/drawingml/2006/main" xmlns:r="http://schemas.openxmlformats.org/officeDocument/2006/relationships" xmlns:p="http://schemas.openxmlformats.org/presentationml/2006/main">
+  <p:cSld>
+    <p:spTree>
+      <p:nvGrpSpPr>
+        <p:cNvPr id="1" name=""/>
+        <p:cNvGrpSpPr/>
+        <p:nvPr/>
+      </p:nvGrpSpPr>
+      <p:grpSpPr>
+        <a:xfrm>
+          <a:off x="0" y="0"/>
+          <a:ext cx="0" cy="0"/>
+          <a:chOff x="0" y="0"/>
+          <a:chExt cx="0" cy="0"/>
+        </a:xfrm>
+      </p:grpSpPr>
+      <p:sp>
+        <p:nvSpPr>
+          <p:cNvPr id="3" name="Title 2">
+            <a:extLst>
+              <a:ext uri="{FF2B5EF4-FFF2-40B4-BE49-F238E27FC236}">
+                <a16:creationId xmlns:a16="http://schemas.microsoft.com/office/drawing/2014/main" id="{32C5C36C-7AE5-A74F-B18E-A9BFB3A3ED37}"/>
+              </a:ext>
+            </a:extLst>
+          </p:cNvPr>
+          <p:cNvSpPr>
+            <a:spLocks noGrp="1"/>
+          </p:cNvSpPr>
+          <p:nvPr>
+            <p:ph type="title"/>
+          </p:nvPr>
+        </p:nvSpPr>
+        <p:spPr/>
+        <p:txBody>
+          <a:bodyPr/>
+          <a:lstStyle/>
+          <a:p>
+            <a:r>
+              <a:rPr lang="en-US" dirty="0"/>
+              <a:t>Learnings</a:t>
+            </a:r>
+          </a:p>
+        </p:txBody>
+      </p:sp>
+      <p:sp>
+        <p:nvSpPr>
+          <p:cNvPr id="4" name="Text Placeholder 3">
+            <a:extLst>
+              <a:ext uri="{FF2B5EF4-FFF2-40B4-BE49-F238E27FC236}">
+                <a16:creationId xmlns:a16="http://schemas.microsoft.com/office/drawing/2014/main" id="{BB1962E3-1688-2247-B12B-26C9BDFEB7B2}"/>
+              </a:ext>
+            </a:extLst>
+          </p:cNvPr>
+          <p:cNvSpPr>
+            <a:spLocks noGrp="1"/>
+          </p:cNvSpPr>
+          <p:nvPr>
+            <p:ph type="body" sz="quarter" idx="13"/>
+          </p:nvPr>
+        </p:nvSpPr>
+        <p:spPr>
+          <a:xfrm>
+            <a:off x="340205" y="1285875"/>
+            <a:ext cx="11591383" cy="4392254"/>
+          </a:xfrm>
+        </p:spPr>
+        <p:txBody>
+          <a:bodyPr/>
+          <a:lstStyle/>
+          <a:p>
+            <a:r>
+              <a:rPr lang="en-US" dirty="0"/>
+              <a:t>Applying PageRank to similar document clusters is an effective way of picking the right one.</a:t>
+            </a:r>
+          </a:p>
+          <a:p>
+            <a:r>
+              <a:rPr lang="en-US" dirty="0"/>
+              <a:t>Deciding where to process and where (and when) to update values is hard. (e.g. canonical tags for crawling and consolidation in HTML vs Rendered).</a:t>
+            </a:r>
+          </a:p>
+          <a:p>
+            <a:r>
+              <a:rPr lang="en-US" dirty="0"/>
+              <a:t>Index compression techniques made my eyes glaze over.</a:t>
+            </a:r>
+          </a:p>
+          <a:p>
+            <a:r>
+              <a:rPr lang="en-US" dirty="0"/>
+              <a:t>BERT models need </a:t>
+            </a:r>
+            <a:r>
+              <a:rPr lang="en-US" b="1" dirty="0">
+                <a:solidFill>
+                  <a:srgbClr val="FF0000"/>
+                </a:solidFill>
+              </a:rPr>
+              <a:t>all</a:t>
+            </a:r>
+            <a:r>
+              <a:rPr lang="en-US" dirty="0"/>
+              <a:t> the (or most of) content.</a:t>
+            </a:r>
+          </a:p>
+          <a:p>
+            <a:endParaRPr lang="en-US" dirty="0"/>
+          </a:p>
+          <a:p>
+            <a:endParaRPr lang="en-US" dirty="0"/>
+          </a:p>
+          <a:p>
+            <a:endParaRPr lang="en-US" dirty="0"/>
+          </a:p>
+        </p:txBody>
+      </p:sp>
+    </p:spTree>
+    <p:extLst>
+      <p:ext uri="{BB962C8B-B14F-4D97-AF65-F5344CB8AC3E}">
+        <p14:creationId xmlns:p14="http://schemas.microsoft.com/office/powerpoint/2010/main" val="3568042754"/>
+      </p:ext>
+    </p:extLst>
+  </p:cSld>
+  <p:clrMapOvr>
+    <a:masterClrMapping/>
+  </p:clrMapOvr>
+</p:sld>
+</file>
+
+<file path=ppt/slides/slide29.xml><?xml version="1.0" encoding="utf-8"?>
+<p:sld xmlns:a="http://schemas.openxmlformats.org/drawingml/2006/main" xmlns:r="http://schemas.openxmlformats.org/officeDocument/2006/relationships" xmlns:p="http://schemas.openxmlformats.org/presentationml/2006/main">
+  <p:cSld>
+    <p:spTree>
+      <p:nvGrpSpPr>
+        <p:cNvPr id="1" name=""/>
+        <p:cNvGrpSpPr/>
+        <p:nvPr/>
+      </p:nvGrpSpPr>
+      <p:grpSpPr>
+        <a:xfrm>
+          <a:off x="0" y="0"/>
+          <a:ext cx="0" cy="0"/>
+          <a:chOff x="0" y="0"/>
+          <a:chExt cx="0" cy="0"/>
+        </a:xfrm>
+      </p:grpSpPr>
+      <p:pic>
+        <p:nvPicPr>
+          <p:cNvPr id="8" name="Picture 7">
+            <a:extLst>
+              <a:ext uri="{FF2B5EF4-FFF2-40B4-BE49-F238E27FC236}">
+                <a16:creationId xmlns:a16="http://schemas.microsoft.com/office/drawing/2014/main" id="{872127C4-5217-4D5C-8CB5-9C1FE6D124B2}"/>
+              </a:ext>
+            </a:extLst>
+          </p:cNvPr>
+          <p:cNvPicPr>
+            <a:picLocks noChangeAspect="1"/>
+          </p:cNvPicPr>
+          <p:nvPr/>
+        </p:nvPicPr>
+        <p:blipFill>
+          <a:blip r:embed="rId2"/>
+          <a:stretch>
+            <a:fillRect/>
+          </a:stretch>
+        </p:blipFill>
+        <p:spPr>
+          <a:xfrm>
+            <a:off x="1800818" y="2004970"/>
+            <a:ext cx="7704800" cy="1763750"/>
+          </a:xfrm>
+          <a:prstGeom prst="rect">
+            <a:avLst/>
+          </a:prstGeom>
+        </p:spPr>
+      </p:pic>
+      <p:sp>
+        <p:nvSpPr>
+          <p:cNvPr id="3" name="Title 2">
+            <a:extLst>
+              <a:ext uri="{FF2B5EF4-FFF2-40B4-BE49-F238E27FC236}">
+                <a16:creationId xmlns:a16="http://schemas.microsoft.com/office/drawing/2014/main" id="{32C5C36C-7AE5-A74F-B18E-A9BFB3A3ED37}"/>
+              </a:ext>
+            </a:extLst>
+          </p:cNvPr>
+          <p:cNvSpPr>
+            <a:spLocks noGrp="1"/>
+          </p:cNvSpPr>
+          <p:nvPr>
+            <p:ph type="title"/>
+          </p:nvPr>
+        </p:nvSpPr>
+        <p:spPr/>
+        <p:txBody>
+          <a:bodyPr/>
+          <a:lstStyle/>
+          <a:p>
+            <a:r>
+              <a:rPr lang="en-US" dirty="0"/>
+              <a:t>Learnings</a:t>
+            </a:r>
+          </a:p>
+        </p:txBody>
+      </p:sp>
+      <p:sp>
+        <p:nvSpPr>
+          <p:cNvPr id="7" name="Oval 6">
+            <a:extLst>
+              <a:ext uri="{FF2B5EF4-FFF2-40B4-BE49-F238E27FC236}">
+                <a16:creationId xmlns:a16="http://schemas.microsoft.com/office/drawing/2014/main" id="{DCFE30F5-A3BF-4C83-9DDA-97B35A9D3944}"/>
+              </a:ext>
+            </a:extLst>
+          </p:cNvPr>
+          <p:cNvSpPr/>
+          <p:nvPr/>
+        </p:nvSpPr>
+        <p:spPr>
+          <a:xfrm>
+            <a:off x="3972146" y="2068904"/>
+            <a:ext cx="568171" cy="488272"/>
+          </a:xfrm>
+          <a:prstGeom prst="ellipse">
+            <a:avLst/>
+          </a:prstGeom>
+          <a:noFill/>
+          <a:ln>
+            <a:solidFill>
+              <a:srgbClr val="FF0000"/>
+            </a:solidFill>
+          </a:ln>
+        </p:spPr>
+        <p:style>
+          <a:lnRef idx="2">
+            <a:schemeClr val="accent1">
+              <a:shade val="50000"/>
+            </a:schemeClr>
+          </a:lnRef>
+          <a:fillRef idx="1">
+            <a:schemeClr val="accent1"/>
+          </a:fillRef>
+          <a:effectRef idx="0">
+            <a:schemeClr val="accent1"/>
+          </a:effectRef>
+          <a:fontRef idx="minor">
+            <a:schemeClr val="lt1"/>
+          </a:fontRef>
+        </p:style>
+        <p:txBody>
+          <a:bodyPr rtlCol="0" anchor="ctr"/>
+          <a:lstStyle/>
+          <a:p>
+            <a:pPr algn="ctr"/>
+            <a:endParaRPr lang="en-US"/>
+          </a:p>
+        </p:txBody>
+      </p:sp>
+    </p:spTree>
+    <p:extLst>
+      <p:ext uri="{BB962C8B-B14F-4D97-AF65-F5344CB8AC3E}">
+        <p14:creationId xmlns:p14="http://schemas.microsoft.com/office/powerpoint/2010/main" val="3270762959"/>
+      </p:ext>
+    </p:extLst>
+  </p:cSld>
+  <p:clrMapOvr>
+    <a:masterClrMapping/>
+  </p:clrMapOvr>
+</p:sld>
+</file>
+
 <file path=ppt/slides/slide3.xml><?xml version="1.0" encoding="utf-8"?>
 <p:sld xmlns:a="http://schemas.openxmlformats.org/drawingml/2006/main" xmlns:r="http://schemas.openxmlformats.org/officeDocument/2006/relationships" xmlns:p="http://schemas.openxmlformats.org/presentationml/2006/main">
   <p:cSld>
@@ -6630,6 +8211,1117 @@
     <p:extLst>
       <p:ext uri="{BB962C8B-B14F-4D97-AF65-F5344CB8AC3E}">
         <p14:creationId xmlns:p14="http://schemas.microsoft.com/office/powerpoint/2010/main" val="3152462243"/>
+      </p:ext>
+    </p:extLst>
+  </p:cSld>
+  <p:clrMapOvr>
+    <a:masterClrMapping/>
+  </p:clrMapOvr>
+</p:sld>
+</file>
+
+<file path=ppt/slides/slide30.xml><?xml version="1.0" encoding="utf-8"?>
+<p:sld xmlns:a="http://schemas.openxmlformats.org/drawingml/2006/main" xmlns:r="http://schemas.openxmlformats.org/officeDocument/2006/relationships" xmlns:p="http://schemas.openxmlformats.org/presentationml/2006/main">
+  <p:cSld>
+    <p:spTree>
+      <p:nvGrpSpPr>
+        <p:cNvPr id="1" name=""/>
+        <p:cNvGrpSpPr/>
+        <p:nvPr/>
+      </p:nvGrpSpPr>
+      <p:grpSpPr>
+        <a:xfrm>
+          <a:off x="0" y="0"/>
+          <a:ext cx="0" cy="0"/>
+          <a:chOff x="0" y="0"/>
+          <a:chExt cx="0" cy="0"/>
+        </a:xfrm>
+      </p:grpSpPr>
+      <p:sp>
+        <p:nvSpPr>
+          <p:cNvPr id="3" name="Title 2">
+            <a:extLst>
+              <a:ext uri="{FF2B5EF4-FFF2-40B4-BE49-F238E27FC236}">
+                <a16:creationId xmlns:a16="http://schemas.microsoft.com/office/drawing/2014/main" id="{32C5C36C-7AE5-A74F-B18E-A9BFB3A3ED37}"/>
+              </a:ext>
+            </a:extLst>
+          </p:cNvPr>
+          <p:cNvSpPr>
+            <a:spLocks noGrp="1"/>
+          </p:cNvSpPr>
+          <p:nvPr>
+            <p:ph type="title"/>
+          </p:nvPr>
+        </p:nvSpPr>
+        <p:spPr/>
+        <p:txBody>
+          <a:bodyPr/>
+          <a:lstStyle/>
+          <a:p>
+            <a:r>
+              <a:rPr lang="en-US" dirty="0"/>
+              <a:t>Learnings</a:t>
+            </a:r>
+          </a:p>
+        </p:txBody>
+      </p:sp>
+      <p:sp>
+        <p:nvSpPr>
+          <p:cNvPr id="4" name="Text Placeholder 3">
+            <a:extLst>
+              <a:ext uri="{FF2B5EF4-FFF2-40B4-BE49-F238E27FC236}">
+                <a16:creationId xmlns:a16="http://schemas.microsoft.com/office/drawing/2014/main" id="{BB1962E3-1688-2247-B12B-26C9BDFEB7B2}"/>
+              </a:ext>
+            </a:extLst>
+          </p:cNvPr>
+          <p:cNvSpPr>
+            <a:spLocks noGrp="1"/>
+          </p:cNvSpPr>
+          <p:nvPr>
+            <p:ph type="body" sz="quarter" idx="13"/>
+          </p:nvPr>
+        </p:nvSpPr>
+        <p:spPr>
+          <a:xfrm>
+            <a:off x="340205" y="1285875"/>
+            <a:ext cx="11591383" cy="4392254"/>
+          </a:xfrm>
+        </p:spPr>
+        <p:txBody>
+          <a:bodyPr/>
+          <a:lstStyle/>
+          <a:p>
+            <a:r>
+              <a:rPr lang="en-US" dirty="0"/>
+              <a:t>Applying PageRank to similar document clusters is an effective way of picking the right one.</a:t>
+            </a:r>
+          </a:p>
+          <a:p>
+            <a:r>
+              <a:rPr lang="en-US" dirty="0"/>
+              <a:t>Deciding where to process and where (and when) to update values is hard. (e.g. canonical tags for crawling and consolidation in HTML vs Rendered).</a:t>
+            </a:r>
+          </a:p>
+          <a:p>
+            <a:r>
+              <a:rPr lang="en-US" dirty="0"/>
+              <a:t>Index compression techniques made my eyes glaze over.</a:t>
+            </a:r>
+          </a:p>
+          <a:p>
+            <a:r>
+              <a:rPr lang="en-US" dirty="0"/>
+              <a:t>BERT models need </a:t>
+            </a:r>
+            <a:r>
+              <a:rPr lang="en-US" b="1" dirty="0">
+                <a:solidFill>
+                  <a:srgbClr val="FF0000"/>
+                </a:solidFill>
+              </a:rPr>
+              <a:t>all</a:t>
+            </a:r>
+            <a:r>
+              <a:rPr lang="en-US" dirty="0"/>
+              <a:t> the (or most of) content.</a:t>
+            </a:r>
+          </a:p>
+          <a:p>
+            <a:r>
+              <a:rPr lang="en-US" dirty="0"/>
+              <a:t>BERT is easily accessible.</a:t>
+            </a:r>
+          </a:p>
+          <a:p>
+            <a:endParaRPr lang="en-US" dirty="0"/>
+          </a:p>
+          <a:p>
+            <a:endParaRPr lang="en-US" dirty="0"/>
+          </a:p>
+          <a:p>
+            <a:endParaRPr lang="en-US" dirty="0"/>
+          </a:p>
+        </p:txBody>
+      </p:sp>
+    </p:spTree>
+    <p:extLst>
+      <p:ext uri="{BB962C8B-B14F-4D97-AF65-F5344CB8AC3E}">
+        <p14:creationId xmlns:p14="http://schemas.microsoft.com/office/powerpoint/2010/main" val="1564271372"/>
+      </p:ext>
+    </p:extLst>
+  </p:cSld>
+  <p:clrMapOvr>
+    <a:masterClrMapping/>
+  </p:clrMapOvr>
+</p:sld>
+</file>
+
+<file path=ppt/slides/slide31.xml><?xml version="1.0" encoding="utf-8"?>
+<p:sld xmlns:a="http://schemas.openxmlformats.org/drawingml/2006/main" xmlns:r="http://schemas.openxmlformats.org/officeDocument/2006/relationships" xmlns:p="http://schemas.openxmlformats.org/presentationml/2006/main">
+  <p:cSld>
+    <p:spTree>
+      <p:nvGrpSpPr>
+        <p:cNvPr id="1" name=""/>
+        <p:cNvGrpSpPr/>
+        <p:nvPr/>
+      </p:nvGrpSpPr>
+      <p:grpSpPr>
+        <a:xfrm>
+          <a:off x="0" y="0"/>
+          <a:ext cx="0" cy="0"/>
+          <a:chOff x="0" y="0"/>
+          <a:chExt cx="0" cy="0"/>
+        </a:xfrm>
+      </p:grpSpPr>
+      <p:sp>
+        <p:nvSpPr>
+          <p:cNvPr id="3" name="Title 2">
+            <a:extLst>
+              <a:ext uri="{FF2B5EF4-FFF2-40B4-BE49-F238E27FC236}">
+                <a16:creationId xmlns:a16="http://schemas.microsoft.com/office/drawing/2014/main" id="{32C5C36C-7AE5-A74F-B18E-A9BFB3A3ED37}"/>
+              </a:ext>
+            </a:extLst>
+          </p:cNvPr>
+          <p:cNvSpPr>
+            <a:spLocks noGrp="1"/>
+          </p:cNvSpPr>
+          <p:nvPr>
+            <p:ph type="title"/>
+          </p:nvPr>
+        </p:nvSpPr>
+        <p:spPr/>
+        <p:txBody>
+          <a:bodyPr/>
+          <a:lstStyle/>
+          <a:p>
+            <a:r>
+              <a:rPr lang="en-US" dirty="0"/>
+              <a:t>Learnings</a:t>
+            </a:r>
+          </a:p>
+        </p:txBody>
+      </p:sp>
+      <p:pic>
+        <p:nvPicPr>
+          <p:cNvPr id="11" name="Picture 10">
+            <a:extLst>
+              <a:ext uri="{FF2B5EF4-FFF2-40B4-BE49-F238E27FC236}">
+                <a16:creationId xmlns:a16="http://schemas.microsoft.com/office/drawing/2014/main" id="{CD8A464A-CED3-428B-8250-EB6BF2F632FB}"/>
+              </a:ext>
+            </a:extLst>
+          </p:cNvPr>
+          <p:cNvPicPr>
+            <a:picLocks noChangeAspect="1"/>
+          </p:cNvPicPr>
+          <p:nvPr/>
+        </p:nvPicPr>
+        <p:blipFill>
+          <a:blip r:embed="rId2"/>
+          <a:stretch>
+            <a:fillRect/>
+          </a:stretch>
+        </p:blipFill>
+        <p:spPr>
+          <a:xfrm>
+            <a:off x="1775820" y="2196746"/>
+            <a:ext cx="8640360" cy="1549630"/>
+          </a:xfrm>
+          <a:prstGeom prst="rect">
+            <a:avLst/>
+          </a:prstGeom>
+        </p:spPr>
+      </p:pic>
+      <p:cxnSp>
+        <p:nvCxnSpPr>
+          <p:cNvPr id="13" name="Straight Arrow Connector 12">
+            <a:extLst>
+              <a:ext uri="{FF2B5EF4-FFF2-40B4-BE49-F238E27FC236}">
+                <a16:creationId xmlns:a16="http://schemas.microsoft.com/office/drawing/2014/main" id="{64527FFE-D23E-43EC-94D7-C8B5F139E631}"/>
+              </a:ext>
+            </a:extLst>
+          </p:cNvPr>
+          <p:cNvCxnSpPr/>
+          <p:nvPr/>
+        </p:nvCxnSpPr>
+        <p:spPr>
+          <a:xfrm flipH="1" flipV="1">
+            <a:off x="4509856" y="3484220"/>
+            <a:ext cx="914400" cy="725750"/>
+          </a:xfrm>
+          <a:prstGeom prst="straightConnector1">
+            <a:avLst/>
+          </a:prstGeom>
+          <a:ln w="57150">
+            <a:solidFill>
+              <a:srgbClr val="FF0000"/>
+            </a:solidFill>
+            <a:tailEnd type="triangle"/>
+          </a:ln>
+        </p:spPr>
+        <p:style>
+          <a:lnRef idx="1">
+            <a:schemeClr val="accent1"/>
+          </a:lnRef>
+          <a:fillRef idx="0">
+            <a:schemeClr val="accent1"/>
+          </a:fillRef>
+          <a:effectRef idx="0">
+            <a:schemeClr val="accent1"/>
+          </a:effectRef>
+          <a:fontRef idx="minor">
+            <a:schemeClr val="tx1"/>
+          </a:fontRef>
+        </p:style>
+      </p:cxnSp>
+      <p:sp>
+        <p:nvSpPr>
+          <p:cNvPr id="14" name="TextBox 13">
+            <a:extLst>
+              <a:ext uri="{FF2B5EF4-FFF2-40B4-BE49-F238E27FC236}">
+                <a16:creationId xmlns:a16="http://schemas.microsoft.com/office/drawing/2014/main" id="{CA390BF6-6C42-4D7E-9499-D868B860726B}"/>
+              </a:ext>
+            </a:extLst>
+          </p:cNvPr>
+          <p:cNvSpPr txBox="1"/>
+          <p:nvPr/>
+        </p:nvSpPr>
+        <p:spPr>
+          <a:xfrm>
+            <a:off x="5424256" y="4025304"/>
+            <a:ext cx="2064654" cy="369332"/>
+          </a:xfrm>
+          <a:prstGeom prst="rect">
+            <a:avLst/>
+          </a:prstGeom>
+          <a:noFill/>
+        </p:spPr>
+        <p:txBody>
+          <a:bodyPr wrap="square" rtlCol="0">
+            <a:spAutoFit/>
+          </a:bodyPr>
+          <a:lstStyle/>
+          <a:p>
+            <a:r>
+              <a:rPr lang="en-US" dirty="0"/>
+              <a:t>Embeddings</a:t>
+            </a:r>
+          </a:p>
+        </p:txBody>
+      </p:sp>
+      <p:sp>
+        <p:nvSpPr>
+          <p:cNvPr id="15" name="TextBox 14">
+            <a:extLst>
+              <a:ext uri="{FF2B5EF4-FFF2-40B4-BE49-F238E27FC236}">
+                <a16:creationId xmlns:a16="http://schemas.microsoft.com/office/drawing/2014/main" id="{A78946A0-B0C5-4542-8F36-927A8DBE6296}"/>
+              </a:ext>
+            </a:extLst>
+          </p:cNvPr>
+          <p:cNvSpPr txBox="1"/>
+          <p:nvPr/>
+        </p:nvSpPr>
+        <p:spPr>
+          <a:xfrm>
+            <a:off x="1775820" y="1778466"/>
+            <a:ext cx="4977318" cy="369332"/>
+          </a:xfrm>
+          <a:prstGeom prst="rect">
+            <a:avLst/>
+          </a:prstGeom>
+          <a:noFill/>
+        </p:spPr>
+        <p:txBody>
+          <a:bodyPr wrap="square" rtlCol="0">
+            <a:spAutoFit/>
+          </a:bodyPr>
+          <a:lstStyle/>
+          <a:p>
+            <a:r>
+              <a:rPr lang="en-US" dirty="0"/>
+              <a:t>https://github.com/huggingface/transformers</a:t>
+            </a:r>
+          </a:p>
+        </p:txBody>
+      </p:sp>
+    </p:spTree>
+    <p:extLst>
+      <p:ext uri="{BB962C8B-B14F-4D97-AF65-F5344CB8AC3E}">
+        <p14:creationId xmlns:p14="http://schemas.microsoft.com/office/powerpoint/2010/main" val="1050120349"/>
+      </p:ext>
+    </p:extLst>
+  </p:cSld>
+  <p:clrMapOvr>
+    <a:masterClrMapping/>
+  </p:clrMapOvr>
+</p:sld>
+</file>
+
+<file path=ppt/slides/slide32.xml><?xml version="1.0" encoding="utf-8"?>
+<p:sld xmlns:a="http://schemas.openxmlformats.org/drawingml/2006/main" xmlns:r="http://schemas.openxmlformats.org/officeDocument/2006/relationships" xmlns:p="http://schemas.openxmlformats.org/presentationml/2006/main">
+  <p:cSld>
+    <p:spTree>
+      <p:nvGrpSpPr>
+        <p:cNvPr id="1" name=""/>
+        <p:cNvGrpSpPr/>
+        <p:nvPr/>
+      </p:nvGrpSpPr>
+      <p:grpSpPr>
+        <a:xfrm>
+          <a:off x="0" y="0"/>
+          <a:ext cx="0" cy="0"/>
+          <a:chOff x="0" y="0"/>
+          <a:chExt cx="0" cy="0"/>
+        </a:xfrm>
+      </p:grpSpPr>
+      <p:sp>
+        <p:nvSpPr>
+          <p:cNvPr id="3" name="Title 2">
+            <a:extLst>
+              <a:ext uri="{FF2B5EF4-FFF2-40B4-BE49-F238E27FC236}">
+                <a16:creationId xmlns:a16="http://schemas.microsoft.com/office/drawing/2014/main" id="{32C5C36C-7AE5-A74F-B18E-A9BFB3A3ED37}"/>
+              </a:ext>
+            </a:extLst>
+          </p:cNvPr>
+          <p:cNvSpPr>
+            <a:spLocks noGrp="1"/>
+          </p:cNvSpPr>
+          <p:nvPr>
+            <p:ph type="title"/>
+          </p:nvPr>
+        </p:nvSpPr>
+        <p:spPr/>
+        <p:txBody>
+          <a:bodyPr/>
+          <a:lstStyle/>
+          <a:p>
+            <a:r>
+              <a:rPr lang="en-US" dirty="0"/>
+              <a:t>Learnings</a:t>
+            </a:r>
+          </a:p>
+        </p:txBody>
+      </p:sp>
+      <p:sp>
+        <p:nvSpPr>
+          <p:cNvPr id="4" name="Text Placeholder 3">
+            <a:extLst>
+              <a:ext uri="{FF2B5EF4-FFF2-40B4-BE49-F238E27FC236}">
+                <a16:creationId xmlns:a16="http://schemas.microsoft.com/office/drawing/2014/main" id="{BB1962E3-1688-2247-B12B-26C9BDFEB7B2}"/>
+              </a:ext>
+            </a:extLst>
+          </p:cNvPr>
+          <p:cNvSpPr>
+            <a:spLocks noGrp="1"/>
+          </p:cNvSpPr>
+          <p:nvPr>
+            <p:ph type="body" sz="quarter" idx="13"/>
+          </p:nvPr>
+        </p:nvSpPr>
+        <p:spPr>
+          <a:xfrm>
+            <a:off x="340205" y="1285875"/>
+            <a:ext cx="11591383" cy="4392254"/>
+          </a:xfrm>
+        </p:spPr>
+        <p:txBody>
+          <a:bodyPr/>
+          <a:lstStyle/>
+          <a:p>
+            <a:r>
+              <a:rPr lang="en-US" dirty="0"/>
+              <a:t>Applying PageRank to similar document clusters is an effective way of picking the right one.</a:t>
+            </a:r>
+          </a:p>
+          <a:p>
+            <a:r>
+              <a:rPr lang="en-US" dirty="0"/>
+              <a:t>Deciding where to process and where (and when) to update values is hard. (e.g. canonical tags for crawling and consolidation in HTML vs Rendered).</a:t>
+            </a:r>
+          </a:p>
+          <a:p>
+            <a:r>
+              <a:rPr lang="en-US" dirty="0"/>
+              <a:t>Index compression techniques made my eyes glaze over.</a:t>
+            </a:r>
+          </a:p>
+          <a:p>
+            <a:r>
+              <a:rPr lang="en-US" dirty="0"/>
+              <a:t>BERT models need </a:t>
+            </a:r>
+            <a:r>
+              <a:rPr lang="en-US" b="1" dirty="0">
+                <a:solidFill>
+                  <a:srgbClr val="FF0000"/>
+                </a:solidFill>
+              </a:rPr>
+              <a:t>all</a:t>
+            </a:r>
+            <a:r>
+              <a:rPr lang="en-US" dirty="0"/>
+              <a:t> the (or most of) content.</a:t>
+            </a:r>
+          </a:p>
+          <a:p>
+            <a:r>
+              <a:rPr lang="en-US" dirty="0"/>
+              <a:t>BERT is easily accessible.</a:t>
+            </a:r>
+          </a:p>
+          <a:p>
+            <a:r>
+              <a:rPr lang="en-US" dirty="0"/>
+              <a:t>I made some things </a:t>
+            </a:r>
+            <a:r>
+              <a:rPr lang="en-US" dirty="0" err="1"/>
+              <a:t>waaaaayy</a:t>
+            </a:r>
+            <a:r>
+              <a:rPr lang="en-US" dirty="0"/>
+              <a:t> simpler than they would be in real life.</a:t>
+            </a:r>
+          </a:p>
+          <a:p>
+            <a:pPr marL="0" indent="0">
+              <a:buNone/>
+            </a:pPr>
+            <a:endParaRPr lang="en-US" dirty="0"/>
+          </a:p>
+          <a:p>
+            <a:endParaRPr lang="en-US" dirty="0"/>
+          </a:p>
+          <a:p>
+            <a:endParaRPr lang="en-US" dirty="0"/>
+          </a:p>
+        </p:txBody>
+      </p:sp>
+    </p:spTree>
+    <p:extLst>
+      <p:ext uri="{BB962C8B-B14F-4D97-AF65-F5344CB8AC3E}">
+        <p14:creationId xmlns:p14="http://schemas.microsoft.com/office/powerpoint/2010/main" val="934616154"/>
+      </p:ext>
+    </p:extLst>
+  </p:cSld>
+  <p:clrMapOvr>
+    <a:masterClrMapping/>
+  </p:clrMapOvr>
+</p:sld>
+</file>
+
+<file path=ppt/slides/slide33.xml><?xml version="1.0" encoding="utf-8"?>
+<p:sld xmlns:a="http://schemas.openxmlformats.org/drawingml/2006/main" xmlns:r="http://schemas.openxmlformats.org/officeDocument/2006/relationships" xmlns:p="http://schemas.openxmlformats.org/presentationml/2006/main">
+  <p:cSld>
+    <p:spTree>
+      <p:nvGrpSpPr>
+        <p:cNvPr id="1" name=""/>
+        <p:cNvGrpSpPr/>
+        <p:nvPr/>
+      </p:nvGrpSpPr>
+      <p:grpSpPr>
+        <a:xfrm>
+          <a:off x="0" y="0"/>
+          <a:ext cx="0" cy="0"/>
+          <a:chOff x="0" y="0"/>
+          <a:chExt cx="0" cy="0"/>
+        </a:xfrm>
+      </p:grpSpPr>
+      <p:sp>
+        <p:nvSpPr>
+          <p:cNvPr id="3" name="Title 2">
+            <a:extLst>
+              <a:ext uri="{FF2B5EF4-FFF2-40B4-BE49-F238E27FC236}">
+                <a16:creationId xmlns:a16="http://schemas.microsoft.com/office/drawing/2014/main" id="{32C5C36C-7AE5-A74F-B18E-A9BFB3A3ED37}"/>
+              </a:ext>
+            </a:extLst>
+          </p:cNvPr>
+          <p:cNvSpPr>
+            <a:spLocks noGrp="1"/>
+          </p:cNvSpPr>
+          <p:nvPr>
+            <p:ph type="title"/>
+          </p:nvPr>
+        </p:nvSpPr>
+        <p:spPr/>
+        <p:txBody>
+          <a:bodyPr/>
+          <a:lstStyle/>
+          <a:p>
+            <a:r>
+              <a:rPr lang="en-US" dirty="0"/>
+              <a:t>Learnings</a:t>
+            </a:r>
+          </a:p>
+        </p:txBody>
+      </p:sp>
+      <p:pic>
+        <p:nvPicPr>
+          <p:cNvPr id="2" name="Picture 1">
+            <a:extLst>
+              <a:ext uri="{FF2B5EF4-FFF2-40B4-BE49-F238E27FC236}">
+                <a16:creationId xmlns:a16="http://schemas.microsoft.com/office/drawing/2014/main" id="{D8B382AB-FCB8-4F04-8F6E-C7388AA1121B}"/>
+              </a:ext>
+            </a:extLst>
+          </p:cNvPr>
+          <p:cNvPicPr>
+            <a:picLocks noChangeAspect="1"/>
+          </p:cNvPicPr>
+          <p:nvPr/>
+        </p:nvPicPr>
+        <p:blipFill>
+          <a:blip r:embed="rId2"/>
+          <a:stretch>
+            <a:fillRect/>
+          </a:stretch>
+        </p:blipFill>
+        <p:spPr>
+          <a:xfrm>
+            <a:off x="3176952" y="1511353"/>
+            <a:ext cx="5838095" cy="3180952"/>
+          </a:xfrm>
+          <a:prstGeom prst="rect">
+            <a:avLst/>
+          </a:prstGeom>
+        </p:spPr>
+      </p:pic>
+    </p:spTree>
+    <p:extLst>
+      <p:ext uri="{BB962C8B-B14F-4D97-AF65-F5344CB8AC3E}">
+        <p14:creationId xmlns:p14="http://schemas.microsoft.com/office/powerpoint/2010/main" val="1838150483"/>
+      </p:ext>
+    </p:extLst>
+  </p:cSld>
+  <p:clrMapOvr>
+    <a:masterClrMapping/>
+  </p:clrMapOvr>
+</p:sld>
+</file>
+
+<file path=ppt/slides/slide34.xml><?xml version="1.0" encoding="utf-8"?>
+<p:sld xmlns:a="http://schemas.openxmlformats.org/drawingml/2006/main" xmlns:r="http://schemas.openxmlformats.org/officeDocument/2006/relationships" xmlns:p="http://schemas.openxmlformats.org/presentationml/2006/main">
+  <p:cSld>
+    <p:spTree>
+      <p:nvGrpSpPr>
+        <p:cNvPr id="1" name=""/>
+        <p:cNvGrpSpPr/>
+        <p:nvPr/>
+      </p:nvGrpSpPr>
+      <p:grpSpPr>
+        <a:xfrm>
+          <a:off x="0" y="0"/>
+          <a:ext cx="0" cy="0"/>
+          <a:chOff x="0" y="0"/>
+          <a:chExt cx="0" cy="0"/>
+        </a:xfrm>
+      </p:grpSpPr>
+      <p:sp>
+        <p:nvSpPr>
+          <p:cNvPr id="3" name="Title 2">
+            <a:extLst>
+              <a:ext uri="{FF2B5EF4-FFF2-40B4-BE49-F238E27FC236}">
+                <a16:creationId xmlns:a16="http://schemas.microsoft.com/office/drawing/2014/main" id="{32C5C36C-7AE5-A74F-B18E-A9BFB3A3ED37}"/>
+              </a:ext>
+            </a:extLst>
+          </p:cNvPr>
+          <p:cNvSpPr>
+            <a:spLocks noGrp="1"/>
+          </p:cNvSpPr>
+          <p:nvPr>
+            <p:ph type="title"/>
+          </p:nvPr>
+        </p:nvSpPr>
+        <p:spPr/>
+        <p:txBody>
+          <a:bodyPr/>
+          <a:lstStyle/>
+          <a:p>
+            <a:r>
+              <a:rPr lang="en-US" dirty="0"/>
+              <a:t>Learnings</a:t>
+            </a:r>
+          </a:p>
+        </p:txBody>
+      </p:sp>
+      <p:sp>
+        <p:nvSpPr>
+          <p:cNvPr id="4" name="Text Placeholder 3">
+            <a:extLst>
+              <a:ext uri="{FF2B5EF4-FFF2-40B4-BE49-F238E27FC236}">
+                <a16:creationId xmlns:a16="http://schemas.microsoft.com/office/drawing/2014/main" id="{BB1962E3-1688-2247-B12B-26C9BDFEB7B2}"/>
+              </a:ext>
+            </a:extLst>
+          </p:cNvPr>
+          <p:cNvSpPr>
+            <a:spLocks noGrp="1"/>
+          </p:cNvSpPr>
+          <p:nvPr>
+            <p:ph type="body" sz="quarter" idx="13"/>
+          </p:nvPr>
+        </p:nvSpPr>
+        <p:spPr>
+          <a:xfrm>
+            <a:off x="340205" y="1285875"/>
+            <a:ext cx="11591383" cy="4392254"/>
+          </a:xfrm>
+        </p:spPr>
+        <p:txBody>
+          <a:bodyPr/>
+          <a:lstStyle/>
+          <a:p>
+            <a:r>
+              <a:rPr lang="en-US" dirty="0"/>
+              <a:t>Applying PageRank to similar document clusters is an effective way of picking the right one.</a:t>
+            </a:r>
+          </a:p>
+          <a:p>
+            <a:r>
+              <a:rPr lang="en-US" dirty="0"/>
+              <a:t>Deciding where to process and where (and when) to update values is hard. (e.g. canonical tags for crawling and consolidation in HTML vs Rendered).</a:t>
+            </a:r>
+          </a:p>
+          <a:p>
+            <a:r>
+              <a:rPr lang="en-US" dirty="0"/>
+              <a:t>Index compression techniques made my eyes glaze over.</a:t>
+            </a:r>
+          </a:p>
+          <a:p>
+            <a:r>
+              <a:rPr lang="en-US" dirty="0"/>
+              <a:t>BERT models need </a:t>
+            </a:r>
+            <a:r>
+              <a:rPr lang="en-US" b="1" dirty="0">
+                <a:solidFill>
+                  <a:srgbClr val="FF0000"/>
+                </a:solidFill>
+              </a:rPr>
+              <a:t>all</a:t>
+            </a:r>
+            <a:r>
+              <a:rPr lang="en-US" dirty="0"/>
+              <a:t> the (or most of) content.</a:t>
+            </a:r>
+          </a:p>
+          <a:p>
+            <a:r>
+              <a:rPr lang="en-US" dirty="0"/>
+              <a:t>BERT is easily accessible.</a:t>
+            </a:r>
+          </a:p>
+          <a:p>
+            <a:r>
+              <a:rPr lang="en-US" dirty="0"/>
+              <a:t>I made some things way simpler than they would be in real life.</a:t>
+            </a:r>
+          </a:p>
+          <a:p>
+            <a:r>
+              <a:rPr lang="en-US" dirty="0" err="1"/>
+              <a:t>Sentencepiece</a:t>
+            </a:r>
+            <a:r>
+              <a:rPr lang="en-US" dirty="0"/>
+              <a:t> and BPE encoding is revolutionary for indexes and NLG</a:t>
+            </a:r>
+          </a:p>
+          <a:p>
+            <a:r>
+              <a:rPr lang="en-US" dirty="0"/>
+              <a:t>A minor code change can make the crawler go crazy.  Hats off to Google and Screaming Frog.</a:t>
+            </a:r>
+          </a:p>
+          <a:p>
+            <a:r>
+              <a:rPr lang="en-US" dirty="0" err="1"/>
+              <a:t>Minhash</a:t>
+            </a:r>
+            <a:r>
+              <a:rPr lang="en-US" dirty="0"/>
+              <a:t> comparison made checking rendering to crawled comparison, easy.</a:t>
+            </a:r>
+          </a:p>
+          <a:p>
+            <a:endParaRPr lang="en-US" dirty="0"/>
+          </a:p>
+          <a:p>
+            <a:endParaRPr lang="en-US" dirty="0"/>
+          </a:p>
+          <a:p>
+            <a:endParaRPr lang="en-US" dirty="0"/>
+          </a:p>
+          <a:p>
+            <a:endParaRPr lang="en-US" dirty="0"/>
+          </a:p>
+        </p:txBody>
+      </p:sp>
+    </p:spTree>
+    <p:extLst>
+      <p:ext uri="{BB962C8B-B14F-4D97-AF65-F5344CB8AC3E}">
+        <p14:creationId xmlns:p14="http://schemas.microsoft.com/office/powerpoint/2010/main" val="1599097115"/>
+      </p:ext>
+    </p:extLst>
+  </p:cSld>
+  <p:clrMapOvr>
+    <a:masterClrMapping/>
+  </p:clrMapOvr>
+</p:sld>
+</file>
+
+<file path=ppt/slides/slide35.xml><?xml version="1.0" encoding="utf-8"?>
+<p:sld xmlns:a="http://schemas.openxmlformats.org/drawingml/2006/main" xmlns:r="http://schemas.openxmlformats.org/officeDocument/2006/relationships" xmlns:p="http://schemas.openxmlformats.org/presentationml/2006/main">
+  <p:cSld>
+    <p:spTree>
+      <p:nvGrpSpPr>
+        <p:cNvPr id="1" name=""/>
+        <p:cNvGrpSpPr/>
+        <p:nvPr/>
+      </p:nvGrpSpPr>
+      <p:grpSpPr>
+        <a:xfrm>
+          <a:off x="0" y="0"/>
+          <a:ext cx="0" cy="0"/>
+          <a:chOff x="0" y="0"/>
+          <a:chExt cx="0" cy="0"/>
+        </a:xfrm>
+      </p:grpSpPr>
+      <p:sp>
+        <p:nvSpPr>
+          <p:cNvPr id="3" name="Title 2">
+            <a:extLst>
+              <a:ext uri="{FF2B5EF4-FFF2-40B4-BE49-F238E27FC236}">
+                <a16:creationId xmlns:a16="http://schemas.microsoft.com/office/drawing/2014/main" id="{32C5C36C-7AE5-A74F-B18E-A9BFB3A3ED37}"/>
+              </a:ext>
+            </a:extLst>
+          </p:cNvPr>
+          <p:cNvSpPr>
+            <a:spLocks noGrp="1"/>
+          </p:cNvSpPr>
+          <p:nvPr>
+            <p:ph type="title"/>
+          </p:nvPr>
+        </p:nvSpPr>
+        <p:spPr/>
+        <p:txBody>
+          <a:bodyPr/>
+          <a:lstStyle/>
+          <a:p>
+            <a:r>
+              <a:rPr lang="en-US" dirty="0"/>
+              <a:t>Result</a:t>
+            </a:r>
+          </a:p>
+        </p:txBody>
+      </p:sp>
+      <p:sp>
+        <p:nvSpPr>
+          <p:cNvPr id="4" name="Text Placeholder 3">
+            <a:extLst>
+              <a:ext uri="{FF2B5EF4-FFF2-40B4-BE49-F238E27FC236}">
+                <a16:creationId xmlns:a16="http://schemas.microsoft.com/office/drawing/2014/main" id="{BB1962E3-1688-2247-B12B-26C9BDFEB7B2}"/>
+              </a:ext>
+            </a:extLst>
+          </p:cNvPr>
+          <p:cNvSpPr>
+            <a:spLocks noGrp="1"/>
+          </p:cNvSpPr>
+          <p:nvPr>
+            <p:ph type="body" sz="quarter" idx="13"/>
+          </p:nvPr>
+        </p:nvSpPr>
+        <p:spPr>
+          <a:xfrm>
+            <a:off x="340206" y="1285875"/>
+            <a:ext cx="4089752" cy="3732213"/>
+          </a:xfrm>
+        </p:spPr>
+        <p:txBody>
+          <a:bodyPr/>
+          <a:lstStyle/>
+          <a:p>
+            <a:pPr marL="0" indent="0">
+              <a:buNone/>
+            </a:pPr>
+            <a:r>
+              <a:rPr lang="en-US" dirty="0"/>
+              <a:t>A lot of coffee</a:t>
+            </a:r>
+          </a:p>
+          <a:p>
+            <a:pPr marL="0" indent="0">
+              <a:buNone/>
+            </a:pPr>
+            <a:endParaRPr lang="en-US" dirty="0"/>
+          </a:p>
+          <a:p>
+            <a:pPr marL="0" indent="0">
+              <a:buNone/>
+            </a:pPr>
+            <a:r>
+              <a:rPr lang="en-US" dirty="0"/>
+              <a:t>… and some beer.</a:t>
+            </a:r>
+          </a:p>
+        </p:txBody>
+      </p:sp>
+      <p:pic>
+        <p:nvPicPr>
+          <p:cNvPr id="2" name="Picture 1">
+            <a:extLst>
+              <a:ext uri="{FF2B5EF4-FFF2-40B4-BE49-F238E27FC236}">
+                <a16:creationId xmlns:a16="http://schemas.microsoft.com/office/drawing/2014/main" id="{0170B3CE-7503-428D-8998-20AD2C9C4CE8}"/>
+              </a:ext>
+            </a:extLst>
+          </p:cNvPr>
+          <p:cNvPicPr>
+            <a:picLocks noChangeAspect="1"/>
+          </p:cNvPicPr>
+          <p:nvPr/>
+        </p:nvPicPr>
+        <p:blipFill>
+          <a:blip r:embed="rId2"/>
+          <a:stretch>
+            <a:fillRect/>
+          </a:stretch>
+        </p:blipFill>
+        <p:spPr>
+          <a:xfrm>
+            <a:off x="4074294" y="203694"/>
+            <a:ext cx="7777500" cy="5572125"/>
+          </a:xfrm>
+          <a:prstGeom prst="rect">
+            <a:avLst/>
+          </a:prstGeom>
+        </p:spPr>
+      </p:pic>
+    </p:spTree>
+    <p:extLst>
+      <p:ext uri="{BB962C8B-B14F-4D97-AF65-F5344CB8AC3E}">
+        <p14:creationId xmlns:p14="http://schemas.microsoft.com/office/powerpoint/2010/main" val="537274615"/>
+      </p:ext>
+    </p:extLst>
+  </p:cSld>
+  <p:clrMapOvr>
+    <a:masterClrMapping/>
+  </p:clrMapOvr>
+</p:sld>
+</file>
+
+<file path=ppt/slides/slide36.xml><?xml version="1.0" encoding="utf-8"?>
+<p:sld xmlns:a="http://schemas.openxmlformats.org/drawingml/2006/main" xmlns:r="http://schemas.openxmlformats.org/officeDocument/2006/relationships" xmlns:p="http://schemas.openxmlformats.org/presentationml/2006/main">
+  <p:cSld>
+    <p:spTree>
+      <p:nvGrpSpPr>
+        <p:cNvPr id="1" name=""/>
+        <p:cNvGrpSpPr/>
+        <p:nvPr/>
+      </p:nvGrpSpPr>
+      <p:grpSpPr>
+        <a:xfrm>
+          <a:off x="0" y="0"/>
+          <a:ext cx="0" cy="0"/>
+          <a:chOff x="0" y="0"/>
+          <a:chExt cx="0" cy="0"/>
+        </a:xfrm>
+      </p:grpSpPr>
+      <p:sp>
+        <p:nvSpPr>
+          <p:cNvPr id="3" name="Title 2">
+            <a:extLst>
+              <a:ext uri="{FF2B5EF4-FFF2-40B4-BE49-F238E27FC236}">
+                <a16:creationId xmlns:a16="http://schemas.microsoft.com/office/drawing/2014/main" id="{32C5C36C-7AE5-A74F-B18E-A9BFB3A3ED37}"/>
+              </a:ext>
+            </a:extLst>
+          </p:cNvPr>
+          <p:cNvSpPr>
+            <a:spLocks noGrp="1"/>
+          </p:cNvSpPr>
+          <p:nvPr>
+            <p:ph type="title"/>
+          </p:nvPr>
+        </p:nvSpPr>
+        <p:spPr/>
+        <p:txBody>
+          <a:bodyPr/>
+          <a:lstStyle/>
+          <a:p>
+            <a:r>
+              <a:rPr lang="en-US" dirty="0"/>
+              <a:t>Result</a:t>
+            </a:r>
+          </a:p>
+        </p:txBody>
+      </p:sp>
+      <p:sp>
+        <p:nvSpPr>
+          <p:cNvPr id="4" name="Text Placeholder 3">
+            <a:extLst>
+              <a:ext uri="{FF2B5EF4-FFF2-40B4-BE49-F238E27FC236}">
+                <a16:creationId xmlns:a16="http://schemas.microsoft.com/office/drawing/2014/main" id="{BB1962E3-1688-2247-B12B-26C9BDFEB7B2}"/>
+              </a:ext>
+            </a:extLst>
+          </p:cNvPr>
+          <p:cNvSpPr>
+            <a:spLocks noGrp="1"/>
+          </p:cNvSpPr>
+          <p:nvPr>
+            <p:ph type="body" sz="quarter" idx="13"/>
+          </p:nvPr>
+        </p:nvSpPr>
+        <p:spPr>
+          <a:xfrm>
+            <a:off x="340206" y="1285875"/>
+            <a:ext cx="4089752" cy="3732213"/>
+          </a:xfrm>
+        </p:spPr>
+        <p:txBody>
+          <a:bodyPr/>
+          <a:lstStyle/>
+          <a:p>
+            <a:pPr marL="0" indent="0">
+              <a:buNone/>
+            </a:pPr>
+            <a:r>
+              <a:rPr lang="en-US" dirty="0"/>
+              <a:t>A lot of coffee</a:t>
+            </a:r>
+          </a:p>
+          <a:p>
+            <a:pPr marL="0" indent="0">
+              <a:buNone/>
+            </a:pPr>
+            <a:endParaRPr lang="en-US" dirty="0"/>
+          </a:p>
+          <a:p>
+            <a:pPr marL="0" indent="0">
+              <a:buNone/>
+            </a:pPr>
+            <a:r>
+              <a:rPr lang="en-US" dirty="0"/>
+              <a:t>… and some beer.</a:t>
+            </a:r>
+          </a:p>
+        </p:txBody>
+      </p:sp>
+      <p:pic>
+        <p:nvPicPr>
+          <p:cNvPr id="2" name="Picture 1">
+            <a:extLst>
+              <a:ext uri="{FF2B5EF4-FFF2-40B4-BE49-F238E27FC236}">
+                <a16:creationId xmlns:a16="http://schemas.microsoft.com/office/drawing/2014/main" id="{0170B3CE-7503-428D-8998-20AD2C9C4CE8}"/>
+              </a:ext>
+            </a:extLst>
+          </p:cNvPr>
+          <p:cNvPicPr>
+            <a:picLocks noChangeAspect="1"/>
+          </p:cNvPicPr>
+          <p:nvPr/>
+        </p:nvPicPr>
+        <p:blipFill>
+          <a:blip r:embed="rId2"/>
+          <a:stretch>
+            <a:fillRect/>
+          </a:stretch>
+        </p:blipFill>
+        <p:spPr>
+          <a:xfrm>
+            <a:off x="4074294" y="203694"/>
+            <a:ext cx="7777500" cy="5572125"/>
+          </a:xfrm>
+          <a:prstGeom prst="rect">
+            <a:avLst/>
+          </a:prstGeom>
+        </p:spPr>
+      </p:pic>
+    </p:spTree>
+    <p:extLst>
+      <p:ext uri="{BB962C8B-B14F-4D97-AF65-F5344CB8AC3E}">
+        <p14:creationId xmlns:p14="http://schemas.microsoft.com/office/powerpoint/2010/main" val="4272196658"/>
+      </p:ext>
+    </p:extLst>
+  </p:cSld>
+  <p:clrMapOvr>
+    <a:masterClrMapping/>
+  </p:clrMapOvr>
+</p:sld>
+</file>
+
+<file path=ppt/slides/slide37.xml><?xml version="1.0" encoding="utf-8"?>
+<p:sld xmlns:a="http://schemas.openxmlformats.org/drawingml/2006/main" xmlns:r="http://schemas.openxmlformats.org/officeDocument/2006/relationships" xmlns:p="http://schemas.openxmlformats.org/presentationml/2006/main">
+  <p:cSld>
+    <p:spTree>
+      <p:nvGrpSpPr>
+        <p:cNvPr id="1" name=""/>
+        <p:cNvGrpSpPr/>
+        <p:nvPr/>
+      </p:nvGrpSpPr>
+      <p:grpSpPr>
+        <a:xfrm>
+          <a:off x="0" y="0"/>
+          <a:ext cx="0" cy="0"/>
+          <a:chOff x="0" y="0"/>
+          <a:chExt cx="0" cy="0"/>
+        </a:xfrm>
+      </p:grpSpPr>
+      <p:sp>
+        <p:nvSpPr>
+          <p:cNvPr id="2" name="Text Placeholder 1"/>
+          <p:cNvSpPr>
+            <a:spLocks noGrp="1"/>
+          </p:cNvSpPr>
+          <p:nvPr>
+            <p:ph type="body" sz="quarter" idx="12"/>
+          </p:nvPr>
+        </p:nvSpPr>
+        <p:spPr/>
+        <p:txBody>
+          <a:bodyPr/>
+          <a:lstStyle/>
+          <a:p>
+            <a:r>
+              <a:rPr lang="en-US" dirty="0"/>
+              <a:t>Thank You</a:t>
+            </a:r>
+          </a:p>
+          <a:p>
+            <a:r>
+              <a:rPr lang="en-US" dirty="0"/>
+              <a:t>–</a:t>
+            </a:r>
+          </a:p>
+        </p:txBody>
+      </p:sp>
+      <p:sp>
+        <p:nvSpPr>
+          <p:cNvPr id="3" name="Text Placeholder 2"/>
+          <p:cNvSpPr>
+            <a:spLocks noGrp="1"/>
+          </p:cNvSpPr>
+          <p:nvPr>
+            <p:ph type="body" sz="quarter" idx="13"/>
+          </p:nvPr>
+        </p:nvSpPr>
+        <p:spPr/>
+        <p:txBody>
+          <a:bodyPr/>
+          <a:lstStyle/>
+          <a:p>
+            <a:r>
+              <a:rPr lang="en-US" dirty="0"/>
+              <a:t>Find me on Twitter at: @</a:t>
+            </a:r>
+            <a:r>
+              <a:rPr lang="en-US" dirty="0" err="1"/>
+              <a:t>jroakes</a:t>
+            </a:r>
+            <a:endParaRPr lang="en-US" dirty="0"/>
+          </a:p>
+        </p:txBody>
+      </p:sp>
+    </p:spTree>
+    <p:extLst>
+      <p:ext uri="{BB962C8B-B14F-4D97-AF65-F5344CB8AC3E}">
+        <p14:creationId xmlns:p14="http://schemas.microsoft.com/office/powerpoint/2010/main" val="177018321"/>
       </p:ext>
     </p:extLst>
   </p:cSld>
@@ -6811,6 +9503,16 @@
               <a:buFont typeface="Arial" panose="020B0604020202020204" pitchFamily="34" charset="0"/>
               <a:buChar char="•"/>
             </a:pPr>
+            <a:r>
+              <a:rPr lang="en-US" dirty="0"/>
+              <a:t>Building a Crawler and Renderer</a:t>
+            </a:r>
+          </a:p>
+          <a:p>
+            <a:pPr marL="342900" indent="-342900">
+              <a:buFont typeface="Arial" panose="020B0604020202020204" pitchFamily="34" charset="0"/>
+              <a:buChar char="•"/>
+            </a:pPr>
             <a:endParaRPr lang="en-US" dirty="0"/>
           </a:p>
           <a:p>
@@ -7037,7 +9739,7 @@
           <a:p>
             <a:r>
               <a:rPr lang="en-US" dirty="0"/>
-              <a:t>Unseen</a:t>
+              <a:t>Unseen (or not wanted to be seen)</a:t>
             </a:r>
           </a:p>
         </p:txBody>
@@ -7074,10 +9776,10 @@
       </p:grpSpPr>
       <p:sp>
         <p:nvSpPr>
-          <p:cNvPr id="2" name="Title 1">
-            <a:extLst>
-              <a:ext uri="{FF2B5EF4-FFF2-40B4-BE49-F238E27FC236}">
-                <a16:creationId xmlns:a16="http://schemas.microsoft.com/office/drawing/2014/main" id="{97FE6D3A-2616-0145-BFA1-E42F38A44B93}"/>
+          <p:cNvPr id="3" name="Title 2">
+            <a:extLst>
+              <a:ext uri="{FF2B5EF4-FFF2-40B4-BE49-F238E27FC236}">
+                <a16:creationId xmlns:a16="http://schemas.microsoft.com/office/drawing/2014/main" id="{32C5C36C-7AE5-A74F-B18E-A9BFB3A3ED37}"/>
               </a:ext>
             </a:extLst>
           </p:cNvPr>
@@ -7095,17 +9797,17 @@
           <a:p>
             <a:r>
               <a:rPr lang="en-US" dirty="0"/>
-              <a:t>What a crawler must do</a:t>
-            </a:r>
-          </a:p>
-        </p:txBody>
-      </p:sp>
-      <p:sp>
-        <p:nvSpPr>
-          <p:cNvPr id="3" name="Text Placeholder 2">
-            <a:extLst>
-              <a:ext uri="{FF2B5EF4-FFF2-40B4-BE49-F238E27FC236}">
-                <a16:creationId xmlns:a16="http://schemas.microsoft.com/office/drawing/2014/main" id="{5ED891C3-32CD-E74D-A644-045913CFC7AD}"/>
+              <a:t>The Web is Big</a:t>
+            </a:r>
+          </a:p>
+        </p:txBody>
+      </p:sp>
+      <p:sp>
+        <p:nvSpPr>
+          <p:cNvPr id="4" name="Text Placeholder 3">
+            <a:extLst>
+              <a:ext uri="{FF2B5EF4-FFF2-40B4-BE49-F238E27FC236}">
+                <a16:creationId xmlns:a16="http://schemas.microsoft.com/office/drawing/2014/main" id="{BB1962E3-1688-2247-B12B-26C9BDFEB7B2}"/>
               </a:ext>
             </a:extLst>
           </p:cNvPr>
@@ -7113,7 +9815,7 @@
             <a:spLocks noGrp="1"/>
           </p:cNvSpPr>
           <p:nvPr>
-            <p:ph type="body" sz="quarter" idx="12"/>
+            <p:ph type="body" sz="quarter" idx="13"/>
           </p:nvPr>
         </p:nvSpPr>
         <p:spPr/>
@@ -7121,161 +9823,54 @@
           <a:bodyPr/>
           <a:lstStyle/>
           <a:p>
-            <a:pPr marL="342900" indent="-342900">
-              <a:buFont typeface="Arial" panose="020B0604020202020204" pitchFamily="34" charset="0"/>
-              <a:buChar char="•"/>
+            <a:pPr marL="0" indent="0">
+              <a:buNone/>
             </a:pPr>
             <a:r>
               <a:rPr lang="en-US" b="1" dirty="0"/>
-              <a:t>Be robust</a:t>
-            </a:r>
-            <a:r>
-              <a:rPr lang="en-US" dirty="0"/>
-              <a:t>. Handle spider traps and malicious behavior.</a:t>
-            </a:r>
-          </a:p>
-          <a:p>
-            <a:pPr marL="342900" indent="-342900">
-              <a:buFont typeface="Arial" panose="020B0604020202020204" pitchFamily="34" charset="0"/>
-              <a:buChar char="•"/>
-            </a:pPr>
-            <a:r>
-              <a:rPr lang="en-US" b="1" dirty="0"/>
-              <a:t>Be distributed</a:t>
-            </a:r>
-            <a:r>
-              <a:rPr lang="en-US" dirty="0"/>
-              <a:t>.  Run across many machines.</a:t>
-            </a:r>
-          </a:p>
-          <a:p>
-            <a:pPr marL="342900" indent="-342900">
-              <a:buFont typeface="Arial" panose="020B0604020202020204" pitchFamily="34" charset="0"/>
-              <a:buChar char="•"/>
-            </a:pPr>
-            <a:r>
-              <a:rPr lang="en-US" b="1" dirty="0"/>
-              <a:t>Be scalable</a:t>
-            </a:r>
-            <a:r>
-              <a:rPr lang="en-US" dirty="0"/>
-              <a:t>. Easy to add more machines.</a:t>
-            </a:r>
-          </a:p>
-          <a:p>
-            <a:pPr marL="342900" indent="-342900">
-              <a:buFont typeface="Arial" panose="020B0604020202020204" pitchFamily="34" charset="0"/>
-              <a:buChar char="•"/>
-            </a:pPr>
-            <a:r>
-              <a:rPr lang="en-US" b="1" dirty="0"/>
-              <a:t>Be efficient</a:t>
-            </a:r>
-            <a:r>
-              <a:rPr lang="en-US" dirty="0"/>
-              <a:t>. Use network and processing resources wisely.</a:t>
-            </a:r>
-          </a:p>
-          <a:p>
-            <a:pPr marL="342900" indent="-342900">
-              <a:buFont typeface="Arial" panose="020B0604020202020204" pitchFamily="34" charset="0"/>
-              <a:buChar char="•"/>
-            </a:pPr>
-            <a:r>
-              <a:rPr lang="en-US" b="1" dirty="0"/>
-              <a:t>Prioritize</a:t>
-            </a:r>
-            <a:r>
-              <a:rPr lang="en-US" dirty="0"/>
-              <a:t>. Know the quality and priority of pages.</a:t>
-            </a:r>
-          </a:p>
-          <a:p>
-            <a:pPr marL="342900" indent="-342900">
-              <a:buFont typeface="Arial" panose="020B0604020202020204" pitchFamily="34" charset="0"/>
-              <a:buChar char="•"/>
-            </a:pPr>
-            <a:r>
-              <a:rPr lang="en-US" b="1" dirty="0"/>
-              <a:t>Operate continuously</a:t>
-            </a:r>
-            <a:r>
-              <a:rPr lang="en-US" dirty="0"/>
-              <a:t>.</a:t>
-            </a:r>
-          </a:p>
-          <a:p>
-            <a:pPr marL="342900" indent="-342900">
-              <a:buFont typeface="Arial" panose="020B0604020202020204" pitchFamily="34" charset="0"/>
-              <a:buChar char="•"/>
-            </a:pPr>
-            <a:r>
-              <a:rPr lang="en-US" b="1" dirty="0"/>
-              <a:t>Be adaptable</a:t>
-            </a:r>
-            <a:r>
-              <a:rPr lang="en-US" dirty="0"/>
-              <a:t>.  Easy to change with new data / web needs.</a:t>
-            </a:r>
-          </a:p>
-          <a:p>
-            <a:pPr marL="342900" indent="-342900">
-              <a:buFont typeface="Arial" panose="020B0604020202020204" pitchFamily="34" charset="0"/>
-              <a:buChar char="•"/>
-            </a:pPr>
-            <a:r>
-              <a:rPr lang="en-US" b="1" dirty="0"/>
-              <a:t>Be a good citizen</a:t>
-            </a:r>
-            <a:r>
-              <a:rPr lang="en-US" dirty="0"/>
-              <a:t>. Respect robots.txt and server load.</a:t>
-            </a:r>
-          </a:p>
-          <a:p>
-            <a:pPr marL="342900" indent="-342900">
-              <a:buFont typeface="Arial" panose="020B0604020202020204" pitchFamily="34" charset="0"/>
-              <a:buChar char="•"/>
-            </a:pPr>
-            <a:endParaRPr lang="en-US" dirty="0"/>
-          </a:p>
-          <a:p>
-            <a:r>
-              <a:rPr lang="en-US" sz="1100" dirty="0"/>
-              <a:t>Ref: [</a:t>
-            </a:r>
-            <a:r>
-              <a:rPr lang="en-US" altLang="en-US" sz="1100" dirty="0"/>
-              <a:t>Crawling and Duplicates, Chris Manning and Pandu Nayak]</a:t>
-            </a:r>
-            <a:r>
-              <a:rPr lang="en-US" sz="1100" dirty="0"/>
-              <a:t> (http://web.stanford.edu/class/cs276/19handouts/lecture18-crawling.ppt)</a:t>
-            </a:r>
-          </a:p>
-          <a:p>
-            <a:pPr marL="342900" indent="-342900">
-              <a:buFont typeface="Arial" panose="020B0604020202020204" pitchFamily="34" charset="0"/>
-              <a:buChar char="•"/>
-            </a:pPr>
-            <a:endParaRPr lang="en-US" dirty="0"/>
-          </a:p>
-          <a:p>
-            <a:pPr marL="342900" indent="-342900">
-              <a:buFont typeface="Arial" panose="020B0604020202020204" pitchFamily="34" charset="0"/>
-              <a:buChar char="•"/>
-            </a:pPr>
-            <a:endParaRPr lang="en-US" dirty="0"/>
-          </a:p>
-          <a:p>
-            <a:endParaRPr lang="en-US" dirty="0"/>
-          </a:p>
-        </p:txBody>
-      </p:sp>
+              <a:t>PageRank</a:t>
+            </a:r>
+            <a:r>
+              <a:rPr lang="en-US" dirty="0"/>
+              <a:t>, or node popularity metrics, is a good way to measure how deep to go.</a:t>
+            </a:r>
+          </a:p>
+        </p:txBody>
+      </p:sp>
+      <p:pic>
+        <p:nvPicPr>
+          <p:cNvPr id="7" name="Picture 6">
+            <a:extLst>
+              <a:ext uri="{FF2B5EF4-FFF2-40B4-BE49-F238E27FC236}">
+                <a16:creationId xmlns:a16="http://schemas.microsoft.com/office/drawing/2014/main" id="{6DC26D3F-2DEC-4B5B-91B3-F3F7C59C7610}"/>
+              </a:ext>
+            </a:extLst>
+          </p:cNvPr>
+          <p:cNvPicPr>
+            <a:picLocks noChangeAspect="1"/>
+          </p:cNvPicPr>
+          <p:nvPr/>
+        </p:nvPicPr>
+        <p:blipFill>
+          <a:blip r:embed="rId2"/>
+          <a:stretch>
+            <a:fillRect/>
+          </a:stretch>
+        </p:blipFill>
+        <p:spPr>
+          <a:xfrm>
+            <a:off x="6096000" y="595636"/>
+            <a:ext cx="6095238" cy="4714286"/>
+          </a:xfrm>
+          <a:prstGeom prst="rect">
+            <a:avLst/>
+          </a:prstGeom>
+        </p:spPr>
+      </p:pic>
     </p:spTree>
     <p:extLst>
       <p:ext uri="{BB962C8B-B14F-4D97-AF65-F5344CB8AC3E}">
-        <p14:creationId xmlns:p14="http://schemas.microsoft.com/office/powerpoint/2010/main" val="2712762184"/>
+        <p14:creationId xmlns:p14="http://schemas.microsoft.com/office/powerpoint/2010/main" val="3012774585"/>
       </p:ext>
     </p:extLst>
   </p:cSld>
@@ -7302,40 +9897,12 @@
           <a:chExt cx="0" cy="0"/>
         </a:xfrm>
       </p:grpSpPr>
-      <p:pic>
-        <p:nvPicPr>
-          <p:cNvPr id="13" name="Picture Placeholder 12">
-            <a:extLst>
-              <a:ext uri="{FF2B5EF4-FFF2-40B4-BE49-F238E27FC236}">
-                <a16:creationId xmlns:a16="http://schemas.microsoft.com/office/drawing/2014/main" id="{7D0E68AB-AF54-604F-8C68-640B7BF6E460}"/>
-              </a:ext>
-            </a:extLst>
-          </p:cNvPr>
-          <p:cNvPicPr>
-            <a:picLocks noGrp="1" noChangeAspect="1"/>
-          </p:cNvPicPr>
-          <p:nvPr>
-            <p:ph type="pic" sz="quarter" idx="10"/>
-          </p:nvPr>
-        </p:nvPicPr>
-        <p:blipFill>
-          <a:blip r:embed="rId2"/>
-          <a:srcRect/>
-          <a:stretch/>
-        </p:blipFill>
-        <p:spPr>
-          <a:xfrm>
-            <a:off x="2941538" y="201763"/>
-            <a:ext cx="6308923" cy="4203763"/>
-          </a:xfrm>
-        </p:spPr>
-      </p:pic>
-      <p:sp>
-        <p:nvSpPr>
-          <p:cNvPr id="15" name="Title 14">
-            <a:extLst>
-              <a:ext uri="{FF2B5EF4-FFF2-40B4-BE49-F238E27FC236}">
-                <a16:creationId xmlns:a16="http://schemas.microsoft.com/office/drawing/2014/main" id="{E6083260-028C-6C46-8C39-327564784B76}"/>
+      <p:sp>
+        <p:nvSpPr>
+          <p:cNvPr id="3" name="Title 2">
+            <a:extLst>
+              <a:ext uri="{FF2B5EF4-FFF2-40B4-BE49-F238E27FC236}">
+                <a16:creationId xmlns:a16="http://schemas.microsoft.com/office/drawing/2014/main" id="{32C5C36C-7AE5-A74F-B18E-A9BFB3A3ED37}"/>
               </a:ext>
             </a:extLst>
           </p:cNvPr>
@@ -7346,27 +9913,84 @@
             <p:ph type="title"/>
           </p:nvPr>
         </p:nvSpPr>
-        <p:spPr>
-          <a:xfrm>
-            <a:off x="0" y="4554355"/>
-            <a:ext cx="11630345" cy="621194"/>
-          </a:xfrm>
-        </p:spPr>
+        <p:spPr/>
         <p:txBody>
           <a:bodyPr/>
           <a:lstStyle/>
           <a:p>
             <a:r>
               <a:rPr lang="en-US" dirty="0"/>
-              <a:t>Basic Crawl Architecture</a:t>
-            </a:r>
-          </a:p>
-        </p:txBody>
-      </p:sp>
+              <a:t>The Web is Big</a:t>
+            </a:r>
+          </a:p>
+        </p:txBody>
+      </p:sp>
+      <p:sp>
+        <p:nvSpPr>
+          <p:cNvPr id="4" name="Text Placeholder 3">
+            <a:extLst>
+              <a:ext uri="{FF2B5EF4-FFF2-40B4-BE49-F238E27FC236}">
+                <a16:creationId xmlns:a16="http://schemas.microsoft.com/office/drawing/2014/main" id="{BB1962E3-1688-2247-B12B-26C9BDFEB7B2}"/>
+              </a:ext>
+            </a:extLst>
+          </p:cNvPr>
+          <p:cNvSpPr>
+            <a:spLocks noGrp="1"/>
+          </p:cNvSpPr>
+          <p:nvPr>
+            <p:ph type="body" sz="quarter" idx="13"/>
+          </p:nvPr>
+        </p:nvSpPr>
+        <p:spPr/>
+        <p:txBody>
+          <a:bodyPr/>
+          <a:lstStyle/>
+          <a:p>
+            <a:pPr marL="0" indent="0">
+              <a:buNone/>
+            </a:pPr>
+            <a:r>
+              <a:rPr lang="en-US" b="1" dirty="0"/>
+              <a:t>Google knows about over 25 BILLION results.</a:t>
+            </a:r>
+            <a:endParaRPr lang="en-US" dirty="0"/>
+          </a:p>
+        </p:txBody>
+      </p:sp>
+      <p:pic>
+        <p:nvPicPr>
+          <p:cNvPr id="2" name="Picture 1">
+            <a:extLst>
+              <a:ext uri="{FF2B5EF4-FFF2-40B4-BE49-F238E27FC236}">
+                <a16:creationId xmlns:a16="http://schemas.microsoft.com/office/drawing/2014/main" id="{240822FB-70C8-4E1A-B4D6-F6BC21E7C723}"/>
+              </a:ext>
+            </a:extLst>
+          </p:cNvPr>
+          <p:cNvPicPr>
+            <a:picLocks noChangeAspect="1"/>
+          </p:cNvPicPr>
+          <p:nvPr/>
+        </p:nvPicPr>
+        <p:blipFill>
+          <a:blip r:embed="rId2"/>
+          <a:stretch>
+            <a:fillRect/>
+          </a:stretch>
+        </p:blipFill>
+        <p:spPr>
+          <a:xfrm>
+            <a:off x="6629759" y="0"/>
+            <a:ext cx="5562241" cy="5880344"/>
+          </a:xfrm>
+          <a:prstGeom prst="rect">
+            <a:avLst/>
+          </a:prstGeom>
+        </p:spPr>
+      </p:pic>
     </p:spTree>
     <p:extLst>
       <p:ext uri="{BB962C8B-B14F-4D97-AF65-F5344CB8AC3E}">
-        <p14:creationId xmlns:p14="http://schemas.microsoft.com/office/powerpoint/2010/main" val="112826745"/>
+        <p14:creationId xmlns:p14="http://schemas.microsoft.com/office/powerpoint/2010/main" val="354301606"/>
       </p:ext>
     </p:extLst>
   </p:cSld>

--- a/etc/2019 TechSEO Boost PPT Template.revJR.pptx
+++ b/etc/2019 TechSEO Boost PPT Template.revJR.pptx
@@ -5,10 +5,10 @@
     <p:sldMasterId id="2147483648" r:id="rId1"/>
   </p:sldMasterIdLst>
   <p:notesMasterIdLst>
-    <p:notesMasterId r:id="rId39"/>
+    <p:notesMasterId r:id="rId40"/>
   </p:notesMasterIdLst>
   <p:handoutMasterIdLst>
-    <p:handoutMasterId r:id="rId40"/>
+    <p:handoutMasterId r:id="rId41"/>
   </p:handoutMasterIdLst>
   <p:sldIdLst>
     <p:sldId id="280" r:id="rId2"/>
@@ -47,7 +47,8 @@
     <p:sldId id="308" r:id="rId35"/>
     <p:sldId id="311" r:id="rId36"/>
     <p:sldId id="309" r:id="rId37"/>
-    <p:sldId id="269" r:id="rId38"/>
+    <p:sldId id="312" r:id="rId38"/>
+    <p:sldId id="269" r:id="rId39"/>
   </p:sldIdLst>
   <p:sldSz cx="12192000" cy="6858000"/>
   <p:notesSz cx="6858000" cy="9144000"/>
@@ -415,7 +416,7 @@
           <a:p>
             <a:fld id="{F972B49E-BBEF-654D-8445-386D7ADD7D4C}" type="datetimeFigureOut">
               <a:rPr lang="en-US" smtClean="0"/>
-              <a:t>11/25/2019</a:t>
+              <a:t>11/26/2019</a:t>
             </a:fld>
             <a:endParaRPr lang="en-US"/>
           </a:p>
@@ -7560,7 +7561,7 @@
         <p:spPr>
           <a:xfrm>
             <a:off x="340205" y="1285875"/>
-            <a:ext cx="5316537" cy="4369201"/>
+            <a:ext cx="6513601" cy="4369201"/>
           </a:xfrm>
         </p:spPr>
         <p:txBody>
@@ -7568,57 +7569,63 @@
           <a:lstStyle/>
           <a:p>
             <a:r>
-              <a:rPr lang="en-US" sz="1800" dirty="0"/>
+              <a:rPr lang="en-US" sz="1600" dirty="0"/>
               <a:t>Use existing libraries where possible</a:t>
             </a:r>
           </a:p>
           <a:p>
             <a:r>
-              <a:rPr lang="en-US" sz="1800" dirty="0"/>
-              <a:t>Make it as simple and approachable as possible</a:t>
-            </a:r>
-          </a:p>
-          <a:p>
-            <a:r>
-              <a:rPr lang="en-US" sz="1800" dirty="0"/>
+              <a:rPr lang="en-US" sz="1600" dirty="0"/>
+              <a:t>Be hardy enough to crawl my toy internet</a:t>
+            </a:r>
+          </a:p>
+          <a:p>
+            <a:r>
+              <a:rPr lang="en-US" sz="1600" dirty="0"/>
+              <a:t>Make it as simple and approachable as possible (e.g. I use Pandas a lot)</a:t>
+            </a:r>
+          </a:p>
+          <a:p>
+            <a:r>
+              <a:rPr lang="en-US" sz="1600" dirty="0"/>
               <a:t>Try to be true (as possible) to what is known that Google does</a:t>
             </a:r>
           </a:p>
           <a:p>
             <a:r>
-              <a:rPr lang="en-US" sz="1800" dirty="0"/>
+              <a:rPr lang="en-US" sz="1600" dirty="0"/>
               <a:t>Process linearly.  No threading or extra services</a:t>
             </a:r>
           </a:p>
           <a:p>
             <a:r>
-              <a:rPr lang="en-US" sz="1800" dirty="0"/>
+              <a:rPr lang="en-US" sz="1600" dirty="0"/>
               <a:t>Include unit testing</a:t>
             </a:r>
           </a:p>
           <a:p>
             <a:r>
-              <a:rPr lang="en-US" sz="1800" dirty="0"/>
+              <a:rPr lang="en-US" sz="1600" dirty="0"/>
               <a:t>Include a </a:t>
             </a:r>
             <a:r>
-              <a:rPr lang="en-US" sz="1800" dirty="0" err="1"/>
+              <a:rPr lang="en-US" sz="1600" dirty="0" err="1"/>
               <a:t>Jupyter</a:t>
             </a:r>
             <a:r>
-              <a:rPr lang="en-US" sz="1800" dirty="0"/>
+              <a:rPr lang="en-US" sz="1600" dirty="0"/>
               <a:t> Notebook</a:t>
             </a:r>
           </a:p>
           <a:p>
             <a:r>
-              <a:rPr lang="en-US" sz="1800" dirty="0"/>
+              <a:rPr lang="en-US" sz="1600" dirty="0"/>
               <a:t>Include READMEs</a:t>
             </a:r>
           </a:p>
           <a:p>
             <a:r>
-              <a:rPr lang="en-US" sz="1800" dirty="0"/>
+              <a:rPr lang="en-US" sz="1600" dirty="0"/>
               <a:t>Include a simple indexer and search apparatus to play with results (Thanks John M.!)</a:t>
             </a:r>
           </a:p>
@@ -8180,21 +8187,15 @@
           <a:bodyPr/>
           <a:lstStyle/>
           <a:p>
-            <a:pPr marL="0" indent="0">
-              <a:buNone/>
-            </a:pPr>
-            <a:r>
-              <a:rPr lang="en-US" dirty="0"/>
-              <a:t>I write some and do the Twitter thing.</a:t>
-            </a:r>
-          </a:p>
-          <a:p>
-            <a:pPr marL="0" indent="0">
-              <a:buNone/>
-            </a:pPr>
-            <a:r>
-              <a:rPr lang="en-US" dirty="0"/>
-              <a:t>I share as much as I can on </a:t>
+            <a:r>
+              <a:rPr lang="en-US" dirty="0"/>
+              <a:t>Write some and do the Twitter thing.</a:t>
+            </a:r>
+          </a:p>
+          <a:p>
+            <a:r>
+              <a:rPr lang="en-US" dirty="0"/>
+              <a:t>Share as much as I can on </a:t>
             </a:r>
             <a:r>
               <a:rPr lang="en-US" dirty="0" err="1"/>
@@ -8203,6 +8204,24 @@
             <a:r>
               <a:rPr lang="en-US" dirty="0"/>
               <a:t>.</a:t>
+            </a:r>
+          </a:p>
+          <a:p>
+            <a:r>
+              <a:rPr lang="en-US" dirty="0"/>
+              <a:t>Love to organize meetups</a:t>
+            </a:r>
+          </a:p>
+          <a:p>
+            <a:r>
+              <a:rPr lang="en-US" dirty="0"/>
+              <a:t>Always testing something</a:t>
+            </a:r>
+          </a:p>
+          <a:p>
+            <a:r>
+              <a:rPr lang="en-US" dirty="0"/>
+              <a:t>Love the brilliant team at Locomotive</a:t>
             </a:r>
           </a:p>
         </p:txBody>
@@ -9032,7 +9051,7 @@
         <p:spPr>
           <a:xfrm>
             <a:off x="340206" y="1285875"/>
-            <a:ext cx="4089752" cy="3732213"/>
+            <a:ext cx="6122738" cy="3732213"/>
           </a:xfrm>
         </p:spPr>
         <p:txBody>
@@ -9044,7 +9063,7 @@
             </a:pPr>
             <a:r>
               <a:rPr lang="en-US" dirty="0"/>
-              <a:t>A lot of coffee</a:t>
+              <a:t>A crawler written in Python that we are releasing as open source.  </a:t>
             </a:r>
           </a:p>
           <a:p>
@@ -9059,17 +9078,61 @@
             </a:pPr>
             <a:r>
               <a:rPr lang="en-US" dirty="0"/>
-              <a:t>… and some beer.</a:t>
+              <a:t>Keep in mind:</a:t>
+            </a:r>
+          </a:p>
+          <a:p>
+            <a:pPr marL="457200" indent="-457200">
+              <a:buAutoNum type="arabicPeriod"/>
+            </a:pPr>
+            <a:r>
+              <a:rPr lang="en-US" dirty="0"/>
+              <a:t>This was written in a month</a:t>
+            </a:r>
+          </a:p>
+          <a:p>
+            <a:pPr marL="457200" indent="-457200">
+              <a:buAutoNum type="arabicPeriod"/>
+            </a:pPr>
+            <a:r>
+              <a:rPr lang="en-US" dirty="0"/>
+              <a:t>Google engineers would laugh at it</a:t>
+            </a:r>
+          </a:p>
+          <a:p>
+            <a:pPr marL="457200" indent="-457200">
+              <a:buAutoNum type="arabicPeriod"/>
+            </a:pPr>
+            <a:r>
+              <a:rPr lang="en-US" dirty="0"/>
+              <a:t>It probably has bugs</a:t>
+            </a:r>
+          </a:p>
+          <a:p>
+            <a:pPr marL="457200" indent="-457200">
+              <a:buAutoNum type="arabicPeriod"/>
+            </a:pPr>
+            <a:r>
+              <a:rPr lang="en-US" dirty="0"/>
+              <a:t>It is </a:t>
+            </a:r>
+            <a:r>
+              <a:rPr lang="en-US" b="1" dirty="0"/>
+              <a:t>really fun </a:t>
+            </a:r>
+            <a:r>
+              <a:rPr lang="en-US" dirty="0"/>
+              <a:t>to play around with</a:t>
             </a:r>
           </a:p>
         </p:txBody>
       </p:sp>
       <p:pic>
         <p:nvPicPr>
-          <p:cNvPr id="2" name="Picture 1">
-            <a:extLst>
-              <a:ext uri="{FF2B5EF4-FFF2-40B4-BE49-F238E27FC236}">
-                <a16:creationId xmlns:a16="http://schemas.microsoft.com/office/drawing/2014/main" id="{0170B3CE-7503-428D-8998-20AD2C9C4CE8}"/>
+          <p:cNvPr id="5" name="Picture 4">
+            <a:extLst>
+              <a:ext uri="{FF2B5EF4-FFF2-40B4-BE49-F238E27FC236}">
+                <a16:creationId xmlns:a16="http://schemas.microsoft.com/office/drawing/2014/main" id="{59773DE5-2AD7-4CD1-9707-5DB8CA7CC208}"/>
               </a:ext>
             </a:extLst>
           </p:cNvPr>
@@ -9086,8 +9149,8 @@
         </p:blipFill>
         <p:spPr>
           <a:xfrm>
-            <a:off x="4074294" y="203694"/>
-            <a:ext cx="7777500" cy="5572125"/>
+            <a:off x="7446548" y="0"/>
+            <a:ext cx="4745452" cy="5880867"/>
           </a:xfrm>
           <a:prstGeom prst="rect">
             <a:avLst/>
@@ -9171,7 +9234,7 @@
         <p:spPr>
           <a:xfrm>
             <a:off x="340206" y="1285875"/>
-            <a:ext cx="4089752" cy="3732213"/>
+            <a:ext cx="3761277" cy="3732213"/>
           </a:xfrm>
         </p:spPr>
         <p:txBody>
@@ -9183,22 +9246,15 @@
             </a:pPr>
             <a:r>
               <a:rPr lang="en-US" dirty="0"/>
-              <a:t>A lot of coffee</a:t>
-            </a:r>
-          </a:p>
-          <a:p>
-            <a:pPr marL="0" indent="0">
-              <a:buNone/>
-            </a:pPr>
-            <a:endParaRPr lang="en-US" dirty="0"/>
-          </a:p>
-          <a:p>
-            <a:pPr marL="0" indent="0">
-              <a:buNone/>
-            </a:pPr>
-            <a:r>
-              <a:rPr lang="en-US" dirty="0"/>
-              <a:t>… and some beer.</a:t>
+              <a:t>We also built a simple UI in </a:t>
+            </a:r>
+            <a:r>
+              <a:rPr lang="en-US" dirty="0" err="1"/>
+              <a:t>Streamlit</a:t>
+            </a:r>
+            <a:r>
+              <a:rPr lang="en-US" dirty="0"/>
+              <a:t> so you can play around with the results and parameters.</a:t>
             </a:r>
           </a:p>
         </p:txBody>
@@ -9225,7 +9281,7 @@
         </p:blipFill>
         <p:spPr>
           <a:xfrm>
-            <a:off x="4074294" y="203694"/>
+            <a:off x="4352357" y="114918"/>
             <a:ext cx="7777500" cy="5572125"/>
           </a:xfrm>
           <a:prstGeom prst="rect">
@@ -9265,6 +9321,130 @@
       </p:grpSpPr>
       <p:sp>
         <p:nvSpPr>
+          <p:cNvPr id="3" name="Title 2">
+            <a:extLst>
+              <a:ext uri="{FF2B5EF4-FFF2-40B4-BE49-F238E27FC236}">
+                <a16:creationId xmlns:a16="http://schemas.microsoft.com/office/drawing/2014/main" id="{32C5C36C-7AE5-A74F-B18E-A9BFB3A3ED37}"/>
+              </a:ext>
+            </a:extLst>
+          </p:cNvPr>
+          <p:cNvSpPr>
+            <a:spLocks noGrp="1"/>
+          </p:cNvSpPr>
+          <p:nvPr>
+            <p:ph type="title"/>
+          </p:nvPr>
+        </p:nvSpPr>
+        <p:spPr/>
+        <p:txBody>
+          <a:bodyPr/>
+          <a:lstStyle/>
+          <a:p>
+            <a:r>
+              <a:rPr lang="en-US" dirty="0"/>
+              <a:t>Result</a:t>
+            </a:r>
+          </a:p>
+        </p:txBody>
+      </p:sp>
+      <p:sp>
+        <p:nvSpPr>
+          <p:cNvPr id="4" name="Text Placeholder 3">
+            <a:extLst>
+              <a:ext uri="{FF2B5EF4-FFF2-40B4-BE49-F238E27FC236}">
+                <a16:creationId xmlns:a16="http://schemas.microsoft.com/office/drawing/2014/main" id="{BB1962E3-1688-2247-B12B-26C9BDFEB7B2}"/>
+              </a:ext>
+            </a:extLst>
+          </p:cNvPr>
+          <p:cNvSpPr>
+            <a:spLocks noGrp="1"/>
+          </p:cNvSpPr>
+          <p:nvPr>
+            <p:ph type="body" sz="quarter" idx="13"/>
+          </p:nvPr>
+        </p:nvSpPr>
+        <p:spPr>
+          <a:xfrm>
+            <a:off x="340206" y="1285875"/>
+            <a:ext cx="3761277" cy="3732213"/>
+          </a:xfrm>
+        </p:spPr>
+        <p:txBody>
+          <a:bodyPr/>
+          <a:lstStyle/>
+          <a:p>
+            <a:pPr marL="0" indent="0">
+              <a:buNone/>
+            </a:pPr>
+            <a:r>
+              <a:rPr lang="en-US" dirty="0"/>
+              <a:t>Complete with Ads!</a:t>
+            </a:r>
+          </a:p>
+        </p:txBody>
+      </p:sp>
+      <p:pic>
+        <p:nvPicPr>
+          <p:cNvPr id="6" name="Picture 5">
+            <a:extLst>
+              <a:ext uri="{FF2B5EF4-FFF2-40B4-BE49-F238E27FC236}">
+                <a16:creationId xmlns:a16="http://schemas.microsoft.com/office/drawing/2014/main" id="{7F92A9D0-6BAE-4CB7-9F03-D67A9B10AC6E}"/>
+              </a:ext>
+            </a:extLst>
+          </p:cNvPr>
+          <p:cNvPicPr>
+            <a:picLocks noChangeAspect="1"/>
+          </p:cNvPicPr>
+          <p:nvPr/>
+        </p:nvPicPr>
+        <p:blipFill>
+          <a:blip r:embed="rId2"/>
+          <a:stretch>
+            <a:fillRect/>
+          </a:stretch>
+        </p:blipFill>
+        <p:spPr>
+          <a:xfrm>
+            <a:off x="4403325" y="91216"/>
+            <a:ext cx="7691497" cy="5535174"/>
+          </a:xfrm>
+          <a:prstGeom prst="rect">
+            <a:avLst/>
+          </a:prstGeom>
+        </p:spPr>
+      </p:pic>
+    </p:spTree>
+    <p:extLst>
+      <p:ext uri="{BB962C8B-B14F-4D97-AF65-F5344CB8AC3E}">
+        <p14:creationId xmlns:p14="http://schemas.microsoft.com/office/powerpoint/2010/main" val="742393173"/>
+      </p:ext>
+    </p:extLst>
+  </p:cSld>
+  <p:clrMapOvr>
+    <a:masterClrMapping/>
+  </p:clrMapOvr>
+</p:sld>
+</file>
+
+<file path=ppt/slides/slide38.xml><?xml version="1.0" encoding="utf-8"?>
+<p:sld xmlns:a="http://schemas.openxmlformats.org/drawingml/2006/main" xmlns:r="http://schemas.openxmlformats.org/officeDocument/2006/relationships" xmlns:p="http://schemas.openxmlformats.org/presentationml/2006/main">
+  <p:cSld>
+    <p:spTree>
+      <p:nvGrpSpPr>
+        <p:cNvPr id="1" name=""/>
+        <p:cNvGrpSpPr/>
+        <p:nvPr/>
+      </p:nvGrpSpPr>
+      <p:grpSpPr>
+        <a:xfrm>
+          <a:off x="0" y="0"/>
+          <a:ext cx="0" cy="0"/>
+          <a:chOff x="0" y="0"/>
+          <a:chExt cx="0" cy="0"/>
+        </a:xfrm>
+      </p:grpSpPr>
+      <p:sp>
+        <p:nvSpPr>
           <p:cNvPr id="2" name="Text Placeholder 1"/>
           <p:cNvSpPr>
             <a:spLocks noGrp="1"/>
@@ -9273,7 +9453,12 @@
             <p:ph type="body" sz="quarter" idx="12"/>
           </p:nvPr>
         </p:nvSpPr>
-        <p:spPr/>
+        <p:spPr>
+          <a:xfrm>
+            <a:off x="1075765" y="3245528"/>
+            <a:ext cx="10040470" cy="1066800"/>
+          </a:xfrm>
+        </p:spPr>
         <p:txBody>
           <a:bodyPr/>
           <a:lstStyle/>
@@ -9281,6 +9466,23 @@
             <a:r>
               <a:rPr lang="en-US" dirty="0"/>
               <a:t>Thank You</a:t>
+            </a:r>
+          </a:p>
+          <a:p>
+            <a:endParaRPr lang="en-US" dirty="0"/>
+          </a:p>
+          <a:p>
+            <a:r>
+              <a:rPr lang="en-US" sz="2000" dirty="0"/>
+              <a:t>Start playing at the link below</a:t>
+            </a:r>
+          </a:p>
+          <a:p>
+            <a:r>
+              <a:rPr lang="en-US" sz="2000" b="0" dirty="0">
+                <a:latin typeface="+mn-lt"/>
+              </a:rPr>
+              <a:t>https://locomotive.agency/coal-crawler-renderer-indexer-caboose</a:t>
             </a:r>
           </a:p>
           <a:p>
@@ -9301,7 +9503,12 @@
             <p:ph type="body" sz="quarter" idx="13"/>
           </p:nvPr>
         </p:nvSpPr>
-        <p:spPr/>
+        <p:spPr>
+          <a:xfrm>
+            <a:off x="1075765" y="4530570"/>
+            <a:ext cx="10040470" cy="1066800"/>
+          </a:xfrm>
+        </p:spPr>
         <p:txBody>
           <a:bodyPr/>
           <a:lstStyle/>

--- a/etc/2019 TechSEO Boost PPT Template.revJR.pptx
+++ b/etc/2019 TechSEO Boost PPT Template.revJR.pptx
@@ -251,7 +251,7 @@
           <a:p>
             <a:fld id="{6BB9ADD9-2B36-3646-B4C2-3A0560683232}" type="datetimeFigureOut">
               <a:rPr lang="en-US" smtClean="0"/>
-              <a:t>11/26/2019</a:t>
+              <a:t>12/10/2019</a:t>
             </a:fld>
             <a:endParaRPr lang="en-US"/>
           </a:p>
@@ -416,7 +416,7 @@
           <a:p>
             <a:fld id="{F972B49E-BBEF-654D-8445-386D7ADD7D4C}" type="datetimeFigureOut">
               <a:rPr lang="en-US" smtClean="0"/>
-              <a:t>11/26/2019</a:t>
+              <a:t>12/10/2019</a:t>
             </a:fld>
             <a:endParaRPr lang="en-US"/>
           </a:p>
@@ -9951,6 +9951,48 @@
           </a:p>
         </p:txBody>
       </p:sp>
+      <p:sp>
+        <p:nvSpPr>
+          <p:cNvPr id="2" name="Rectangle 1">
+            <a:extLst>
+              <a:ext uri="{FF2B5EF4-FFF2-40B4-BE49-F238E27FC236}">
+                <a16:creationId xmlns:a16="http://schemas.microsoft.com/office/drawing/2014/main" id="{D6FC0C65-4A35-400F-9696-ACD7A0297359}"/>
+              </a:ext>
+            </a:extLst>
+          </p:cNvPr>
+          <p:cNvSpPr/>
+          <p:nvPr/>
+        </p:nvSpPr>
+        <p:spPr>
+          <a:xfrm>
+            <a:off x="80010" y="5584864"/>
+            <a:ext cx="11624310" cy="261610"/>
+          </a:xfrm>
+          <a:prstGeom prst="rect">
+            <a:avLst/>
+          </a:prstGeom>
+        </p:spPr>
+        <p:txBody>
+          <a:bodyPr wrap="square">
+            <a:spAutoFit/>
+          </a:bodyPr>
+          <a:lstStyle/>
+          <a:p>
+            <a:r>
+              <a:rPr lang="en-US" sz="1100" dirty="0"/>
+              <a:t>Ref: [</a:t>
+            </a:r>
+            <a:r>
+              <a:rPr lang="en-US" altLang="en-US" sz="1100" dirty="0"/>
+              <a:t>Crawling and Duplicates, Chris Manning and Pandu Nayak]</a:t>
+            </a:r>
+            <a:r>
+              <a:rPr lang="en-US" sz="1100" dirty="0"/>
+              <a:t> (http://web.stanford.edu/class/cs276/19handouts/lecture18-crawling.ppt)</a:t>
+            </a:r>
+          </a:p>
+        </p:txBody>
+      </p:sp>
     </p:spTree>
     <p:extLst>
       <p:ext uri="{BB962C8B-B14F-4D97-AF65-F5344CB8AC3E}">
@@ -10035,11 +10077,11 @@
             </a:pPr>
             <a:r>
               <a:rPr lang="en-US" b="1" dirty="0"/>
-              <a:t>PageRank</a:t>
-            </a:r>
-            <a:r>
-              <a:rPr lang="en-US" dirty="0"/>
-              <a:t>, or node popularity metrics, is a good way to measure how deep to go.</a:t>
+              <a:t>PageRank (</a:t>
+            </a:r>
+            <a:r>
+              <a:rPr lang="en-US" dirty="0"/>
+              <a:t>or node popularity metrics) is a good way to measure how deep to go. Hypothesis is that a measurement of node popularity can deprioritize links from very unpopular nodes.</a:t>
             </a:r>
           </a:p>
         </p:txBody>
@@ -10158,7 +10200,7 @@
             </a:pPr>
             <a:r>
               <a:rPr lang="en-US" b="1" dirty="0"/>
-              <a:t>Google knows about over 25 BILLION results.</a:t>
+              <a:t>Google has over 25 BILLION results in their inverted index.</a:t>
             </a:r>
             <a:endParaRPr lang="en-US" dirty="0"/>
           </a:p>
